--- a/docs/No_Name - Presentation.pptx
+++ b/docs/No_Name - Presentation.pptx
@@ -8,8 +8,9 @@
     <p:sldId id="256" r:id="rId2"/>
     <p:sldId id="257" r:id="rId3"/>
     <p:sldId id="258" r:id="rId4"/>
-    <p:sldId id="259" r:id="rId5"/>
-    <p:sldId id="260" r:id="rId6"/>
+    <p:sldId id="261" r:id="rId5"/>
+    <p:sldId id="259" r:id="rId6"/>
+    <p:sldId id="260" r:id="rId7"/>
   </p:sldIdLst>
   <p:sldSz cx="12192000" cy="6858000"/>
   <p:notesSz cx="6858000" cy="9144000"/>
@@ -127,6 +128,5644 @@
 </p:presentation>
 </file>
 
+<file path=ppt/diagrams/colors1.xml><?xml version="1.0" encoding="utf-8"?>
+<dgm:colorsDef xmlns:dgm="http://schemas.openxmlformats.org/drawingml/2006/diagram" xmlns:a="http://schemas.openxmlformats.org/drawingml/2006/main" uniqueId="urn:microsoft.com/office/officeart/2005/8/colors/accent3_4">
+  <dgm:title val=""/>
+  <dgm:desc val=""/>
+  <dgm:catLst>
+    <dgm:cat type="accent3" pri="11400"/>
+  </dgm:catLst>
+  <dgm:styleLbl name="node0">
+    <dgm:fillClrLst meth="cycle">
+      <a:schemeClr val="accent3">
+        <a:shade val="60000"/>
+      </a:schemeClr>
+    </dgm:fillClrLst>
+    <dgm:linClrLst meth="repeat">
+      <a:schemeClr val="lt1"/>
+    </dgm:linClrLst>
+    <dgm:effectClrLst/>
+    <dgm:txLinClrLst/>
+    <dgm:txFillClrLst/>
+    <dgm:txEffectClrLst/>
+  </dgm:styleLbl>
+  <dgm:styleLbl name="node1">
+    <dgm:fillClrLst meth="cycle">
+      <a:schemeClr val="accent3">
+        <a:shade val="50000"/>
+      </a:schemeClr>
+      <a:schemeClr val="accent3">
+        <a:tint val="55000"/>
+      </a:schemeClr>
+    </dgm:fillClrLst>
+    <dgm:linClrLst meth="repeat">
+      <a:schemeClr val="lt1"/>
+    </dgm:linClrLst>
+    <dgm:effectClrLst/>
+    <dgm:txLinClrLst/>
+    <dgm:txFillClrLst/>
+    <dgm:txEffectClrLst/>
+  </dgm:styleLbl>
+  <dgm:styleLbl name="alignNode1">
+    <dgm:fillClrLst meth="cycle">
+      <a:schemeClr val="accent3">
+        <a:shade val="50000"/>
+      </a:schemeClr>
+      <a:schemeClr val="accent3">
+        <a:tint val="55000"/>
+      </a:schemeClr>
+    </dgm:fillClrLst>
+    <dgm:linClrLst meth="cycle">
+      <a:schemeClr val="accent3">
+        <a:shade val="50000"/>
+      </a:schemeClr>
+      <a:schemeClr val="accent3">
+        <a:tint val="55000"/>
+      </a:schemeClr>
+    </dgm:linClrLst>
+    <dgm:effectClrLst/>
+    <dgm:txLinClrLst/>
+    <dgm:txFillClrLst/>
+    <dgm:txEffectClrLst/>
+  </dgm:styleLbl>
+  <dgm:styleLbl name="lnNode1">
+    <dgm:fillClrLst meth="cycle">
+      <a:schemeClr val="accent3">
+        <a:shade val="50000"/>
+      </a:schemeClr>
+      <a:schemeClr val="accent3">
+        <a:tint val="55000"/>
+      </a:schemeClr>
+    </dgm:fillClrLst>
+    <dgm:linClrLst meth="repeat">
+      <a:schemeClr val="lt1"/>
+    </dgm:linClrLst>
+    <dgm:effectClrLst/>
+    <dgm:txLinClrLst/>
+    <dgm:txFillClrLst/>
+    <dgm:txEffectClrLst/>
+  </dgm:styleLbl>
+  <dgm:styleLbl name="vennNode1">
+    <dgm:fillClrLst meth="cycle">
+      <a:schemeClr val="accent3">
+        <a:shade val="80000"/>
+        <a:alpha val="50000"/>
+      </a:schemeClr>
+      <a:schemeClr val="accent3">
+        <a:tint val="50000"/>
+        <a:alpha val="50000"/>
+      </a:schemeClr>
+    </dgm:fillClrLst>
+    <dgm:linClrLst meth="repeat">
+      <a:schemeClr val="lt1"/>
+    </dgm:linClrLst>
+    <dgm:effectClrLst/>
+    <dgm:txLinClrLst/>
+    <dgm:txFillClrLst/>
+    <dgm:txEffectClrLst/>
+  </dgm:styleLbl>
+  <dgm:styleLbl name="node2">
+    <dgm:fillClrLst>
+      <a:schemeClr val="accent3">
+        <a:shade val="80000"/>
+      </a:schemeClr>
+    </dgm:fillClrLst>
+    <dgm:linClrLst meth="repeat">
+      <a:schemeClr val="lt1"/>
+    </dgm:linClrLst>
+    <dgm:effectClrLst/>
+    <dgm:txLinClrLst/>
+    <dgm:txFillClrLst/>
+    <dgm:txEffectClrLst/>
+  </dgm:styleLbl>
+  <dgm:styleLbl name="node3">
+    <dgm:fillClrLst>
+      <a:schemeClr val="accent3">
+        <a:tint val="99000"/>
+      </a:schemeClr>
+    </dgm:fillClrLst>
+    <dgm:linClrLst meth="repeat">
+      <a:schemeClr val="lt1"/>
+    </dgm:linClrLst>
+    <dgm:effectClrLst/>
+    <dgm:txLinClrLst/>
+    <dgm:txFillClrLst/>
+    <dgm:txEffectClrLst/>
+  </dgm:styleLbl>
+  <dgm:styleLbl name="node4">
+    <dgm:fillClrLst>
+      <a:schemeClr val="accent3">
+        <a:tint val="70000"/>
+      </a:schemeClr>
+    </dgm:fillClrLst>
+    <dgm:linClrLst meth="repeat">
+      <a:schemeClr val="lt1"/>
+    </dgm:linClrLst>
+    <dgm:effectClrLst/>
+    <dgm:txLinClrLst/>
+    <dgm:txFillClrLst/>
+    <dgm:txEffectClrLst/>
+  </dgm:styleLbl>
+  <dgm:styleLbl name="fgImgPlace1">
+    <dgm:fillClrLst>
+      <a:schemeClr val="accent3">
+        <a:tint val="50000"/>
+      </a:schemeClr>
+      <a:schemeClr val="accent3">
+        <a:tint val="55000"/>
+      </a:schemeClr>
+    </dgm:fillClrLst>
+    <dgm:linClrLst meth="repeat">
+      <a:schemeClr val="lt1"/>
+    </dgm:linClrLst>
+    <dgm:effectClrLst/>
+    <dgm:txLinClrLst/>
+    <dgm:txFillClrLst meth="repeat">
+      <a:schemeClr val="lt1"/>
+    </dgm:txFillClrLst>
+    <dgm:txEffectClrLst/>
+  </dgm:styleLbl>
+  <dgm:styleLbl name="alignImgPlace1">
+    <dgm:fillClrLst>
+      <a:schemeClr val="accent3">
+        <a:tint val="50000"/>
+      </a:schemeClr>
+      <a:schemeClr val="accent3">
+        <a:tint val="55000"/>
+      </a:schemeClr>
+    </dgm:fillClrLst>
+    <dgm:linClrLst meth="repeat">
+      <a:schemeClr val="lt1"/>
+    </dgm:linClrLst>
+    <dgm:effectClrLst/>
+    <dgm:txLinClrLst/>
+    <dgm:txFillClrLst meth="repeat">
+      <a:schemeClr val="lt1"/>
+    </dgm:txFillClrLst>
+    <dgm:txEffectClrLst/>
+  </dgm:styleLbl>
+  <dgm:styleLbl name="bgImgPlace1">
+    <dgm:fillClrLst>
+      <a:schemeClr val="accent3">
+        <a:tint val="50000"/>
+      </a:schemeClr>
+      <a:schemeClr val="accent3">
+        <a:tint val="55000"/>
+      </a:schemeClr>
+    </dgm:fillClrLst>
+    <dgm:linClrLst meth="repeat">
+      <a:schemeClr val="lt1"/>
+    </dgm:linClrLst>
+    <dgm:effectClrLst/>
+    <dgm:txLinClrLst/>
+    <dgm:txFillClrLst meth="repeat">
+      <a:schemeClr val="lt1"/>
+    </dgm:txFillClrLst>
+    <dgm:txEffectClrLst/>
+  </dgm:styleLbl>
+  <dgm:styleLbl name="sibTrans2D1">
+    <dgm:fillClrLst meth="cycle">
+      <a:schemeClr val="accent3">
+        <a:shade val="90000"/>
+      </a:schemeClr>
+      <a:schemeClr val="accent3">
+        <a:tint val="50000"/>
+      </a:schemeClr>
+    </dgm:fillClrLst>
+    <dgm:linClrLst meth="cycle">
+      <a:schemeClr val="accent3">
+        <a:shade val="90000"/>
+      </a:schemeClr>
+      <a:schemeClr val="accent3">
+        <a:tint val="50000"/>
+      </a:schemeClr>
+    </dgm:linClrLst>
+    <dgm:effectClrLst/>
+    <dgm:txLinClrLst/>
+    <dgm:txFillClrLst/>
+    <dgm:txEffectClrLst/>
+  </dgm:styleLbl>
+  <dgm:styleLbl name="fgSibTrans2D1">
+    <dgm:fillClrLst meth="cycle">
+      <a:schemeClr val="accent3">
+        <a:shade val="90000"/>
+      </a:schemeClr>
+      <a:schemeClr val="accent3">
+        <a:tint val="50000"/>
+      </a:schemeClr>
+    </dgm:fillClrLst>
+    <dgm:linClrLst meth="cycle">
+      <a:schemeClr val="accent3">
+        <a:shade val="90000"/>
+      </a:schemeClr>
+      <a:schemeClr val="accent3">
+        <a:tint val="50000"/>
+      </a:schemeClr>
+    </dgm:linClrLst>
+    <dgm:effectClrLst/>
+    <dgm:txLinClrLst/>
+    <dgm:txFillClrLst/>
+    <dgm:txEffectClrLst/>
+  </dgm:styleLbl>
+  <dgm:styleLbl name="bgSibTrans2D1">
+    <dgm:fillClrLst meth="cycle">
+      <a:schemeClr val="accent3">
+        <a:shade val="90000"/>
+      </a:schemeClr>
+      <a:schemeClr val="accent3">
+        <a:tint val="50000"/>
+      </a:schemeClr>
+    </dgm:fillClrLst>
+    <dgm:linClrLst meth="cycle">
+      <a:schemeClr val="accent3">
+        <a:shade val="90000"/>
+      </a:schemeClr>
+      <a:schemeClr val="accent3">
+        <a:tint val="50000"/>
+      </a:schemeClr>
+    </dgm:linClrLst>
+    <dgm:effectClrLst/>
+    <dgm:txLinClrLst/>
+    <dgm:txFillClrLst/>
+    <dgm:txEffectClrLst/>
+  </dgm:styleLbl>
+  <dgm:styleLbl name="sibTrans1D1">
+    <dgm:fillClrLst meth="cycle">
+      <a:schemeClr val="accent3">
+        <a:shade val="90000"/>
+      </a:schemeClr>
+      <a:schemeClr val="accent3">
+        <a:tint val="50000"/>
+      </a:schemeClr>
+    </dgm:fillClrLst>
+    <dgm:linClrLst meth="cycle">
+      <a:schemeClr val="accent3">
+        <a:shade val="90000"/>
+      </a:schemeClr>
+      <a:schemeClr val="accent3">
+        <a:tint val="50000"/>
+      </a:schemeClr>
+    </dgm:linClrLst>
+    <dgm:effectClrLst/>
+    <dgm:txLinClrLst/>
+    <dgm:txFillClrLst meth="repeat">
+      <a:schemeClr val="tx1"/>
+    </dgm:txFillClrLst>
+    <dgm:txEffectClrLst/>
+  </dgm:styleLbl>
+  <dgm:styleLbl name="callout">
+    <dgm:fillClrLst meth="repeat">
+      <a:schemeClr val="accent3"/>
+    </dgm:fillClrLst>
+    <dgm:linClrLst meth="repeat">
+      <a:schemeClr val="accent3"/>
+    </dgm:linClrLst>
+    <dgm:effectClrLst/>
+    <dgm:txLinClrLst/>
+    <dgm:txFillClrLst meth="repeat">
+      <a:schemeClr val="tx1"/>
+    </dgm:txFillClrLst>
+    <dgm:txEffectClrLst/>
+  </dgm:styleLbl>
+  <dgm:styleLbl name="asst0">
+    <dgm:fillClrLst meth="repeat">
+      <a:schemeClr val="accent3">
+        <a:shade val="80000"/>
+      </a:schemeClr>
+    </dgm:fillClrLst>
+    <dgm:linClrLst meth="repeat">
+      <a:schemeClr val="lt1"/>
+    </dgm:linClrLst>
+    <dgm:effectClrLst/>
+    <dgm:txLinClrLst/>
+    <dgm:txFillClrLst/>
+    <dgm:txEffectClrLst/>
+  </dgm:styleLbl>
+  <dgm:styleLbl name="asst1">
+    <dgm:fillClrLst meth="repeat">
+      <a:schemeClr val="accent3">
+        <a:shade val="80000"/>
+      </a:schemeClr>
+    </dgm:fillClrLst>
+    <dgm:linClrLst meth="repeat">
+      <a:schemeClr val="lt1"/>
+    </dgm:linClrLst>
+    <dgm:effectClrLst/>
+    <dgm:txLinClrLst/>
+    <dgm:txFillClrLst/>
+    <dgm:txEffectClrLst/>
+  </dgm:styleLbl>
+  <dgm:styleLbl name="asst2">
+    <dgm:fillClrLst>
+      <a:schemeClr val="accent3">
+        <a:tint val="90000"/>
+      </a:schemeClr>
+    </dgm:fillClrLst>
+    <dgm:linClrLst meth="repeat">
+      <a:schemeClr val="lt1"/>
+    </dgm:linClrLst>
+    <dgm:effectClrLst/>
+    <dgm:txLinClrLst/>
+    <dgm:txFillClrLst/>
+    <dgm:txEffectClrLst/>
+  </dgm:styleLbl>
+  <dgm:styleLbl name="asst3">
+    <dgm:fillClrLst>
+      <a:schemeClr val="accent3">
+        <a:tint val="70000"/>
+      </a:schemeClr>
+    </dgm:fillClrLst>
+    <dgm:linClrLst meth="repeat">
+      <a:schemeClr val="lt1"/>
+    </dgm:linClrLst>
+    <dgm:effectClrLst/>
+    <dgm:txLinClrLst/>
+    <dgm:txFillClrLst/>
+    <dgm:txEffectClrLst/>
+  </dgm:styleLbl>
+  <dgm:styleLbl name="asst4">
+    <dgm:fillClrLst>
+      <a:schemeClr val="accent3">
+        <a:tint val="50000"/>
+      </a:schemeClr>
+    </dgm:fillClrLst>
+    <dgm:linClrLst meth="repeat">
+      <a:schemeClr val="lt1"/>
+    </dgm:linClrLst>
+    <dgm:effectClrLst/>
+    <dgm:txLinClrLst/>
+    <dgm:txFillClrLst/>
+    <dgm:txEffectClrLst/>
+  </dgm:styleLbl>
+  <dgm:styleLbl name="parChTrans2D1">
+    <dgm:fillClrLst meth="repeat">
+      <a:schemeClr val="accent3">
+        <a:tint val="60000"/>
+      </a:schemeClr>
+    </dgm:fillClrLst>
+    <dgm:linClrLst meth="repeat">
+      <a:schemeClr val="accent3">
+        <a:shade val="80000"/>
+      </a:schemeClr>
+    </dgm:linClrLst>
+    <dgm:effectClrLst/>
+    <dgm:txLinClrLst/>
+    <dgm:txFillClrLst/>
+    <dgm:txEffectClrLst/>
+  </dgm:styleLbl>
+  <dgm:styleLbl name="parChTrans2D2">
+    <dgm:fillClrLst meth="repeat">
+      <a:schemeClr val="accent3">
+        <a:tint val="90000"/>
+      </a:schemeClr>
+    </dgm:fillClrLst>
+    <dgm:linClrLst meth="repeat">
+      <a:schemeClr val="accent3">
+        <a:tint val="90000"/>
+      </a:schemeClr>
+    </dgm:linClrLst>
+    <dgm:effectClrLst/>
+    <dgm:txLinClrLst/>
+    <dgm:txFillClrLst/>
+    <dgm:txEffectClrLst/>
+  </dgm:styleLbl>
+  <dgm:styleLbl name="parChTrans2D3">
+    <dgm:fillClrLst meth="repeat">
+      <a:schemeClr val="accent3">
+        <a:tint val="70000"/>
+      </a:schemeClr>
+    </dgm:fillClrLst>
+    <dgm:linClrLst meth="repeat">
+      <a:schemeClr val="accent3">
+        <a:tint val="70000"/>
+      </a:schemeClr>
+    </dgm:linClrLst>
+    <dgm:effectClrLst/>
+    <dgm:txLinClrLst/>
+    <dgm:txFillClrLst/>
+    <dgm:txEffectClrLst/>
+  </dgm:styleLbl>
+  <dgm:styleLbl name="parChTrans2D4">
+    <dgm:fillClrLst meth="repeat">
+      <a:schemeClr val="accent3">
+        <a:tint val="50000"/>
+      </a:schemeClr>
+    </dgm:fillClrLst>
+    <dgm:linClrLst meth="repeat">
+      <a:schemeClr val="accent3">
+        <a:tint val="50000"/>
+      </a:schemeClr>
+    </dgm:linClrLst>
+    <dgm:effectClrLst/>
+    <dgm:txLinClrLst/>
+    <dgm:txFillClrLst meth="repeat">
+      <a:schemeClr val="dk1"/>
+    </dgm:txFillClrLst>
+    <dgm:txEffectClrLst/>
+  </dgm:styleLbl>
+  <dgm:styleLbl name="parChTrans1D1">
+    <dgm:fillClrLst meth="repeat">
+      <a:schemeClr val="accent3">
+        <a:shade val="80000"/>
+      </a:schemeClr>
+    </dgm:fillClrLst>
+    <dgm:linClrLst meth="repeat">
+      <a:schemeClr val="accent3">
+        <a:shade val="80000"/>
+      </a:schemeClr>
+    </dgm:linClrLst>
+    <dgm:effectClrLst/>
+    <dgm:txLinClrLst/>
+    <dgm:txFillClrLst meth="repeat">
+      <a:schemeClr val="tx1"/>
+    </dgm:txFillClrLst>
+    <dgm:txEffectClrLst/>
+  </dgm:styleLbl>
+  <dgm:styleLbl name="parChTrans1D2">
+    <dgm:fillClrLst meth="repeat">
+      <a:schemeClr val="accent3">
+        <a:tint val="90000"/>
+      </a:schemeClr>
+    </dgm:fillClrLst>
+    <dgm:linClrLst meth="repeat">
+      <a:schemeClr val="accent3">
+        <a:tint val="90000"/>
+      </a:schemeClr>
+    </dgm:linClrLst>
+    <dgm:effectClrLst/>
+    <dgm:txLinClrLst/>
+    <dgm:txFillClrLst meth="repeat">
+      <a:schemeClr val="tx1"/>
+    </dgm:txFillClrLst>
+    <dgm:txEffectClrLst/>
+  </dgm:styleLbl>
+  <dgm:styleLbl name="parChTrans1D3">
+    <dgm:fillClrLst meth="repeat">
+      <a:schemeClr val="accent3">
+        <a:tint val="70000"/>
+      </a:schemeClr>
+    </dgm:fillClrLst>
+    <dgm:linClrLst meth="repeat">
+      <a:schemeClr val="accent3">
+        <a:tint val="70000"/>
+      </a:schemeClr>
+    </dgm:linClrLst>
+    <dgm:effectClrLst/>
+    <dgm:txLinClrLst/>
+    <dgm:txFillClrLst meth="repeat">
+      <a:schemeClr val="tx1"/>
+    </dgm:txFillClrLst>
+    <dgm:txEffectClrLst/>
+  </dgm:styleLbl>
+  <dgm:styleLbl name="parChTrans1D4">
+    <dgm:fillClrLst meth="repeat">
+      <a:schemeClr val="accent3">
+        <a:tint val="50000"/>
+      </a:schemeClr>
+    </dgm:fillClrLst>
+    <dgm:linClrLst meth="repeat">
+      <a:schemeClr val="accent3">
+        <a:tint val="50000"/>
+      </a:schemeClr>
+    </dgm:linClrLst>
+    <dgm:effectClrLst/>
+    <dgm:txLinClrLst/>
+    <dgm:txFillClrLst meth="repeat">
+      <a:schemeClr val="tx1"/>
+    </dgm:txFillClrLst>
+    <dgm:txEffectClrLst/>
+  </dgm:styleLbl>
+  <dgm:styleLbl name="fgAcc1">
+    <dgm:fillClrLst meth="repeat">
+      <a:schemeClr val="lt1">
+        <a:alpha val="90000"/>
+      </a:schemeClr>
+    </dgm:fillClrLst>
+    <dgm:linClrLst meth="cycle">
+      <a:schemeClr val="accent3">
+        <a:shade val="50000"/>
+      </a:schemeClr>
+      <a:schemeClr val="accent3">
+        <a:tint val="55000"/>
+      </a:schemeClr>
+    </dgm:linClrLst>
+    <dgm:effectClrLst/>
+    <dgm:txLinClrLst/>
+    <dgm:txFillClrLst meth="repeat">
+      <a:schemeClr val="dk1"/>
+    </dgm:txFillClrLst>
+    <dgm:txEffectClrLst/>
+  </dgm:styleLbl>
+  <dgm:styleLbl name="conFgAcc1">
+    <dgm:fillClrLst meth="repeat">
+      <a:schemeClr val="lt1">
+        <a:alpha val="90000"/>
+      </a:schemeClr>
+    </dgm:fillClrLst>
+    <dgm:linClrLst meth="cycle">
+      <a:schemeClr val="accent3">
+        <a:shade val="50000"/>
+      </a:schemeClr>
+      <a:schemeClr val="accent3">
+        <a:tint val="55000"/>
+      </a:schemeClr>
+    </dgm:linClrLst>
+    <dgm:effectClrLst/>
+    <dgm:txLinClrLst/>
+    <dgm:txFillClrLst meth="repeat">
+      <a:schemeClr val="dk1"/>
+    </dgm:txFillClrLst>
+    <dgm:txEffectClrLst/>
+  </dgm:styleLbl>
+  <dgm:styleLbl name="alignAcc1">
+    <dgm:fillClrLst meth="repeat">
+      <a:schemeClr val="lt1">
+        <a:alpha val="90000"/>
+      </a:schemeClr>
+    </dgm:fillClrLst>
+    <dgm:linClrLst meth="cycle">
+      <a:schemeClr val="accent3">
+        <a:shade val="50000"/>
+      </a:schemeClr>
+      <a:schemeClr val="accent3">
+        <a:tint val="55000"/>
+      </a:schemeClr>
+    </dgm:linClrLst>
+    <dgm:effectClrLst/>
+    <dgm:txLinClrLst/>
+    <dgm:txFillClrLst meth="repeat">
+      <a:schemeClr val="dk1"/>
+    </dgm:txFillClrLst>
+    <dgm:txEffectClrLst/>
+  </dgm:styleLbl>
+  <dgm:styleLbl name="trAlignAcc1">
+    <dgm:fillClrLst meth="repeat">
+      <a:schemeClr val="lt1">
+        <a:alpha val="55000"/>
+      </a:schemeClr>
+    </dgm:fillClrLst>
+    <dgm:linClrLst meth="repeat">
+      <a:schemeClr val="accent3"/>
+    </dgm:linClrLst>
+    <dgm:effectClrLst/>
+    <dgm:txLinClrLst/>
+    <dgm:txFillClrLst meth="repeat">
+      <a:schemeClr val="dk1"/>
+    </dgm:txFillClrLst>
+    <dgm:txEffectClrLst/>
+  </dgm:styleLbl>
+  <dgm:styleLbl name="bgAcc1">
+    <dgm:fillClrLst meth="repeat">
+      <a:schemeClr val="lt1">
+        <a:alpha val="90000"/>
+      </a:schemeClr>
+    </dgm:fillClrLst>
+    <dgm:linClrLst meth="cycle">
+      <a:schemeClr val="accent3">
+        <a:shade val="50000"/>
+      </a:schemeClr>
+      <a:schemeClr val="accent3">
+        <a:tint val="55000"/>
+      </a:schemeClr>
+    </dgm:linClrLst>
+    <dgm:effectClrLst/>
+    <dgm:txLinClrLst/>
+    <dgm:txFillClrLst meth="repeat">
+      <a:schemeClr val="dk1"/>
+    </dgm:txFillClrLst>
+    <dgm:txEffectClrLst/>
+  </dgm:styleLbl>
+  <dgm:styleLbl name="solidFgAcc1">
+    <dgm:fillClrLst meth="repeat">
+      <a:schemeClr val="lt1"/>
+    </dgm:fillClrLst>
+    <dgm:linClrLst meth="cycle">
+      <a:schemeClr val="accent3">
+        <a:shade val="50000"/>
+      </a:schemeClr>
+      <a:schemeClr val="accent3">
+        <a:tint val="55000"/>
+      </a:schemeClr>
+    </dgm:linClrLst>
+    <dgm:effectClrLst/>
+    <dgm:txLinClrLst/>
+    <dgm:txFillClrLst meth="repeat">
+      <a:schemeClr val="dk1"/>
+    </dgm:txFillClrLst>
+    <dgm:txEffectClrLst/>
+  </dgm:styleLbl>
+  <dgm:styleLbl name="solidAlignAcc1">
+    <dgm:fillClrLst meth="repeat">
+      <a:schemeClr val="lt1"/>
+    </dgm:fillClrLst>
+    <dgm:linClrLst meth="repeat">
+      <a:schemeClr val="accent3"/>
+    </dgm:linClrLst>
+    <dgm:effectClrLst/>
+    <dgm:txLinClrLst/>
+    <dgm:txFillClrLst meth="repeat">
+      <a:schemeClr val="dk1"/>
+    </dgm:txFillClrLst>
+    <dgm:txEffectClrLst/>
+  </dgm:styleLbl>
+  <dgm:styleLbl name="solidBgAcc1">
+    <dgm:fillClrLst meth="repeat">
+      <a:schemeClr val="lt1"/>
+    </dgm:fillClrLst>
+    <dgm:linClrLst meth="repeat">
+      <a:schemeClr val="accent3"/>
+    </dgm:linClrLst>
+    <dgm:effectClrLst/>
+    <dgm:txLinClrLst/>
+    <dgm:txFillClrLst meth="repeat">
+      <a:schemeClr val="dk1"/>
+    </dgm:txFillClrLst>
+    <dgm:txEffectClrLst/>
+  </dgm:styleLbl>
+  <dgm:styleLbl name="fgAccFollowNode1">
+    <dgm:fillClrLst meth="repeat">
+      <a:schemeClr val="accent3">
+        <a:alpha val="90000"/>
+        <a:tint val="55000"/>
+      </a:schemeClr>
+    </dgm:fillClrLst>
+    <dgm:linClrLst meth="repeat">
+      <a:schemeClr val="accent3">
+        <a:alpha val="90000"/>
+        <a:tint val="55000"/>
+      </a:schemeClr>
+    </dgm:linClrLst>
+    <dgm:effectClrLst/>
+    <dgm:txLinClrLst/>
+    <dgm:txFillClrLst meth="repeat">
+      <a:schemeClr val="dk1"/>
+    </dgm:txFillClrLst>
+    <dgm:txEffectClrLst/>
+  </dgm:styleLbl>
+  <dgm:styleLbl name="alignAccFollowNode1">
+    <dgm:fillClrLst meth="repeat">
+      <a:schemeClr val="accent3">
+        <a:alpha val="90000"/>
+        <a:tint val="55000"/>
+      </a:schemeClr>
+    </dgm:fillClrLst>
+    <dgm:linClrLst meth="repeat">
+      <a:schemeClr val="accent3">
+        <a:alpha val="90000"/>
+        <a:tint val="55000"/>
+      </a:schemeClr>
+    </dgm:linClrLst>
+    <dgm:effectClrLst/>
+    <dgm:txLinClrLst/>
+    <dgm:txFillClrLst meth="repeat">
+      <a:schemeClr val="dk1"/>
+    </dgm:txFillClrLst>
+    <dgm:txEffectClrLst/>
+  </dgm:styleLbl>
+  <dgm:styleLbl name="bgAccFollowNode1">
+    <dgm:fillClrLst meth="repeat">
+      <a:schemeClr val="accent3">
+        <a:alpha val="90000"/>
+        <a:tint val="55000"/>
+      </a:schemeClr>
+    </dgm:fillClrLst>
+    <dgm:linClrLst meth="repeat">
+      <a:schemeClr val="lt1"/>
+    </dgm:linClrLst>
+    <dgm:effectClrLst/>
+    <dgm:txLinClrLst/>
+    <dgm:txFillClrLst meth="repeat">
+      <a:schemeClr val="dk1"/>
+    </dgm:txFillClrLst>
+    <dgm:txEffectClrLst/>
+  </dgm:styleLbl>
+  <dgm:styleLbl name="fgAcc0">
+    <dgm:fillClrLst meth="repeat">
+      <a:schemeClr val="lt1">
+        <a:alpha val="90000"/>
+      </a:schemeClr>
+    </dgm:fillClrLst>
+    <dgm:linClrLst meth="repeat">
+      <a:schemeClr val="accent3">
+        <a:shade val="80000"/>
+      </a:schemeClr>
+    </dgm:linClrLst>
+    <dgm:effectClrLst/>
+    <dgm:txLinClrLst/>
+    <dgm:txFillClrLst meth="repeat">
+      <a:schemeClr val="dk1"/>
+    </dgm:txFillClrLst>
+    <dgm:txEffectClrLst/>
+  </dgm:styleLbl>
+  <dgm:styleLbl name="fgAcc2">
+    <dgm:fillClrLst meth="repeat">
+      <a:schemeClr val="lt1">
+        <a:alpha val="90000"/>
+      </a:schemeClr>
+    </dgm:fillClrLst>
+    <dgm:linClrLst meth="repeat">
+      <a:schemeClr val="accent3">
+        <a:tint val="90000"/>
+      </a:schemeClr>
+    </dgm:linClrLst>
+    <dgm:effectClrLst/>
+    <dgm:txLinClrLst/>
+    <dgm:txFillClrLst meth="repeat">
+      <a:schemeClr val="dk1"/>
+    </dgm:txFillClrLst>
+    <dgm:txEffectClrLst/>
+  </dgm:styleLbl>
+  <dgm:styleLbl name="fgAcc3">
+    <dgm:fillClrLst meth="repeat">
+      <a:schemeClr val="lt1">
+        <a:alpha val="90000"/>
+      </a:schemeClr>
+    </dgm:fillClrLst>
+    <dgm:linClrLst meth="repeat">
+      <a:schemeClr val="accent3">
+        <a:tint val="70000"/>
+      </a:schemeClr>
+    </dgm:linClrLst>
+    <dgm:effectClrLst/>
+    <dgm:txLinClrLst/>
+    <dgm:txFillClrLst meth="repeat">
+      <a:schemeClr val="dk1"/>
+    </dgm:txFillClrLst>
+    <dgm:txEffectClrLst/>
+  </dgm:styleLbl>
+  <dgm:styleLbl name="fgAcc4">
+    <dgm:fillClrLst meth="repeat">
+      <a:schemeClr val="lt1">
+        <a:alpha val="90000"/>
+      </a:schemeClr>
+    </dgm:fillClrLst>
+    <dgm:linClrLst meth="repeat">
+      <a:schemeClr val="accent3">
+        <a:tint val="50000"/>
+      </a:schemeClr>
+    </dgm:linClrLst>
+    <dgm:effectClrLst/>
+    <dgm:txLinClrLst/>
+    <dgm:txFillClrLst meth="repeat">
+      <a:schemeClr val="dk1"/>
+    </dgm:txFillClrLst>
+    <dgm:txEffectClrLst/>
+  </dgm:styleLbl>
+  <dgm:styleLbl name="bgShp">
+    <dgm:fillClrLst meth="repeat">
+      <a:schemeClr val="accent3">
+        <a:tint val="55000"/>
+      </a:schemeClr>
+    </dgm:fillClrLst>
+    <dgm:linClrLst meth="repeat">
+      <a:schemeClr val="dk1"/>
+    </dgm:linClrLst>
+    <dgm:effectClrLst/>
+    <dgm:txLinClrLst/>
+    <dgm:txFillClrLst meth="repeat">
+      <a:schemeClr val="dk1"/>
+    </dgm:txFillClrLst>
+    <dgm:txEffectClrLst/>
+  </dgm:styleLbl>
+  <dgm:styleLbl name="dkBgShp">
+    <dgm:fillClrLst meth="repeat">
+      <a:schemeClr val="accent3">
+        <a:shade val="90000"/>
+      </a:schemeClr>
+    </dgm:fillClrLst>
+    <dgm:linClrLst meth="repeat">
+      <a:schemeClr val="dk1"/>
+    </dgm:linClrLst>
+    <dgm:effectClrLst/>
+    <dgm:txLinClrLst/>
+    <dgm:txFillClrLst meth="repeat">
+      <a:schemeClr val="lt1"/>
+    </dgm:txFillClrLst>
+    <dgm:txEffectClrLst/>
+  </dgm:styleLbl>
+  <dgm:styleLbl name="trBgShp">
+    <dgm:fillClrLst meth="repeat">
+      <a:schemeClr val="accent3">
+        <a:tint val="50000"/>
+        <a:alpha val="55000"/>
+      </a:schemeClr>
+    </dgm:fillClrLst>
+    <dgm:linClrLst meth="repeat">
+      <a:schemeClr val="accent3"/>
+    </dgm:linClrLst>
+    <dgm:effectClrLst/>
+    <dgm:txLinClrLst/>
+    <dgm:txFillClrLst meth="repeat">
+      <a:schemeClr val="lt1"/>
+    </dgm:txFillClrLst>
+    <dgm:txEffectClrLst/>
+  </dgm:styleLbl>
+  <dgm:styleLbl name="fgShp">
+    <dgm:fillClrLst meth="repeat">
+      <a:schemeClr val="accent3">
+        <a:tint val="55000"/>
+      </a:schemeClr>
+    </dgm:fillClrLst>
+    <dgm:linClrLst meth="repeat">
+      <a:schemeClr val="lt1"/>
+    </dgm:linClrLst>
+    <dgm:effectClrLst/>
+    <dgm:txLinClrLst/>
+    <dgm:txFillClrLst meth="repeat">
+      <a:schemeClr val="dk1"/>
+    </dgm:txFillClrLst>
+    <dgm:txEffectClrLst/>
+  </dgm:styleLbl>
+  <dgm:styleLbl name="revTx">
+    <dgm:fillClrLst meth="repeat">
+      <a:schemeClr val="lt1">
+        <a:alpha val="0"/>
+      </a:schemeClr>
+    </dgm:fillClrLst>
+    <dgm:linClrLst meth="repeat">
+      <a:schemeClr val="dk1">
+        <a:alpha val="0"/>
+      </a:schemeClr>
+    </dgm:linClrLst>
+    <dgm:effectClrLst/>
+    <dgm:txLinClrLst/>
+    <dgm:txFillClrLst meth="repeat">
+      <a:schemeClr val="tx1"/>
+    </dgm:txFillClrLst>
+    <dgm:txEffectClrLst/>
+  </dgm:styleLbl>
+</dgm:colorsDef>
+</file>
+
+<file path=ppt/diagrams/colors2.xml><?xml version="1.0" encoding="utf-8"?>
+<dgm:colorsDef xmlns:dgm="http://schemas.openxmlformats.org/drawingml/2006/diagram" xmlns:a="http://schemas.openxmlformats.org/drawingml/2006/main" uniqueId="urn:microsoft.com/office/officeart/2005/8/colors/accent3_4">
+  <dgm:title val=""/>
+  <dgm:desc val=""/>
+  <dgm:catLst>
+    <dgm:cat type="accent3" pri="11400"/>
+  </dgm:catLst>
+  <dgm:styleLbl name="node0">
+    <dgm:fillClrLst meth="cycle">
+      <a:schemeClr val="accent3">
+        <a:shade val="60000"/>
+      </a:schemeClr>
+    </dgm:fillClrLst>
+    <dgm:linClrLst meth="repeat">
+      <a:schemeClr val="lt1"/>
+    </dgm:linClrLst>
+    <dgm:effectClrLst/>
+    <dgm:txLinClrLst/>
+    <dgm:txFillClrLst/>
+    <dgm:txEffectClrLst/>
+  </dgm:styleLbl>
+  <dgm:styleLbl name="node1">
+    <dgm:fillClrLst meth="cycle">
+      <a:schemeClr val="accent3">
+        <a:shade val="50000"/>
+      </a:schemeClr>
+      <a:schemeClr val="accent3">
+        <a:tint val="55000"/>
+      </a:schemeClr>
+    </dgm:fillClrLst>
+    <dgm:linClrLst meth="repeat">
+      <a:schemeClr val="lt1"/>
+    </dgm:linClrLst>
+    <dgm:effectClrLst/>
+    <dgm:txLinClrLst/>
+    <dgm:txFillClrLst/>
+    <dgm:txEffectClrLst/>
+  </dgm:styleLbl>
+  <dgm:styleLbl name="alignNode1">
+    <dgm:fillClrLst meth="cycle">
+      <a:schemeClr val="accent3">
+        <a:shade val="50000"/>
+      </a:schemeClr>
+      <a:schemeClr val="accent3">
+        <a:tint val="55000"/>
+      </a:schemeClr>
+    </dgm:fillClrLst>
+    <dgm:linClrLst meth="cycle">
+      <a:schemeClr val="accent3">
+        <a:shade val="50000"/>
+      </a:schemeClr>
+      <a:schemeClr val="accent3">
+        <a:tint val="55000"/>
+      </a:schemeClr>
+    </dgm:linClrLst>
+    <dgm:effectClrLst/>
+    <dgm:txLinClrLst/>
+    <dgm:txFillClrLst/>
+    <dgm:txEffectClrLst/>
+  </dgm:styleLbl>
+  <dgm:styleLbl name="lnNode1">
+    <dgm:fillClrLst meth="cycle">
+      <a:schemeClr val="accent3">
+        <a:shade val="50000"/>
+      </a:schemeClr>
+      <a:schemeClr val="accent3">
+        <a:tint val="55000"/>
+      </a:schemeClr>
+    </dgm:fillClrLst>
+    <dgm:linClrLst meth="repeat">
+      <a:schemeClr val="lt1"/>
+    </dgm:linClrLst>
+    <dgm:effectClrLst/>
+    <dgm:txLinClrLst/>
+    <dgm:txFillClrLst/>
+    <dgm:txEffectClrLst/>
+  </dgm:styleLbl>
+  <dgm:styleLbl name="vennNode1">
+    <dgm:fillClrLst meth="cycle">
+      <a:schemeClr val="accent3">
+        <a:shade val="80000"/>
+        <a:alpha val="50000"/>
+      </a:schemeClr>
+      <a:schemeClr val="accent3">
+        <a:tint val="50000"/>
+        <a:alpha val="50000"/>
+      </a:schemeClr>
+    </dgm:fillClrLst>
+    <dgm:linClrLst meth="repeat">
+      <a:schemeClr val="lt1"/>
+    </dgm:linClrLst>
+    <dgm:effectClrLst/>
+    <dgm:txLinClrLst/>
+    <dgm:txFillClrLst/>
+    <dgm:txEffectClrLst/>
+  </dgm:styleLbl>
+  <dgm:styleLbl name="node2">
+    <dgm:fillClrLst>
+      <a:schemeClr val="accent3">
+        <a:shade val="80000"/>
+      </a:schemeClr>
+    </dgm:fillClrLst>
+    <dgm:linClrLst meth="repeat">
+      <a:schemeClr val="lt1"/>
+    </dgm:linClrLst>
+    <dgm:effectClrLst/>
+    <dgm:txLinClrLst/>
+    <dgm:txFillClrLst/>
+    <dgm:txEffectClrLst/>
+  </dgm:styleLbl>
+  <dgm:styleLbl name="node3">
+    <dgm:fillClrLst>
+      <a:schemeClr val="accent3">
+        <a:tint val="99000"/>
+      </a:schemeClr>
+    </dgm:fillClrLst>
+    <dgm:linClrLst meth="repeat">
+      <a:schemeClr val="lt1"/>
+    </dgm:linClrLst>
+    <dgm:effectClrLst/>
+    <dgm:txLinClrLst/>
+    <dgm:txFillClrLst/>
+    <dgm:txEffectClrLst/>
+  </dgm:styleLbl>
+  <dgm:styleLbl name="node4">
+    <dgm:fillClrLst>
+      <a:schemeClr val="accent3">
+        <a:tint val="70000"/>
+      </a:schemeClr>
+    </dgm:fillClrLst>
+    <dgm:linClrLst meth="repeat">
+      <a:schemeClr val="lt1"/>
+    </dgm:linClrLst>
+    <dgm:effectClrLst/>
+    <dgm:txLinClrLst/>
+    <dgm:txFillClrLst/>
+    <dgm:txEffectClrLst/>
+  </dgm:styleLbl>
+  <dgm:styleLbl name="fgImgPlace1">
+    <dgm:fillClrLst>
+      <a:schemeClr val="accent3">
+        <a:tint val="50000"/>
+      </a:schemeClr>
+      <a:schemeClr val="accent3">
+        <a:tint val="55000"/>
+      </a:schemeClr>
+    </dgm:fillClrLst>
+    <dgm:linClrLst meth="repeat">
+      <a:schemeClr val="lt1"/>
+    </dgm:linClrLst>
+    <dgm:effectClrLst/>
+    <dgm:txLinClrLst/>
+    <dgm:txFillClrLst meth="repeat">
+      <a:schemeClr val="lt1"/>
+    </dgm:txFillClrLst>
+    <dgm:txEffectClrLst/>
+  </dgm:styleLbl>
+  <dgm:styleLbl name="alignImgPlace1">
+    <dgm:fillClrLst>
+      <a:schemeClr val="accent3">
+        <a:tint val="50000"/>
+      </a:schemeClr>
+      <a:schemeClr val="accent3">
+        <a:tint val="55000"/>
+      </a:schemeClr>
+    </dgm:fillClrLst>
+    <dgm:linClrLst meth="repeat">
+      <a:schemeClr val="lt1"/>
+    </dgm:linClrLst>
+    <dgm:effectClrLst/>
+    <dgm:txLinClrLst/>
+    <dgm:txFillClrLst meth="repeat">
+      <a:schemeClr val="lt1"/>
+    </dgm:txFillClrLst>
+    <dgm:txEffectClrLst/>
+  </dgm:styleLbl>
+  <dgm:styleLbl name="bgImgPlace1">
+    <dgm:fillClrLst>
+      <a:schemeClr val="accent3">
+        <a:tint val="50000"/>
+      </a:schemeClr>
+      <a:schemeClr val="accent3">
+        <a:tint val="55000"/>
+      </a:schemeClr>
+    </dgm:fillClrLst>
+    <dgm:linClrLst meth="repeat">
+      <a:schemeClr val="lt1"/>
+    </dgm:linClrLst>
+    <dgm:effectClrLst/>
+    <dgm:txLinClrLst/>
+    <dgm:txFillClrLst meth="repeat">
+      <a:schemeClr val="lt1"/>
+    </dgm:txFillClrLst>
+    <dgm:txEffectClrLst/>
+  </dgm:styleLbl>
+  <dgm:styleLbl name="sibTrans2D1">
+    <dgm:fillClrLst meth="cycle">
+      <a:schemeClr val="accent3">
+        <a:shade val="90000"/>
+      </a:schemeClr>
+      <a:schemeClr val="accent3">
+        <a:tint val="50000"/>
+      </a:schemeClr>
+    </dgm:fillClrLst>
+    <dgm:linClrLst meth="cycle">
+      <a:schemeClr val="accent3">
+        <a:shade val="90000"/>
+      </a:schemeClr>
+      <a:schemeClr val="accent3">
+        <a:tint val="50000"/>
+      </a:schemeClr>
+    </dgm:linClrLst>
+    <dgm:effectClrLst/>
+    <dgm:txLinClrLst/>
+    <dgm:txFillClrLst/>
+    <dgm:txEffectClrLst/>
+  </dgm:styleLbl>
+  <dgm:styleLbl name="fgSibTrans2D1">
+    <dgm:fillClrLst meth="cycle">
+      <a:schemeClr val="accent3">
+        <a:shade val="90000"/>
+      </a:schemeClr>
+      <a:schemeClr val="accent3">
+        <a:tint val="50000"/>
+      </a:schemeClr>
+    </dgm:fillClrLst>
+    <dgm:linClrLst meth="cycle">
+      <a:schemeClr val="accent3">
+        <a:shade val="90000"/>
+      </a:schemeClr>
+      <a:schemeClr val="accent3">
+        <a:tint val="50000"/>
+      </a:schemeClr>
+    </dgm:linClrLst>
+    <dgm:effectClrLst/>
+    <dgm:txLinClrLst/>
+    <dgm:txFillClrLst/>
+    <dgm:txEffectClrLst/>
+  </dgm:styleLbl>
+  <dgm:styleLbl name="bgSibTrans2D1">
+    <dgm:fillClrLst meth="cycle">
+      <a:schemeClr val="accent3">
+        <a:shade val="90000"/>
+      </a:schemeClr>
+      <a:schemeClr val="accent3">
+        <a:tint val="50000"/>
+      </a:schemeClr>
+    </dgm:fillClrLst>
+    <dgm:linClrLst meth="cycle">
+      <a:schemeClr val="accent3">
+        <a:shade val="90000"/>
+      </a:schemeClr>
+      <a:schemeClr val="accent3">
+        <a:tint val="50000"/>
+      </a:schemeClr>
+    </dgm:linClrLst>
+    <dgm:effectClrLst/>
+    <dgm:txLinClrLst/>
+    <dgm:txFillClrLst/>
+    <dgm:txEffectClrLst/>
+  </dgm:styleLbl>
+  <dgm:styleLbl name="sibTrans1D1">
+    <dgm:fillClrLst meth="cycle">
+      <a:schemeClr val="accent3">
+        <a:shade val="90000"/>
+      </a:schemeClr>
+      <a:schemeClr val="accent3">
+        <a:tint val="50000"/>
+      </a:schemeClr>
+    </dgm:fillClrLst>
+    <dgm:linClrLst meth="cycle">
+      <a:schemeClr val="accent3">
+        <a:shade val="90000"/>
+      </a:schemeClr>
+      <a:schemeClr val="accent3">
+        <a:tint val="50000"/>
+      </a:schemeClr>
+    </dgm:linClrLst>
+    <dgm:effectClrLst/>
+    <dgm:txLinClrLst/>
+    <dgm:txFillClrLst meth="repeat">
+      <a:schemeClr val="tx1"/>
+    </dgm:txFillClrLst>
+    <dgm:txEffectClrLst/>
+  </dgm:styleLbl>
+  <dgm:styleLbl name="callout">
+    <dgm:fillClrLst meth="repeat">
+      <a:schemeClr val="accent3"/>
+    </dgm:fillClrLst>
+    <dgm:linClrLst meth="repeat">
+      <a:schemeClr val="accent3"/>
+    </dgm:linClrLst>
+    <dgm:effectClrLst/>
+    <dgm:txLinClrLst/>
+    <dgm:txFillClrLst meth="repeat">
+      <a:schemeClr val="tx1"/>
+    </dgm:txFillClrLst>
+    <dgm:txEffectClrLst/>
+  </dgm:styleLbl>
+  <dgm:styleLbl name="asst0">
+    <dgm:fillClrLst meth="repeat">
+      <a:schemeClr val="accent3">
+        <a:shade val="80000"/>
+      </a:schemeClr>
+    </dgm:fillClrLst>
+    <dgm:linClrLst meth="repeat">
+      <a:schemeClr val="lt1"/>
+    </dgm:linClrLst>
+    <dgm:effectClrLst/>
+    <dgm:txLinClrLst/>
+    <dgm:txFillClrLst/>
+    <dgm:txEffectClrLst/>
+  </dgm:styleLbl>
+  <dgm:styleLbl name="asst1">
+    <dgm:fillClrLst meth="repeat">
+      <a:schemeClr val="accent3">
+        <a:shade val="80000"/>
+      </a:schemeClr>
+    </dgm:fillClrLst>
+    <dgm:linClrLst meth="repeat">
+      <a:schemeClr val="lt1"/>
+    </dgm:linClrLst>
+    <dgm:effectClrLst/>
+    <dgm:txLinClrLst/>
+    <dgm:txFillClrLst/>
+    <dgm:txEffectClrLst/>
+  </dgm:styleLbl>
+  <dgm:styleLbl name="asst2">
+    <dgm:fillClrLst>
+      <a:schemeClr val="accent3">
+        <a:tint val="90000"/>
+      </a:schemeClr>
+    </dgm:fillClrLst>
+    <dgm:linClrLst meth="repeat">
+      <a:schemeClr val="lt1"/>
+    </dgm:linClrLst>
+    <dgm:effectClrLst/>
+    <dgm:txLinClrLst/>
+    <dgm:txFillClrLst/>
+    <dgm:txEffectClrLst/>
+  </dgm:styleLbl>
+  <dgm:styleLbl name="asst3">
+    <dgm:fillClrLst>
+      <a:schemeClr val="accent3">
+        <a:tint val="70000"/>
+      </a:schemeClr>
+    </dgm:fillClrLst>
+    <dgm:linClrLst meth="repeat">
+      <a:schemeClr val="lt1"/>
+    </dgm:linClrLst>
+    <dgm:effectClrLst/>
+    <dgm:txLinClrLst/>
+    <dgm:txFillClrLst/>
+    <dgm:txEffectClrLst/>
+  </dgm:styleLbl>
+  <dgm:styleLbl name="asst4">
+    <dgm:fillClrLst>
+      <a:schemeClr val="accent3">
+        <a:tint val="50000"/>
+      </a:schemeClr>
+    </dgm:fillClrLst>
+    <dgm:linClrLst meth="repeat">
+      <a:schemeClr val="lt1"/>
+    </dgm:linClrLst>
+    <dgm:effectClrLst/>
+    <dgm:txLinClrLst/>
+    <dgm:txFillClrLst/>
+    <dgm:txEffectClrLst/>
+  </dgm:styleLbl>
+  <dgm:styleLbl name="parChTrans2D1">
+    <dgm:fillClrLst meth="repeat">
+      <a:schemeClr val="accent3">
+        <a:tint val="60000"/>
+      </a:schemeClr>
+    </dgm:fillClrLst>
+    <dgm:linClrLst meth="repeat">
+      <a:schemeClr val="accent3">
+        <a:shade val="80000"/>
+      </a:schemeClr>
+    </dgm:linClrLst>
+    <dgm:effectClrLst/>
+    <dgm:txLinClrLst/>
+    <dgm:txFillClrLst/>
+    <dgm:txEffectClrLst/>
+  </dgm:styleLbl>
+  <dgm:styleLbl name="parChTrans2D2">
+    <dgm:fillClrLst meth="repeat">
+      <a:schemeClr val="accent3">
+        <a:tint val="90000"/>
+      </a:schemeClr>
+    </dgm:fillClrLst>
+    <dgm:linClrLst meth="repeat">
+      <a:schemeClr val="accent3">
+        <a:tint val="90000"/>
+      </a:schemeClr>
+    </dgm:linClrLst>
+    <dgm:effectClrLst/>
+    <dgm:txLinClrLst/>
+    <dgm:txFillClrLst/>
+    <dgm:txEffectClrLst/>
+  </dgm:styleLbl>
+  <dgm:styleLbl name="parChTrans2D3">
+    <dgm:fillClrLst meth="repeat">
+      <a:schemeClr val="accent3">
+        <a:tint val="70000"/>
+      </a:schemeClr>
+    </dgm:fillClrLst>
+    <dgm:linClrLst meth="repeat">
+      <a:schemeClr val="accent3">
+        <a:tint val="70000"/>
+      </a:schemeClr>
+    </dgm:linClrLst>
+    <dgm:effectClrLst/>
+    <dgm:txLinClrLst/>
+    <dgm:txFillClrLst/>
+    <dgm:txEffectClrLst/>
+  </dgm:styleLbl>
+  <dgm:styleLbl name="parChTrans2D4">
+    <dgm:fillClrLst meth="repeat">
+      <a:schemeClr val="accent3">
+        <a:tint val="50000"/>
+      </a:schemeClr>
+    </dgm:fillClrLst>
+    <dgm:linClrLst meth="repeat">
+      <a:schemeClr val="accent3">
+        <a:tint val="50000"/>
+      </a:schemeClr>
+    </dgm:linClrLst>
+    <dgm:effectClrLst/>
+    <dgm:txLinClrLst/>
+    <dgm:txFillClrLst meth="repeat">
+      <a:schemeClr val="dk1"/>
+    </dgm:txFillClrLst>
+    <dgm:txEffectClrLst/>
+  </dgm:styleLbl>
+  <dgm:styleLbl name="parChTrans1D1">
+    <dgm:fillClrLst meth="repeat">
+      <a:schemeClr val="accent3">
+        <a:shade val="80000"/>
+      </a:schemeClr>
+    </dgm:fillClrLst>
+    <dgm:linClrLst meth="repeat">
+      <a:schemeClr val="accent3">
+        <a:shade val="80000"/>
+      </a:schemeClr>
+    </dgm:linClrLst>
+    <dgm:effectClrLst/>
+    <dgm:txLinClrLst/>
+    <dgm:txFillClrLst meth="repeat">
+      <a:schemeClr val="tx1"/>
+    </dgm:txFillClrLst>
+    <dgm:txEffectClrLst/>
+  </dgm:styleLbl>
+  <dgm:styleLbl name="parChTrans1D2">
+    <dgm:fillClrLst meth="repeat">
+      <a:schemeClr val="accent3">
+        <a:tint val="90000"/>
+      </a:schemeClr>
+    </dgm:fillClrLst>
+    <dgm:linClrLst meth="repeat">
+      <a:schemeClr val="accent3">
+        <a:tint val="90000"/>
+      </a:schemeClr>
+    </dgm:linClrLst>
+    <dgm:effectClrLst/>
+    <dgm:txLinClrLst/>
+    <dgm:txFillClrLst meth="repeat">
+      <a:schemeClr val="tx1"/>
+    </dgm:txFillClrLst>
+    <dgm:txEffectClrLst/>
+  </dgm:styleLbl>
+  <dgm:styleLbl name="parChTrans1D3">
+    <dgm:fillClrLst meth="repeat">
+      <a:schemeClr val="accent3">
+        <a:tint val="70000"/>
+      </a:schemeClr>
+    </dgm:fillClrLst>
+    <dgm:linClrLst meth="repeat">
+      <a:schemeClr val="accent3">
+        <a:tint val="70000"/>
+      </a:schemeClr>
+    </dgm:linClrLst>
+    <dgm:effectClrLst/>
+    <dgm:txLinClrLst/>
+    <dgm:txFillClrLst meth="repeat">
+      <a:schemeClr val="tx1"/>
+    </dgm:txFillClrLst>
+    <dgm:txEffectClrLst/>
+  </dgm:styleLbl>
+  <dgm:styleLbl name="parChTrans1D4">
+    <dgm:fillClrLst meth="repeat">
+      <a:schemeClr val="accent3">
+        <a:tint val="50000"/>
+      </a:schemeClr>
+    </dgm:fillClrLst>
+    <dgm:linClrLst meth="repeat">
+      <a:schemeClr val="accent3">
+        <a:tint val="50000"/>
+      </a:schemeClr>
+    </dgm:linClrLst>
+    <dgm:effectClrLst/>
+    <dgm:txLinClrLst/>
+    <dgm:txFillClrLst meth="repeat">
+      <a:schemeClr val="tx1"/>
+    </dgm:txFillClrLst>
+    <dgm:txEffectClrLst/>
+  </dgm:styleLbl>
+  <dgm:styleLbl name="fgAcc1">
+    <dgm:fillClrLst meth="repeat">
+      <a:schemeClr val="lt1">
+        <a:alpha val="90000"/>
+      </a:schemeClr>
+    </dgm:fillClrLst>
+    <dgm:linClrLst meth="cycle">
+      <a:schemeClr val="accent3">
+        <a:shade val="50000"/>
+      </a:schemeClr>
+      <a:schemeClr val="accent3">
+        <a:tint val="55000"/>
+      </a:schemeClr>
+    </dgm:linClrLst>
+    <dgm:effectClrLst/>
+    <dgm:txLinClrLst/>
+    <dgm:txFillClrLst meth="repeat">
+      <a:schemeClr val="dk1"/>
+    </dgm:txFillClrLst>
+    <dgm:txEffectClrLst/>
+  </dgm:styleLbl>
+  <dgm:styleLbl name="conFgAcc1">
+    <dgm:fillClrLst meth="repeat">
+      <a:schemeClr val="lt1">
+        <a:alpha val="90000"/>
+      </a:schemeClr>
+    </dgm:fillClrLst>
+    <dgm:linClrLst meth="cycle">
+      <a:schemeClr val="accent3">
+        <a:shade val="50000"/>
+      </a:schemeClr>
+      <a:schemeClr val="accent3">
+        <a:tint val="55000"/>
+      </a:schemeClr>
+    </dgm:linClrLst>
+    <dgm:effectClrLst/>
+    <dgm:txLinClrLst/>
+    <dgm:txFillClrLst meth="repeat">
+      <a:schemeClr val="dk1"/>
+    </dgm:txFillClrLst>
+    <dgm:txEffectClrLst/>
+  </dgm:styleLbl>
+  <dgm:styleLbl name="alignAcc1">
+    <dgm:fillClrLst meth="repeat">
+      <a:schemeClr val="lt1">
+        <a:alpha val="90000"/>
+      </a:schemeClr>
+    </dgm:fillClrLst>
+    <dgm:linClrLst meth="cycle">
+      <a:schemeClr val="accent3">
+        <a:shade val="50000"/>
+      </a:schemeClr>
+      <a:schemeClr val="accent3">
+        <a:tint val="55000"/>
+      </a:schemeClr>
+    </dgm:linClrLst>
+    <dgm:effectClrLst/>
+    <dgm:txLinClrLst/>
+    <dgm:txFillClrLst meth="repeat">
+      <a:schemeClr val="dk1"/>
+    </dgm:txFillClrLst>
+    <dgm:txEffectClrLst/>
+  </dgm:styleLbl>
+  <dgm:styleLbl name="trAlignAcc1">
+    <dgm:fillClrLst meth="repeat">
+      <a:schemeClr val="lt1">
+        <a:alpha val="55000"/>
+      </a:schemeClr>
+    </dgm:fillClrLst>
+    <dgm:linClrLst meth="repeat">
+      <a:schemeClr val="accent3"/>
+    </dgm:linClrLst>
+    <dgm:effectClrLst/>
+    <dgm:txLinClrLst/>
+    <dgm:txFillClrLst meth="repeat">
+      <a:schemeClr val="dk1"/>
+    </dgm:txFillClrLst>
+    <dgm:txEffectClrLst/>
+  </dgm:styleLbl>
+  <dgm:styleLbl name="bgAcc1">
+    <dgm:fillClrLst meth="repeat">
+      <a:schemeClr val="lt1">
+        <a:alpha val="90000"/>
+      </a:schemeClr>
+    </dgm:fillClrLst>
+    <dgm:linClrLst meth="cycle">
+      <a:schemeClr val="accent3">
+        <a:shade val="50000"/>
+      </a:schemeClr>
+      <a:schemeClr val="accent3">
+        <a:tint val="55000"/>
+      </a:schemeClr>
+    </dgm:linClrLst>
+    <dgm:effectClrLst/>
+    <dgm:txLinClrLst/>
+    <dgm:txFillClrLst meth="repeat">
+      <a:schemeClr val="dk1"/>
+    </dgm:txFillClrLst>
+    <dgm:txEffectClrLst/>
+  </dgm:styleLbl>
+  <dgm:styleLbl name="solidFgAcc1">
+    <dgm:fillClrLst meth="repeat">
+      <a:schemeClr val="lt1"/>
+    </dgm:fillClrLst>
+    <dgm:linClrLst meth="cycle">
+      <a:schemeClr val="accent3">
+        <a:shade val="50000"/>
+      </a:schemeClr>
+      <a:schemeClr val="accent3">
+        <a:tint val="55000"/>
+      </a:schemeClr>
+    </dgm:linClrLst>
+    <dgm:effectClrLst/>
+    <dgm:txLinClrLst/>
+    <dgm:txFillClrLst meth="repeat">
+      <a:schemeClr val="dk1"/>
+    </dgm:txFillClrLst>
+    <dgm:txEffectClrLst/>
+  </dgm:styleLbl>
+  <dgm:styleLbl name="solidAlignAcc1">
+    <dgm:fillClrLst meth="repeat">
+      <a:schemeClr val="lt1"/>
+    </dgm:fillClrLst>
+    <dgm:linClrLst meth="repeat">
+      <a:schemeClr val="accent3"/>
+    </dgm:linClrLst>
+    <dgm:effectClrLst/>
+    <dgm:txLinClrLst/>
+    <dgm:txFillClrLst meth="repeat">
+      <a:schemeClr val="dk1"/>
+    </dgm:txFillClrLst>
+    <dgm:txEffectClrLst/>
+  </dgm:styleLbl>
+  <dgm:styleLbl name="solidBgAcc1">
+    <dgm:fillClrLst meth="repeat">
+      <a:schemeClr val="lt1"/>
+    </dgm:fillClrLst>
+    <dgm:linClrLst meth="repeat">
+      <a:schemeClr val="accent3"/>
+    </dgm:linClrLst>
+    <dgm:effectClrLst/>
+    <dgm:txLinClrLst/>
+    <dgm:txFillClrLst meth="repeat">
+      <a:schemeClr val="dk1"/>
+    </dgm:txFillClrLst>
+    <dgm:txEffectClrLst/>
+  </dgm:styleLbl>
+  <dgm:styleLbl name="fgAccFollowNode1">
+    <dgm:fillClrLst meth="repeat">
+      <a:schemeClr val="accent3">
+        <a:alpha val="90000"/>
+        <a:tint val="55000"/>
+      </a:schemeClr>
+    </dgm:fillClrLst>
+    <dgm:linClrLst meth="repeat">
+      <a:schemeClr val="accent3">
+        <a:alpha val="90000"/>
+        <a:tint val="55000"/>
+      </a:schemeClr>
+    </dgm:linClrLst>
+    <dgm:effectClrLst/>
+    <dgm:txLinClrLst/>
+    <dgm:txFillClrLst meth="repeat">
+      <a:schemeClr val="dk1"/>
+    </dgm:txFillClrLst>
+    <dgm:txEffectClrLst/>
+  </dgm:styleLbl>
+  <dgm:styleLbl name="alignAccFollowNode1">
+    <dgm:fillClrLst meth="repeat">
+      <a:schemeClr val="accent3">
+        <a:alpha val="90000"/>
+        <a:tint val="55000"/>
+      </a:schemeClr>
+    </dgm:fillClrLst>
+    <dgm:linClrLst meth="repeat">
+      <a:schemeClr val="accent3">
+        <a:alpha val="90000"/>
+        <a:tint val="55000"/>
+      </a:schemeClr>
+    </dgm:linClrLst>
+    <dgm:effectClrLst/>
+    <dgm:txLinClrLst/>
+    <dgm:txFillClrLst meth="repeat">
+      <a:schemeClr val="dk1"/>
+    </dgm:txFillClrLst>
+    <dgm:txEffectClrLst/>
+  </dgm:styleLbl>
+  <dgm:styleLbl name="bgAccFollowNode1">
+    <dgm:fillClrLst meth="repeat">
+      <a:schemeClr val="accent3">
+        <a:alpha val="90000"/>
+        <a:tint val="55000"/>
+      </a:schemeClr>
+    </dgm:fillClrLst>
+    <dgm:linClrLst meth="repeat">
+      <a:schemeClr val="lt1"/>
+    </dgm:linClrLst>
+    <dgm:effectClrLst/>
+    <dgm:txLinClrLst/>
+    <dgm:txFillClrLst meth="repeat">
+      <a:schemeClr val="dk1"/>
+    </dgm:txFillClrLst>
+    <dgm:txEffectClrLst/>
+  </dgm:styleLbl>
+  <dgm:styleLbl name="fgAcc0">
+    <dgm:fillClrLst meth="repeat">
+      <a:schemeClr val="lt1">
+        <a:alpha val="90000"/>
+      </a:schemeClr>
+    </dgm:fillClrLst>
+    <dgm:linClrLst meth="repeat">
+      <a:schemeClr val="accent3">
+        <a:shade val="80000"/>
+      </a:schemeClr>
+    </dgm:linClrLst>
+    <dgm:effectClrLst/>
+    <dgm:txLinClrLst/>
+    <dgm:txFillClrLst meth="repeat">
+      <a:schemeClr val="dk1"/>
+    </dgm:txFillClrLst>
+    <dgm:txEffectClrLst/>
+  </dgm:styleLbl>
+  <dgm:styleLbl name="fgAcc2">
+    <dgm:fillClrLst meth="repeat">
+      <a:schemeClr val="lt1">
+        <a:alpha val="90000"/>
+      </a:schemeClr>
+    </dgm:fillClrLst>
+    <dgm:linClrLst meth="repeat">
+      <a:schemeClr val="accent3">
+        <a:tint val="90000"/>
+      </a:schemeClr>
+    </dgm:linClrLst>
+    <dgm:effectClrLst/>
+    <dgm:txLinClrLst/>
+    <dgm:txFillClrLst meth="repeat">
+      <a:schemeClr val="dk1"/>
+    </dgm:txFillClrLst>
+    <dgm:txEffectClrLst/>
+  </dgm:styleLbl>
+  <dgm:styleLbl name="fgAcc3">
+    <dgm:fillClrLst meth="repeat">
+      <a:schemeClr val="lt1">
+        <a:alpha val="90000"/>
+      </a:schemeClr>
+    </dgm:fillClrLst>
+    <dgm:linClrLst meth="repeat">
+      <a:schemeClr val="accent3">
+        <a:tint val="70000"/>
+      </a:schemeClr>
+    </dgm:linClrLst>
+    <dgm:effectClrLst/>
+    <dgm:txLinClrLst/>
+    <dgm:txFillClrLst meth="repeat">
+      <a:schemeClr val="dk1"/>
+    </dgm:txFillClrLst>
+    <dgm:txEffectClrLst/>
+  </dgm:styleLbl>
+  <dgm:styleLbl name="fgAcc4">
+    <dgm:fillClrLst meth="repeat">
+      <a:schemeClr val="lt1">
+        <a:alpha val="90000"/>
+      </a:schemeClr>
+    </dgm:fillClrLst>
+    <dgm:linClrLst meth="repeat">
+      <a:schemeClr val="accent3">
+        <a:tint val="50000"/>
+      </a:schemeClr>
+    </dgm:linClrLst>
+    <dgm:effectClrLst/>
+    <dgm:txLinClrLst/>
+    <dgm:txFillClrLst meth="repeat">
+      <a:schemeClr val="dk1"/>
+    </dgm:txFillClrLst>
+    <dgm:txEffectClrLst/>
+  </dgm:styleLbl>
+  <dgm:styleLbl name="bgShp">
+    <dgm:fillClrLst meth="repeat">
+      <a:schemeClr val="accent3">
+        <a:tint val="55000"/>
+      </a:schemeClr>
+    </dgm:fillClrLst>
+    <dgm:linClrLst meth="repeat">
+      <a:schemeClr val="dk1"/>
+    </dgm:linClrLst>
+    <dgm:effectClrLst/>
+    <dgm:txLinClrLst/>
+    <dgm:txFillClrLst meth="repeat">
+      <a:schemeClr val="dk1"/>
+    </dgm:txFillClrLst>
+    <dgm:txEffectClrLst/>
+  </dgm:styleLbl>
+  <dgm:styleLbl name="dkBgShp">
+    <dgm:fillClrLst meth="repeat">
+      <a:schemeClr val="accent3">
+        <a:shade val="90000"/>
+      </a:schemeClr>
+    </dgm:fillClrLst>
+    <dgm:linClrLst meth="repeat">
+      <a:schemeClr val="dk1"/>
+    </dgm:linClrLst>
+    <dgm:effectClrLst/>
+    <dgm:txLinClrLst/>
+    <dgm:txFillClrLst meth="repeat">
+      <a:schemeClr val="lt1"/>
+    </dgm:txFillClrLst>
+    <dgm:txEffectClrLst/>
+  </dgm:styleLbl>
+  <dgm:styleLbl name="trBgShp">
+    <dgm:fillClrLst meth="repeat">
+      <a:schemeClr val="accent3">
+        <a:tint val="50000"/>
+        <a:alpha val="55000"/>
+      </a:schemeClr>
+    </dgm:fillClrLst>
+    <dgm:linClrLst meth="repeat">
+      <a:schemeClr val="accent3"/>
+    </dgm:linClrLst>
+    <dgm:effectClrLst/>
+    <dgm:txLinClrLst/>
+    <dgm:txFillClrLst meth="repeat">
+      <a:schemeClr val="lt1"/>
+    </dgm:txFillClrLst>
+    <dgm:txEffectClrLst/>
+  </dgm:styleLbl>
+  <dgm:styleLbl name="fgShp">
+    <dgm:fillClrLst meth="repeat">
+      <a:schemeClr val="accent3">
+        <a:tint val="55000"/>
+      </a:schemeClr>
+    </dgm:fillClrLst>
+    <dgm:linClrLst meth="repeat">
+      <a:schemeClr val="lt1"/>
+    </dgm:linClrLst>
+    <dgm:effectClrLst/>
+    <dgm:txLinClrLst/>
+    <dgm:txFillClrLst meth="repeat">
+      <a:schemeClr val="dk1"/>
+    </dgm:txFillClrLst>
+    <dgm:txEffectClrLst/>
+  </dgm:styleLbl>
+  <dgm:styleLbl name="revTx">
+    <dgm:fillClrLst meth="repeat">
+      <a:schemeClr val="lt1">
+        <a:alpha val="0"/>
+      </a:schemeClr>
+    </dgm:fillClrLst>
+    <dgm:linClrLst meth="repeat">
+      <a:schemeClr val="dk1">
+        <a:alpha val="0"/>
+      </a:schemeClr>
+    </dgm:linClrLst>
+    <dgm:effectClrLst/>
+    <dgm:txLinClrLst/>
+    <dgm:txFillClrLst meth="repeat">
+      <a:schemeClr val="tx1"/>
+    </dgm:txFillClrLst>
+    <dgm:txEffectClrLst/>
+  </dgm:styleLbl>
+</dgm:colorsDef>
+</file>
+
+<file path=ppt/diagrams/data1.xml><?xml version="1.0" encoding="utf-8"?>
+<dgm:dataModel xmlns:dgm="http://schemas.openxmlformats.org/drawingml/2006/diagram" xmlns:a="http://schemas.openxmlformats.org/drawingml/2006/main">
+  <dgm:ptLst>
+    <dgm:pt modelId="{07A555E0-7AFC-411B-9455-CFE9DEADFFFA}" type="doc">
+      <dgm:prSet loTypeId="urn:microsoft.com/office/officeart/2005/8/layout/process1" loCatId="process" qsTypeId="urn:microsoft.com/office/officeart/2005/8/quickstyle/simple1" qsCatId="simple" csTypeId="urn:microsoft.com/office/officeart/2005/8/colors/accent3_4" csCatId="accent3" phldr="1"/>
+      <dgm:spPr/>
+    </dgm:pt>
+    <dgm:pt modelId="{AE93B64B-7FB3-44AA-9894-C35A89CBC451}">
+      <dgm:prSet phldrT="[Text]"/>
+      <dgm:spPr/>
+      <dgm:t>
+        <a:bodyPr/>
+        <a:lstStyle/>
+        <a:p>
+          <a:r>
+            <a:rPr lang="en-US" dirty="0">
+              <a:solidFill>
+                <a:schemeClr val="tx1"/>
+              </a:solidFill>
+              <a:latin typeface="Lacquer" pitchFamily="2" charset="0"/>
+            </a:rPr>
+            <a:t>FORM THE TEAM</a:t>
+          </a:r>
+          <a:endParaRPr lang="bg-BG" dirty="0">
+            <a:solidFill>
+              <a:schemeClr val="tx1"/>
+            </a:solidFill>
+          </a:endParaRPr>
+        </a:p>
+      </dgm:t>
+    </dgm:pt>
+    <dgm:pt modelId="{52E9D32B-D50B-4C6A-8E9D-09848EF6DDFC}" type="parTrans" cxnId="{5D2CA921-CBA7-4E95-997A-E56AF60A3208}">
+      <dgm:prSet/>
+      <dgm:spPr/>
+      <dgm:t>
+        <a:bodyPr/>
+        <a:lstStyle/>
+        <a:p>
+          <a:endParaRPr lang="bg-BG"/>
+        </a:p>
+      </dgm:t>
+    </dgm:pt>
+    <dgm:pt modelId="{CFEECFCA-B0B4-414A-BA46-8384C2B11D8C}" type="sibTrans" cxnId="{5D2CA921-CBA7-4E95-997A-E56AF60A3208}">
+      <dgm:prSet/>
+      <dgm:spPr/>
+      <dgm:t>
+        <a:bodyPr/>
+        <a:lstStyle/>
+        <a:p>
+          <a:endParaRPr lang="bg-BG"/>
+        </a:p>
+      </dgm:t>
+    </dgm:pt>
+    <dgm:pt modelId="{55A6A00A-D843-4109-9195-C10D70CC74E4}">
+      <dgm:prSet phldrT="[Text]"/>
+      <dgm:spPr/>
+      <dgm:t>
+        <a:bodyPr/>
+        <a:lstStyle/>
+        <a:p>
+          <a:r>
+            <a:rPr lang="en-US" dirty="0">
+              <a:solidFill>
+                <a:schemeClr val="tx1"/>
+              </a:solidFill>
+              <a:latin typeface="Lacquer" pitchFamily="2" charset="0"/>
+            </a:rPr>
+            <a:t>BRAINSTORM FOR IDEA</a:t>
+          </a:r>
+          <a:endParaRPr lang="bg-BG" dirty="0">
+            <a:solidFill>
+              <a:schemeClr val="tx1"/>
+            </a:solidFill>
+          </a:endParaRPr>
+        </a:p>
+      </dgm:t>
+    </dgm:pt>
+    <dgm:pt modelId="{25D112CE-A8A4-413A-AFF1-2A3FE26C0699}" type="parTrans" cxnId="{F2DF9898-6895-420F-B2D5-9137A5D7348D}">
+      <dgm:prSet/>
+      <dgm:spPr/>
+      <dgm:t>
+        <a:bodyPr/>
+        <a:lstStyle/>
+        <a:p>
+          <a:endParaRPr lang="bg-BG"/>
+        </a:p>
+      </dgm:t>
+    </dgm:pt>
+    <dgm:pt modelId="{DF1AD2BA-4C00-40CB-9BAD-749083328E03}" type="sibTrans" cxnId="{F2DF9898-6895-420F-B2D5-9137A5D7348D}">
+      <dgm:prSet/>
+      <dgm:spPr/>
+      <dgm:t>
+        <a:bodyPr/>
+        <a:lstStyle/>
+        <a:p>
+          <a:endParaRPr lang="bg-BG"/>
+        </a:p>
+      </dgm:t>
+    </dgm:pt>
+    <dgm:pt modelId="{213C43D5-A513-46EE-A725-470963E00A92}">
+      <dgm:prSet phldrT="[Text]"/>
+      <dgm:spPr/>
+      <dgm:t>
+        <a:bodyPr/>
+        <a:lstStyle/>
+        <a:p>
+          <a:r>
+            <a:rPr lang="en-US" dirty="0">
+              <a:solidFill>
+                <a:schemeClr val="tx1"/>
+              </a:solidFill>
+              <a:latin typeface="Lacquer" pitchFamily="2" charset="0"/>
+            </a:rPr>
+            <a:t>REPOSITORY ORGANISATION</a:t>
+          </a:r>
+          <a:endParaRPr lang="bg-BG" dirty="0">
+            <a:solidFill>
+              <a:schemeClr val="tx1"/>
+            </a:solidFill>
+          </a:endParaRPr>
+        </a:p>
+      </dgm:t>
+    </dgm:pt>
+    <dgm:pt modelId="{34B2159B-2A33-400D-A3F5-7537BF878D4C}" type="parTrans" cxnId="{6C635F69-6FE5-4A6D-A269-013FEE102B10}">
+      <dgm:prSet/>
+      <dgm:spPr/>
+      <dgm:t>
+        <a:bodyPr/>
+        <a:lstStyle/>
+        <a:p>
+          <a:endParaRPr lang="bg-BG"/>
+        </a:p>
+      </dgm:t>
+    </dgm:pt>
+    <dgm:pt modelId="{911376CE-0121-44CB-B8FC-7CB6A425A547}" type="sibTrans" cxnId="{6C635F69-6FE5-4A6D-A269-013FEE102B10}">
+      <dgm:prSet/>
+      <dgm:spPr/>
+      <dgm:t>
+        <a:bodyPr/>
+        <a:lstStyle/>
+        <a:p>
+          <a:endParaRPr lang="bg-BG"/>
+        </a:p>
+      </dgm:t>
+    </dgm:pt>
+    <dgm:pt modelId="{36DDC600-A81F-4CB5-AE7A-458640B12D2E}">
+      <dgm:prSet/>
+      <dgm:spPr/>
+      <dgm:t>
+        <a:bodyPr/>
+        <a:lstStyle/>
+        <a:p>
+          <a:r>
+            <a:rPr lang="en-US" dirty="0">
+              <a:solidFill>
+                <a:schemeClr val="tx1"/>
+              </a:solidFill>
+              <a:latin typeface="Lacquer" pitchFamily="2" charset="0"/>
+            </a:rPr>
+            <a:t>ASIGN ROLES</a:t>
+          </a:r>
+          <a:endParaRPr lang="bg-BG" dirty="0">
+            <a:solidFill>
+              <a:schemeClr val="tx1"/>
+            </a:solidFill>
+          </a:endParaRPr>
+        </a:p>
+      </dgm:t>
+    </dgm:pt>
+    <dgm:pt modelId="{68D9A6EA-1B68-4D42-870A-6045E911C986}" type="parTrans" cxnId="{EC3D2F24-C390-4AF2-B665-B5166ACF7B9D}">
+      <dgm:prSet/>
+      <dgm:spPr/>
+      <dgm:t>
+        <a:bodyPr/>
+        <a:lstStyle/>
+        <a:p>
+          <a:endParaRPr lang="bg-BG"/>
+        </a:p>
+      </dgm:t>
+    </dgm:pt>
+    <dgm:pt modelId="{989935ED-3A35-4AC6-BF30-7971B424C66B}" type="sibTrans" cxnId="{EC3D2F24-C390-4AF2-B665-B5166ACF7B9D}">
+      <dgm:prSet/>
+      <dgm:spPr/>
+      <dgm:t>
+        <a:bodyPr/>
+        <a:lstStyle/>
+        <a:p>
+          <a:endParaRPr lang="bg-BG"/>
+        </a:p>
+      </dgm:t>
+    </dgm:pt>
+    <dgm:pt modelId="{AF9318C3-DCA1-4CD2-BC2F-D1415FCBF23C}" type="pres">
+      <dgm:prSet presAssocID="{07A555E0-7AFC-411B-9455-CFE9DEADFFFA}" presName="Name0" presStyleCnt="0">
+        <dgm:presLayoutVars>
+          <dgm:dir/>
+          <dgm:resizeHandles val="exact"/>
+        </dgm:presLayoutVars>
+      </dgm:prSet>
+      <dgm:spPr/>
+    </dgm:pt>
+    <dgm:pt modelId="{269DC3C1-102E-459F-96CD-235B4A4E12CD}" type="pres">
+      <dgm:prSet presAssocID="{AE93B64B-7FB3-44AA-9894-C35A89CBC451}" presName="node" presStyleLbl="node1" presStyleIdx="0" presStyleCnt="4">
+        <dgm:presLayoutVars>
+          <dgm:bulletEnabled val="1"/>
+        </dgm:presLayoutVars>
+      </dgm:prSet>
+      <dgm:spPr/>
+    </dgm:pt>
+    <dgm:pt modelId="{3D804728-ACDE-433D-A4CE-AA52C29BA2F9}" type="pres">
+      <dgm:prSet presAssocID="{CFEECFCA-B0B4-414A-BA46-8384C2B11D8C}" presName="sibTrans" presStyleLbl="sibTrans2D1" presStyleIdx="0" presStyleCnt="3"/>
+      <dgm:spPr/>
+    </dgm:pt>
+    <dgm:pt modelId="{0E15139E-9A01-4437-8049-C8BCD71CDED3}" type="pres">
+      <dgm:prSet presAssocID="{CFEECFCA-B0B4-414A-BA46-8384C2B11D8C}" presName="connectorText" presStyleLbl="sibTrans2D1" presStyleIdx="0" presStyleCnt="3"/>
+      <dgm:spPr/>
+    </dgm:pt>
+    <dgm:pt modelId="{A0E4708F-73C2-4EBE-B88C-0592AFF8F3F0}" type="pres">
+      <dgm:prSet presAssocID="{55A6A00A-D843-4109-9195-C10D70CC74E4}" presName="node" presStyleLbl="node1" presStyleIdx="1" presStyleCnt="4">
+        <dgm:presLayoutVars>
+          <dgm:bulletEnabled val="1"/>
+        </dgm:presLayoutVars>
+      </dgm:prSet>
+      <dgm:spPr/>
+    </dgm:pt>
+    <dgm:pt modelId="{67B2D671-6926-45A6-8B10-324ED9CDA1AF}" type="pres">
+      <dgm:prSet presAssocID="{DF1AD2BA-4C00-40CB-9BAD-749083328E03}" presName="sibTrans" presStyleLbl="sibTrans2D1" presStyleIdx="1" presStyleCnt="3"/>
+      <dgm:spPr/>
+    </dgm:pt>
+    <dgm:pt modelId="{8B3D7472-A1ED-4D3D-A702-67E8C7CCF1F5}" type="pres">
+      <dgm:prSet presAssocID="{DF1AD2BA-4C00-40CB-9BAD-749083328E03}" presName="connectorText" presStyleLbl="sibTrans2D1" presStyleIdx="1" presStyleCnt="3"/>
+      <dgm:spPr/>
+    </dgm:pt>
+    <dgm:pt modelId="{52FD2851-788F-4AC3-B9B8-1BE16CF7053A}" type="pres">
+      <dgm:prSet presAssocID="{213C43D5-A513-46EE-A725-470963E00A92}" presName="node" presStyleLbl="node1" presStyleIdx="2" presStyleCnt="4">
+        <dgm:presLayoutVars>
+          <dgm:bulletEnabled val="1"/>
+        </dgm:presLayoutVars>
+      </dgm:prSet>
+      <dgm:spPr/>
+    </dgm:pt>
+    <dgm:pt modelId="{CC9D0185-E063-4575-80A6-56D15C006333}" type="pres">
+      <dgm:prSet presAssocID="{911376CE-0121-44CB-B8FC-7CB6A425A547}" presName="sibTrans" presStyleLbl="sibTrans2D1" presStyleIdx="2" presStyleCnt="3"/>
+      <dgm:spPr/>
+    </dgm:pt>
+    <dgm:pt modelId="{CCD303D2-8E5B-4A36-85EF-509099E5A005}" type="pres">
+      <dgm:prSet presAssocID="{911376CE-0121-44CB-B8FC-7CB6A425A547}" presName="connectorText" presStyleLbl="sibTrans2D1" presStyleIdx="2" presStyleCnt="3"/>
+      <dgm:spPr/>
+    </dgm:pt>
+    <dgm:pt modelId="{14C80873-400D-4B9C-9948-66D232D9FD2F}" type="pres">
+      <dgm:prSet presAssocID="{36DDC600-A81F-4CB5-AE7A-458640B12D2E}" presName="node" presStyleLbl="node1" presStyleIdx="3" presStyleCnt="4">
+        <dgm:presLayoutVars>
+          <dgm:bulletEnabled val="1"/>
+        </dgm:presLayoutVars>
+      </dgm:prSet>
+      <dgm:spPr/>
+    </dgm:pt>
+  </dgm:ptLst>
+  <dgm:cxnLst>
+    <dgm:cxn modelId="{3D6BD30F-7787-4A0F-BCE9-B346C0751F0A}" type="presOf" srcId="{36DDC600-A81F-4CB5-AE7A-458640B12D2E}" destId="{14C80873-400D-4B9C-9948-66D232D9FD2F}" srcOrd="0" destOrd="0" presId="urn:microsoft.com/office/officeart/2005/8/layout/process1"/>
+    <dgm:cxn modelId="{5D2CA921-CBA7-4E95-997A-E56AF60A3208}" srcId="{07A555E0-7AFC-411B-9455-CFE9DEADFFFA}" destId="{AE93B64B-7FB3-44AA-9894-C35A89CBC451}" srcOrd="0" destOrd="0" parTransId="{52E9D32B-D50B-4C6A-8E9D-09848EF6DDFC}" sibTransId="{CFEECFCA-B0B4-414A-BA46-8384C2B11D8C}"/>
+    <dgm:cxn modelId="{EC3D2F24-C390-4AF2-B665-B5166ACF7B9D}" srcId="{07A555E0-7AFC-411B-9455-CFE9DEADFFFA}" destId="{36DDC600-A81F-4CB5-AE7A-458640B12D2E}" srcOrd="3" destOrd="0" parTransId="{68D9A6EA-1B68-4D42-870A-6045E911C986}" sibTransId="{989935ED-3A35-4AC6-BF30-7971B424C66B}"/>
+    <dgm:cxn modelId="{33D64760-A94E-428A-9CC6-FD77FD3F13CE}" type="presOf" srcId="{CFEECFCA-B0B4-414A-BA46-8384C2B11D8C}" destId="{0E15139E-9A01-4437-8049-C8BCD71CDED3}" srcOrd="1" destOrd="0" presId="urn:microsoft.com/office/officeart/2005/8/layout/process1"/>
+    <dgm:cxn modelId="{6C635F69-6FE5-4A6D-A269-013FEE102B10}" srcId="{07A555E0-7AFC-411B-9455-CFE9DEADFFFA}" destId="{213C43D5-A513-46EE-A725-470963E00A92}" srcOrd="2" destOrd="0" parTransId="{34B2159B-2A33-400D-A3F5-7537BF878D4C}" sibTransId="{911376CE-0121-44CB-B8FC-7CB6A425A547}"/>
+    <dgm:cxn modelId="{8B21EB69-7C07-43B3-B9EF-8FF351670892}" type="presOf" srcId="{CFEECFCA-B0B4-414A-BA46-8384C2B11D8C}" destId="{3D804728-ACDE-433D-A4CE-AA52C29BA2F9}" srcOrd="0" destOrd="0" presId="urn:microsoft.com/office/officeart/2005/8/layout/process1"/>
+    <dgm:cxn modelId="{94163F6D-C683-45CA-9412-5C27085A4887}" type="presOf" srcId="{DF1AD2BA-4C00-40CB-9BAD-749083328E03}" destId="{8B3D7472-A1ED-4D3D-A702-67E8C7CCF1F5}" srcOrd="1" destOrd="0" presId="urn:microsoft.com/office/officeart/2005/8/layout/process1"/>
+    <dgm:cxn modelId="{6883B156-CE2A-40B7-A6CD-BE4FACDE38EA}" type="presOf" srcId="{911376CE-0121-44CB-B8FC-7CB6A425A547}" destId="{CCD303D2-8E5B-4A36-85EF-509099E5A005}" srcOrd="1" destOrd="0" presId="urn:microsoft.com/office/officeart/2005/8/layout/process1"/>
+    <dgm:cxn modelId="{451D6383-3270-4B0B-89E3-26D682D3B184}" type="presOf" srcId="{AE93B64B-7FB3-44AA-9894-C35A89CBC451}" destId="{269DC3C1-102E-459F-96CD-235B4A4E12CD}" srcOrd="0" destOrd="0" presId="urn:microsoft.com/office/officeart/2005/8/layout/process1"/>
+    <dgm:cxn modelId="{EF5A9187-17D7-4AE2-87A1-D44893AC5420}" type="presOf" srcId="{911376CE-0121-44CB-B8FC-7CB6A425A547}" destId="{CC9D0185-E063-4575-80A6-56D15C006333}" srcOrd="0" destOrd="0" presId="urn:microsoft.com/office/officeart/2005/8/layout/process1"/>
+    <dgm:cxn modelId="{277F208A-8D84-4C17-9603-0A70B987D876}" type="presOf" srcId="{07A555E0-7AFC-411B-9455-CFE9DEADFFFA}" destId="{AF9318C3-DCA1-4CD2-BC2F-D1415FCBF23C}" srcOrd="0" destOrd="0" presId="urn:microsoft.com/office/officeart/2005/8/layout/process1"/>
+    <dgm:cxn modelId="{D306A58C-7E34-422E-B003-44D743A37C67}" type="presOf" srcId="{213C43D5-A513-46EE-A725-470963E00A92}" destId="{52FD2851-788F-4AC3-B9B8-1BE16CF7053A}" srcOrd="0" destOrd="0" presId="urn:microsoft.com/office/officeart/2005/8/layout/process1"/>
+    <dgm:cxn modelId="{F2DF9898-6895-420F-B2D5-9137A5D7348D}" srcId="{07A555E0-7AFC-411B-9455-CFE9DEADFFFA}" destId="{55A6A00A-D843-4109-9195-C10D70CC74E4}" srcOrd="1" destOrd="0" parTransId="{25D112CE-A8A4-413A-AFF1-2A3FE26C0699}" sibTransId="{DF1AD2BA-4C00-40CB-9BAD-749083328E03}"/>
+    <dgm:cxn modelId="{B5C8D8C9-CEE2-4FC6-931D-80D10DA3B2A5}" type="presOf" srcId="{55A6A00A-D843-4109-9195-C10D70CC74E4}" destId="{A0E4708F-73C2-4EBE-B88C-0592AFF8F3F0}" srcOrd="0" destOrd="0" presId="urn:microsoft.com/office/officeart/2005/8/layout/process1"/>
+    <dgm:cxn modelId="{E8916DE7-A508-4FBE-A932-531B2E8A1E35}" type="presOf" srcId="{DF1AD2BA-4C00-40CB-9BAD-749083328E03}" destId="{67B2D671-6926-45A6-8B10-324ED9CDA1AF}" srcOrd="0" destOrd="0" presId="urn:microsoft.com/office/officeart/2005/8/layout/process1"/>
+    <dgm:cxn modelId="{0024B42C-241A-4876-B5A5-40A37FE92179}" type="presParOf" srcId="{AF9318C3-DCA1-4CD2-BC2F-D1415FCBF23C}" destId="{269DC3C1-102E-459F-96CD-235B4A4E12CD}" srcOrd="0" destOrd="0" presId="urn:microsoft.com/office/officeart/2005/8/layout/process1"/>
+    <dgm:cxn modelId="{0EB17E98-41C1-48D4-B9A1-089659150BC8}" type="presParOf" srcId="{AF9318C3-DCA1-4CD2-BC2F-D1415FCBF23C}" destId="{3D804728-ACDE-433D-A4CE-AA52C29BA2F9}" srcOrd="1" destOrd="0" presId="urn:microsoft.com/office/officeart/2005/8/layout/process1"/>
+    <dgm:cxn modelId="{6E47D0B6-A31A-41B0-A4FB-0358EF8E6C20}" type="presParOf" srcId="{3D804728-ACDE-433D-A4CE-AA52C29BA2F9}" destId="{0E15139E-9A01-4437-8049-C8BCD71CDED3}" srcOrd="0" destOrd="0" presId="urn:microsoft.com/office/officeart/2005/8/layout/process1"/>
+    <dgm:cxn modelId="{D9C82D79-19A5-444C-903B-117E8029E18A}" type="presParOf" srcId="{AF9318C3-DCA1-4CD2-BC2F-D1415FCBF23C}" destId="{A0E4708F-73C2-4EBE-B88C-0592AFF8F3F0}" srcOrd="2" destOrd="0" presId="urn:microsoft.com/office/officeart/2005/8/layout/process1"/>
+    <dgm:cxn modelId="{C37498FA-2043-4EFF-88CB-4F312E845DC1}" type="presParOf" srcId="{AF9318C3-DCA1-4CD2-BC2F-D1415FCBF23C}" destId="{67B2D671-6926-45A6-8B10-324ED9CDA1AF}" srcOrd="3" destOrd="0" presId="urn:microsoft.com/office/officeart/2005/8/layout/process1"/>
+    <dgm:cxn modelId="{6ECF1331-2EE7-47CF-A453-72E6100F90BC}" type="presParOf" srcId="{67B2D671-6926-45A6-8B10-324ED9CDA1AF}" destId="{8B3D7472-A1ED-4D3D-A702-67E8C7CCF1F5}" srcOrd="0" destOrd="0" presId="urn:microsoft.com/office/officeart/2005/8/layout/process1"/>
+    <dgm:cxn modelId="{0AD6E0AD-7B60-48A0-94C1-1DDA414984F8}" type="presParOf" srcId="{AF9318C3-DCA1-4CD2-BC2F-D1415FCBF23C}" destId="{52FD2851-788F-4AC3-B9B8-1BE16CF7053A}" srcOrd="4" destOrd="0" presId="urn:microsoft.com/office/officeart/2005/8/layout/process1"/>
+    <dgm:cxn modelId="{DA4AC002-CE3F-4B96-8A3E-2B6EAF37C7E1}" type="presParOf" srcId="{AF9318C3-DCA1-4CD2-BC2F-D1415FCBF23C}" destId="{CC9D0185-E063-4575-80A6-56D15C006333}" srcOrd="5" destOrd="0" presId="urn:microsoft.com/office/officeart/2005/8/layout/process1"/>
+    <dgm:cxn modelId="{ECA8C087-B3E3-440F-9D78-4B69A3C12BA0}" type="presParOf" srcId="{CC9D0185-E063-4575-80A6-56D15C006333}" destId="{CCD303D2-8E5B-4A36-85EF-509099E5A005}" srcOrd="0" destOrd="0" presId="urn:microsoft.com/office/officeart/2005/8/layout/process1"/>
+    <dgm:cxn modelId="{6DF2F77D-2C0F-40B4-A722-5E0A29B77858}" type="presParOf" srcId="{AF9318C3-DCA1-4CD2-BC2F-D1415FCBF23C}" destId="{14C80873-400D-4B9C-9948-66D232D9FD2F}" srcOrd="6" destOrd="0" presId="urn:microsoft.com/office/officeart/2005/8/layout/process1"/>
+  </dgm:cxnLst>
+  <dgm:bg/>
+  <dgm:whole/>
+  <dgm:extLst>
+    <a:ext uri="http://schemas.microsoft.com/office/drawing/2008/diagram">
+      <dsp:dataModelExt xmlns:dsp="http://schemas.microsoft.com/office/drawing/2008/diagram" relId="rId7" minVer="http://schemas.openxmlformats.org/drawingml/2006/diagram"/>
+    </a:ext>
+  </dgm:extLst>
+</dgm:dataModel>
+</file>
+
+<file path=ppt/diagrams/data2.xml><?xml version="1.0" encoding="utf-8"?>
+<dgm:dataModel xmlns:dgm="http://schemas.openxmlformats.org/drawingml/2006/diagram" xmlns:a="http://schemas.openxmlformats.org/drawingml/2006/main">
+  <dgm:ptLst>
+    <dgm:pt modelId="{7DF75300-50F1-4507-9CC2-D4E035874091}" type="doc">
+      <dgm:prSet loTypeId="urn:microsoft.com/office/officeart/2005/8/layout/process1" loCatId="process" qsTypeId="urn:microsoft.com/office/officeart/2005/8/quickstyle/simple1" qsCatId="simple" csTypeId="urn:microsoft.com/office/officeart/2005/8/colors/accent3_4" csCatId="accent3" phldr="1"/>
+      <dgm:spPr/>
+    </dgm:pt>
+    <dgm:pt modelId="{290F26BB-CF12-4F09-B7BC-16A8B358C82D}">
+      <dgm:prSet phldrT="[Text]"/>
+      <dgm:spPr/>
+      <dgm:t>
+        <a:bodyPr/>
+        <a:lstStyle/>
+        <a:p>
+          <a:r>
+            <a:rPr lang="en-US" dirty="0">
+              <a:solidFill>
+                <a:schemeClr val="tx1"/>
+              </a:solidFill>
+              <a:latin typeface="Lacquer" pitchFamily="2" charset="0"/>
+            </a:rPr>
+            <a:t>PRESENT</a:t>
+          </a:r>
+          <a:endParaRPr lang="bg-BG" dirty="0">
+            <a:solidFill>
+              <a:schemeClr val="tx1"/>
+            </a:solidFill>
+          </a:endParaRPr>
+        </a:p>
+      </dgm:t>
+    </dgm:pt>
+    <dgm:pt modelId="{1EDCB55D-073E-4743-9EB5-70AAD6722442}" type="parTrans" cxnId="{DEE7092D-1B69-41F5-A2F6-F72D957FF596}">
+      <dgm:prSet/>
+      <dgm:spPr/>
+      <dgm:t>
+        <a:bodyPr/>
+        <a:lstStyle/>
+        <a:p>
+          <a:endParaRPr lang="bg-BG"/>
+        </a:p>
+      </dgm:t>
+    </dgm:pt>
+    <dgm:pt modelId="{F92D75B0-C9C1-47A2-A84D-ECD9F77426F3}" type="sibTrans" cxnId="{DEE7092D-1B69-41F5-A2F6-F72D957FF596}">
+      <dgm:prSet/>
+      <dgm:spPr/>
+      <dgm:t>
+        <a:bodyPr/>
+        <a:lstStyle/>
+        <a:p>
+          <a:endParaRPr lang="bg-BG"/>
+        </a:p>
+      </dgm:t>
+    </dgm:pt>
+    <dgm:pt modelId="{530EFA20-B624-469A-9557-AD8417B53CEE}">
+      <dgm:prSet phldrT="[Text]"/>
+      <dgm:spPr/>
+      <dgm:t>
+        <a:bodyPr/>
+        <a:lstStyle/>
+        <a:p>
+          <a:r>
+            <a:rPr lang="en-US" dirty="0">
+              <a:solidFill>
+                <a:schemeClr val="tx1"/>
+              </a:solidFill>
+              <a:latin typeface="Lacquer" pitchFamily="2" charset="0"/>
+            </a:rPr>
+            <a:t>MAKE DOCUMENTS</a:t>
+          </a:r>
+          <a:endParaRPr lang="bg-BG" dirty="0">
+            <a:solidFill>
+              <a:schemeClr val="tx1"/>
+            </a:solidFill>
+          </a:endParaRPr>
+        </a:p>
+      </dgm:t>
+    </dgm:pt>
+    <dgm:pt modelId="{093D6C87-A2B2-48F7-A3B3-9A202C668E3A}" type="parTrans" cxnId="{E410B0EE-B626-4A78-BE05-B9E7B8EA270B}">
+      <dgm:prSet/>
+      <dgm:spPr/>
+      <dgm:t>
+        <a:bodyPr/>
+        <a:lstStyle/>
+        <a:p>
+          <a:endParaRPr lang="bg-BG"/>
+        </a:p>
+      </dgm:t>
+    </dgm:pt>
+    <dgm:pt modelId="{B75F1F21-718D-4179-82A8-FBD6E8710AF7}" type="sibTrans" cxnId="{E410B0EE-B626-4A78-BE05-B9E7B8EA270B}">
+      <dgm:prSet/>
+      <dgm:spPr/>
+      <dgm:t>
+        <a:bodyPr/>
+        <a:lstStyle/>
+        <a:p>
+          <a:endParaRPr lang="bg-BG"/>
+        </a:p>
+      </dgm:t>
+    </dgm:pt>
+    <dgm:pt modelId="{B63B553D-C2A8-4560-ABFE-75CC963BF6E4}">
+      <dgm:prSet phldrT="[Text]"/>
+      <dgm:spPr/>
+      <dgm:t>
+        <a:bodyPr/>
+        <a:lstStyle/>
+        <a:p>
+          <a:r>
+            <a:rPr lang="en-US" dirty="0">
+              <a:solidFill>
+                <a:schemeClr val="tx1"/>
+              </a:solidFill>
+              <a:latin typeface="Lacquer" pitchFamily="2" charset="0"/>
+            </a:rPr>
+            <a:t>START</a:t>
+          </a:r>
+          <a:r>
+            <a:rPr lang="en-US" baseline="0" dirty="0">
+              <a:solidFill>
+                <a:schemeClr val="tx1"/>
+              </a:solidFill>
+              <a:latin typeface="Lacquer" pitchFamily="2" charset="0"/>
+            </a:rPr>
+            <a:t> WORK ON THE PROJECT</a:t>
+          </a:r>
+          <a:endParaRPr lang="bg-BG" dirty="0"/>
+        </a:p>
+      </dgm:t>
+    </dgm:pt>
+    <dgm:pt modelId="{090330D2-57AD-477A-82E4-35C1D4172992}" type="parTrans" cxnId="{657E1247-F634-475B-A5AF-7AE8C9715D54}">
+      <dgm:prSet/>
+      <dgm:spPr/>
+      <dgm:t>
+        <a:bodyPr/>
+        <a:lstStyle/>
+        <a:p>
+          <a:endParaRPr lang="bg-BG"/>
+        </a:p>
+      </dgm:t>
+    </dgm:pt>
+    <dgm:pt modelId="{A3BEC573-FADB-4DD8-BBCF-4BF7D5C6F46E}" type="sibTrans" cxnId="{657E1247-F634-475B-A5AF-7AE8C9715D54}">
+      <dgm:prSet/>
+      <dgm:spPr/>
+      <dgm:t>
+        <a:bodyPr/>
+        <a:lstStyle/>
+        <a:p>
+          <a:endParaRPr lang="bg-BG"/>
+        </a:p>
+      </dgm:t>
+    </dgm:pt>
+    <dgm:pt modelId="{9D5A6FD1-4237-412C-A150-CFF38E06CB24}" type="pres">
+      <dgm:prSet presAssocID="{7DF75300-50F1-4507-9CC2-D4E035874091}" presName="Name0" presStyleCnt="0">
+        <dgm:presLayoutVars>
+          <dgm:dir/>
+          <dgm:resizeHandles val="exact"/>
+        </dgm:presLayoutVars>
+      </dgm:prSet>
+      <dgm:spPr/>
+    </dgm:pt>
+    <dgm:pt modelId="{B7848868-F799-4424-910F-E481F8137E52}" type="pres">
+      <dgm:prSet presAssocID="{290F26BB-CF12-4F09-B7BC-16A8B358C82D}" presName="node" presStyleLbl="node1" presStyleIdx="0" presStyleCnt="3">
+        <dgm:presLayoutVars>
+          <dgm:bulletEnabled val="1"/>
+        </dgm:presLayoutVars>
+      </dgm:prSet>
+      <dgm:spPr/>
+    </dgm:pt>
+    <dgm:pt modelId="{8430034B-427A-47B0-ACC7-29B42EC5896F}" type="pres">
+      <dgm:prSet presAssocID="{F92D75B0-C9C1-47A2-A84D-ECD9F77426F3}" presName="sibTrans" presStyleLbl="sibTrans2D1" presStyleIdx="0" presStyleCnt="2" custAng="10800000"/>
+      <dgm:spPr/>
+    </dgm:pt>
+    <dgm:pt modelId="{9BE7CEF0-3249-4C60-9532-0ABE81D3CBB3}" type="pres">
+      <dgm:prSet presAssocID="{F92D75B0-C9C1-47A2-A84D-ECD9F77426F3}" presName="connectorText" presStyleLbl="sibTrans2D1" presStyleIdx="0" presStyleCnt="2"/>
+      <dgm:spPr/>
+    </dgm:pt>
+    <dgm:pt modelId="{A7316792-4116-46E0-B6CC-633584BF21E3}" type="pres">
+      <dgm:prSet presAssocID="{530EFA20-B624-469A-9557-AD8417B53CEE}" presName="node" presStyleLbl="node1" presStyleIdx="1" presStyleCnt="3">
+        <dgm:presLayoutVars>
+          <dgm:bulletEnabled val="1"/>
+        </dgm:presLayoutVars>
+      </dgm:prSet>
+      <dgm:spPr/>
+    </dgm:pt>
+    <dgm:pt modelId="{DA329FB5-4419-4A2A-B3C6-7036082FA445}" type="pres">
+      <dgm:prSet presAssocID="{B75F1F21-718D-4179-82A8-FBD6E8710AF7}" presName="sibTrans" presStyleLbl="sibTrans2D1" presStyleIdx="1" presStyleCnt="2" custAng="10800000"/>
+      <dgm:spPr/>
+    </dgm:pt>
+    <dgm:pt modelId="{AC6DED3B-50B0-42F8-B829-04B64F75F682}" type="pres">
+      <dgm:prSet presAssocID="{B75F1F21-718D-4179-82A8-FBD6E8710AF7}" presName="connectorText" presStyleLbl="sibTrans2D1" presStyleIdx="1" presStyleCnt="2"/>
+      <dgm:spPr/>
+    </dgm:pt>
+    <dgm:pt modelId="{0FE90379-8378-4BEF-952B-51702A424F44}" type="pres">
+      <dgm:prSet presAssocID="{B63B553D-C2A8-4560-ABFE-75CC963BF6E4}" presName="node" presStyleLbl="node1" presStyleIdx="2" presStyleCnt="3">
+        <dgm:presLayoutVars>
+          <dgm:bulletEnabled val="1"/>
+        </dgm:presLayoutVars>
+      </dgm:prSet>
+      <dgm:spPr/>
+    </dgm:pt>
+  </dgm:ptLst>
+  <dgm:cxnLst>
+    <dgm:cxn modelId="{52C8511F-0EC4-4137-9A4F-001D25FB5AC8}" type="presOf" srcId="{B63B553D-C2A8-4560-ABFE-75CC963BF6E4}" destId="{0FE90379-8378-4BEF-952B-51702A424F44}" srcOrd="0" destOrd="0" presId="urn:microsoft.com/office/officeart/2005/8/layout/process1"/>
+    <dgm:cxn modelId="{DEE7092D-1B69-41F5-A2F6-F72D957FF596}" srcId="{7DF75300-50F1-4507-9CC2-D4E035874091}" destId="{290F26BB-CF12-4F09-B7BC-16A8B358C82D}" srcOrd="0" destOrd="0" parTransId="{1EDCB55D-073E-4743-9EB5-70AAD6722442}" sibTransId="{F92D75B0-C9C1-47A2-A84D-ECD9F77426F3}"/>
+    <dgm:cxn modelId="{0D97012E-1660-4BAF-B449-750A02570EFD}" type="presOf" srcId="{B75F1F21-718D-4179-82A8-FBD6E8710AF7}" destId="{AC6DED3B-50B0-42F8-B829-04B64F75F682}" srcOrd="1" destOrd="0" presId="urn:microsoft.com/office/officeart/2005/8/layout/process1"/>
+    <dgm:cxn modelId="{0C723831-601C-469E-9B2F-1BC789FA817E}" type="presOf" srcId="{B75F1F21-718D-4179-82A8-FBD6E8710AF7}" destId="{DA329FB5-4419-4A2A-B3C6-7036082FA445}" srcOrd="0" destOrd="0" presId="urn:microsoft.com/office/officeart/2005/8/layout/process1"/>
+    <dgm:cxn modelId="{CE81403C-056A-427E-A8F5-D0A45BBE9069}" type="presOf" srcId="{290F26BB-CF12-4F09-B7BC-16A8B358C82D}" destId="{B7848868-F799-4424-910F-E481F8137E52}" srcOrd="0" destOrd="0" presId="urn:microsoft.com/office/officeart/2005/8/layout/process1"/>
+    <dgm:cxn modelId="{657E1247-F634-475B-A5AF-7AE8C9715D54}" srcId="{7DF75300-50F1-4507-9CC2-D4E035874091}" destId="{B63B553D-C2A8-4560-ABFE-75CC963BF6E4}" srcOrd="2" destOrd="0" parTransId="{090330D2-57AD-477A-82E4-35C1D4172992}" sibTransId="{A3BEC573-FADB-4DD8-BBCF-4BF7D5C6F46E}"/>
+    <dgm:cxn modelId="{A0425648-4C68-4EAC-82F1-04AE44A3642F}" type="presOf" srcId="{530EFA20-B624-469A-9557-AD8417B53CEE}" destId="{A7316792-4116-46E0-B6CC-633584BF21E3}" srcOrd="0" destOrd="0" presId="urn:microsoft.com/office/officeart/2005/8/layout/process1"/>
+    <dgm:cxn modelId="{2150C4AF-AB80-4DEB-9A2D-5B9B6827C921}" type="presOf" srcId="{7DF75300-50F1-4507-9CC2-D4E035874091}" destId="{9D5A6FD1-4237-412C-A150-CFF38E06CB24}" srcOrd="0" destOrd="0" presId="urn:microsoft.com/office/officeart/2005/8/layout/process1"/>
+    <dgm:cxn modelId="{1A3C6EE1-0550-40E1-8D51-17C2C88E115E}" type="presOf" srcId="{F92D75B0-C9C1-47A2-A84D-ECD9F77426F3}" destId="{8430034B-427A-47B0-ACC7-29B42EC5896F}" srcOrd="0" destOrd="0" presId="urn:microsoft.com/office/officeart/2005/8/layout/process1"/>
+    <dgm:cxn modelId="{E410B0EE-B626-4A78-BE05-B9E7B8EA270B}" srcId="{7DF75300-50F1-4507-9CC2-D4E035874091}" destId="{530EFA20-B624-469A-9557-AD8417B53CEE}" srcOrd="1" destOrd="0" parTransId="{093D6C87-A2B2-48F7-A3B3-9A202C668E3A}" sibTransId="{B75F1F21-718D-4179-82A8-FBD6E8710AF7}"/>
+    <dgm:cxn modelId="{D92AB8EE-4413-4590-ADCB-1B2F78A66506}" type="presOf" srcId="{F92D75B0-C9C1-47A2-A84D-ECD9F77426F3}" destId="{9BE7CEF0-3249-4C60-9532-0ABE81D3CBB3}" srcOrd="1" destOrd="0" presId="urn:microsoft.com/office/officeart/2005/8/layout/process1"/>
+    <dgm:cxn modelId="{0A78C958-E23A-4163-9938-A7735A711163}" type="presParOf" srcId="{9D5A6FD1-4237-412C-A150-CFF38E06CB24}" destId="{B7848868-F799-4424-910F-E481F8137E52}" srcOrd="0" destOrd="0" presId="urn:microsoft.com/office/officeart/2005/8/layout/process1"/>
+    <dgm:cxn modelId="{D0EFD26D-64E8-443F-BE40-B796003E0993}" type="presParOf" srcId="{9D5A6FD1-4237-412C-A150-CFF38E06CB24}" destId="{8430034B-427A-47B0-ACC7-29B42EC5896F}" srcOrd="1" destOrd="0" presId="urn:microsoft.com/office/officeart/2005/8/layout/process1"/>
+    <dgm:cxn modelId="{96B7ACDE-3FB3-4EAD-ACCB-0EE51992085B}" type="presParOf" srcId="{8430034B-427A-47B0-ACC7-29B42EC5896F}" destId="{9BE7CEF0-3249-4C60-9532-0ABE81D3CBB3}" srcOrd="0" destOrd="0" presId="urn:microsoft.com/office/officeart/2005/8/layout/process1"/>
+    <dgm:cxn modelId="{2D13E2A1-8078-4E1E-804B-3367961F9CF9}" type="presParOf" srcId="{9D5A6FD1-4237-412C-A150-CFF38E06CB24}" destId="{A7316792-4116-46E0-B6CC-633584BF21E3}" srcOrd="2" destOrd="0" presId="urn:microsoft.com/office/officeart/2005/8/layout/process1"/>
+    <dgm:cxn modelId="{0BA570C2-3830-42E9-A60D-E70A9853D5B8}" type="presParOf" srcId="{9D5A6FD1-4237-412C-A150-CFF38E06CB24}" destId="{DA329FB5-4419-4A2A-B3C6-7036082FA445}" srcOrd="3" destOrd="0" presId="urn:microsoft.com/office/officeart/2005/8/layout/process1"/>
+    <dgm:cxn modelId="{C477D2A8-69C1-40C4-B64A-F38FE6246C41}" type="presParOf" srcId="{DA329FB5-4419-4A2A-B3C6-7036082FA445}" destId="{AC6DED3B-50B0-42F8-B829-04B64F75F682}" srcOrd="0" destOrd="0" presId="urn:microsoft.com/office/officeart/2005/8/layout/process1"/>
+    <dgm:cxn modelId="{BCEBC91A-F7B9-477B-B731-6D53606791C8}" type="presParOf" srcId="{9D5A6FD1-4237-412C-A150-CFF38E06CB24}" destId="{0FE90379-8378-4BEF-952B-51702A424F44}" srcOrd="4" destOrd="0" presId="urn:microsoft.com/office/officeart/2005/8/layout/process1"/>
+  </dgm:cxnLst>
+  <dgm:bg/>
+  <dgm:whole/>
+  <dgm:extLst>
+    <a:ext uri="http://schemas.microsoft.com/office/drawing/2008/diagram">
+      <dsp:dataModelExt xmlns:dsp="http://schemas.microsoft.com/office/drawing/2008/diagram" relId="rId12" minVer="http://schemas.openxmlformats.org/drawingml/2006/diagram"/>
+    </a:ext>
+  </dgm:extLst>
+</dgm:dataModel>
+</file>
+
+<file path=ppt/diagrams/drawing1.xml><?xml version="1.0" encoding="utf-8"?>
+<dsp:drawing xmlns:dgm="http://schemas.openxmlformats.org/drawingml/2006/diagram" xmlns:dsp="http://schemas.microsoft.com/office/drawing/2008/diagram" xmlns:a="http://schemas.openxmlformats.org/drawingml/2006/main">
+  <dsp:spTree>
+    <dsp:nvGrpSpPr>
+      <dsp:cNvPr id="0" name=""/>
+      <dsp:cNvGrpSpPr/>
+    </dsp:nvGrpSpPr>
+    <dsp:grpSpPr/>
+    <dsp:sp modelId="{269DC3C1-102E-459F-96CD-235B4A4E12CD}">
+      <dsp:nvSpPr>
+        <dsp:cNvPr id="0" name=""/>
+        <dsp:cNvSpPr/>
+      </dsp:nvSpPr>
+      <dsp:spPr>
+        <a:xfrm>
+          <a:off x="3796" y="2342514"/>
+          <a:ext cx="1659878" cy="995926"/>
+        </a:xfrm>
+        <a:prstGeom prst="roundRect">
+          <a:avLst>
+            <a:gd name="adj" fmla="val 10000"/>
+          </a:avLst>
+        </a:prstGeom>
+        <a:solidFill>
+          <a:schemeClr val="accent3">
+            <a:shade val="50000"/>
+            <a:hueOff val="0"/>
+            <a:satOff val="0"/>
+            <a:lumOff val="0"/>
+            <a:alphaOff val="0"/>
+          </a:schemeClr>
+        </a:solidFill>
+        <a:ln w="12700" cap="flat" cmpd="sng" algn="ctr">
+          <a:solidFill>
+            <a:schemeClr val="lt1">
+              <a:hueOff val="0"/>
+              <a:satOff val="0"/>
+              <a:lumOff val="0"/>
+              <a:alphaOff val="0"/>
+            </a:schemeClr>
+          </a:solidFill>
+          <a:prstDash val="solid"/>
+          <a:miter lim="800000"/>
+        </a:ln>
+        <a:effectLst/>
+      </dsp:spPr>
+      <dsp:style>
+        <a:lnRef idx="2">
+          <a:scrgbClr r="0" g="0" b="0"/>
+        </a:lnRef>
+        <a:fillRef idx="1">
+          <a:scrgbClr r="0" g="0" b="0"/>
+        </a:fillRef>
+        <a:effectRef idx="0">
+          <a:scrgbClr r="0" g="0" b="0"/>
+        </a:effectRef>
+        <a:fontRef idx="minor">
+          <a:schemeClr val="lt1"/>
+        </a:fontRef>
+      </dsp:style>
+      <dsp:txBody>
+        <a:bodyPr spcFirstLastPara="0" vert="horz" wrap="square" lIns="64770" tIns="64770" rIns="64770" bIns="64770" numCol="1" spcCol="1270" anchor="ctr" anchorCtr="0">
+          <a:noAutofit/>
+        </a:bodyPr>
+        <a:lstStyle/>
+        <a:p>
+          <a:pPr marL="0" lvl="0" indent="0" algn="ctr" defTabSz="755650">
+            <a:lnSpc>
+              <a:spcPct val="90000"/>
+            </a:lnSpc>
+            <a:spcBef>
+              <a:spcPct val="0"/>
+            </a:spcBef>
+            <a:spcAft>
+              <a:spcPct val="35000"/>
+            </a:spcAft>
+            <a:buNone/>
+          </a:pPr>
+          <a:r>
+            <a:rPr lang="en-US" sz="1700" kern="1200" dirty="0">
+              <a:solidFill>
+                <a:schemeClr val="tx1"/>
+              </a:solidFill>
+              <a:latin typeface="Lacquer" pitchFamily="2" charset="0"/>
+            </a:rPr>
+            <a:t>FORM THE TEAM</a:t>
+          </a:r>
+          <a:endParaRPr lang="bg-BG" sz="1700" kern="1200" dirty="0">
+            <a:solidFill>
+              <a:schemeClr val="tx1"/>
+            </a:solidFill>
+          </a:endParaRPr>
+        </a:p>
+      </dsp:txBody>
+      <dsp:txXfrm>
+        <a:off x="32966" y="2371684"/>
+        <a:ext cx="1601538" cy="937586"/>
+      </dsp:txXfrm>
+    </dsp:sp>
+    <dsp:sp modelId="{3D804728-ACDE-433D-A4CE-AA52C29BA2F9}">
+      <dsp:nvSpPr>
+        <dsp:cNvPr id="0" name=""/>
+        <dsp:cNvSpPr/>
+      </dsp:nvSpPr>
+      <dsp:spPr>
+        <a:xfrm>
+          <a:off x="1829662" y="2634653"/>
+          <a:ext cx="351894" cy="411649"/>
+        </a:xfrm>
+        <a:prstGeom prst="rightArrow">
+          <a:avLst>
+            <a:gd name="adj1" fmla="val 60000"/>
+            <a:gd name="adj2" fmla="val 50000"/>
+          </a:avLst>
+        </a:prstGeom>
+        <a:solidFill>
+          <a:schemeClr val="accent3">
+            <a:shade val="90000"/>
+            <a:hueOff val="0"/>
+            <a:satOff val="0"/>
+            <a:lumOff val="0"/>
+            <a:alphaOff val="0"/>
+          </a:schemeClr>
+        </a:solidFill>
+        <a:ln>
+          <a:noFill/>
+        </a:ln>
+        <a:effectLst/>
+      </dsp:spPr>
+      <dsp:style>
+        <a:lnRef idx="0">
+          <a:scrgbClr r="0" g="0" b="0"/>
+        </a:lnRef>
+        <a:fillRef idx="1">
+          <a:scrgbClr r="0" g="0" b="0"/>
+        </a:fillRef>
+        <a:effectRef idx="0">
+          <a:scrgbClr r="0" g="0" b="0"/>
+        </a:effectRef>
+        <a:fontRef idx="minor">
+          <a:schemeClr val="lt1"/>
+        </a:fontRef>
+      </dsp:style>
+      <dsp:txBody>
+        <a:bodyPr spcFirstLastPara="0" vert="horz" wrap="square" lIns="0" tIns="0" rIns="0" bIns="0" numCol="1" spcCol="1270" anchor="ctr" anchorCtr="0">
+          <a:noAutofit/>
+        </a:bodyPr>
+        <a:lstStyle/>
+        <a:p>
+          <a:pPr marL="0" lvl="0" indent="0" algn="ctr" defTabSz="622300">
+            <a:lnSpc>
+              <a:spcPct val="90000"/>
+            </a:lnSpc>
+            <a:spcBef>
+              <a:spcPct val="0"/>
+            </a:spcBef>
+            <a:spcAft>
+              <a:spcPct val="35000"/>
+            </a:spcAft>
+            <a:buNone/>
+          </a:pPr>
+          <a:endParaRPr lang="bg-BG" sz="1400" kern="1200"/>
+        </a:p>
+      </dsp:txBody>
+      <dsp:txXfrm>
+        <a:off x="1829662" y="2716983"/>
+        <a:ext cx="246326" cy="246989"/>
+      </dsp:txXfrm>
+    </dsp:sp>
+    <dsp:sp modelId="{A0E4708F-73C2-4EBE-B88C-0592AFF8F3F0}">
+      <dsp:nvSpPr>
+        <dsp:cNvPr id="0" name=""/>
+        <dsp:cNvSpPr/>
+      </dsp:nvSpPr>
+      <dsp:spPr>
+        <a:xfrm>
+          <a:off x="2327626" y="2342514"/>
+          <a:ext cx="1659878" cy="995926"/>
+        </a:xfrm>
+        <a:prstGeom prst="roundRect">
+          <a:avLst>
+            <a:gd name="adj" fmla="val 10000"/>
+          </a:avLst>
+        </a:prstGeom>
+        <a:solidFill>
+          <a:schemeClr val="accent3">
+            <a:shade val="50000"/>
+            <a:hueOff val="0"/>
+            <a:satOff val="0"/>
+            <a:lumOff val="17981"/>
+            <a:alphaOff val="0"/>
+          </a:schemeClr>
+        </a:solidFill>
+        <a:ln w="12700" cap="flat" cmpd="sng" algn="ctr">
+          <a:solidFill>
+            <a:schemeClr val="lt1">
+              <a:hueOff val="0"/>
+              <a:satOff val="0"/>
+              <a:lumOff val="0"/>
+              <a:alphaOff val="0"/>
+            </a:schemeClr>
+          </a:solidFill>
+          <a:prstDash val="solid"/>
+          <a:miter lim="800000"/>
+        </a:ln>
+        <a:effectLst/>
+      </dsp:spPr>
+      <dsp:style>
+        <a:lnRef idx="2">
+          <a:scrgbClr r="0" g="0" b="0"/>
+        </a:lnRef>
+        <a:fillRef idx="1">
+          <a:scrgbClr r="0" g="0" b="0"/>
+        </a:fillRef>
+        <a:effectRef idx="0">
+          <a:scrgbClr r="0" g="0" b="0"/>
+        </a:effectRef>
+        <a:fontRef idx="minor">
+          <a:schemeClr val="lt1"/>
+        </a:fontRef>
+      </dsp:style>
+      <dsp:txBody>
+        <a:bodyPr spcFirstLastPara="0" vert="horz" wrap="square" lIns="64770" tIns="64770" rIns="64770" bIns="64770" numCol="1" spcCol="1270" anchor="ctr" anchorCtr="0">
+          <a:noAutofit/>
+        </a:bodyPr>
+        <a:lstStyle/>
+        <a:p>
+          <a:pPr marL="0" lvl="0" indent="0" algn="ctr" defTabSz="755650">
+            <a:lnSpc>
+              <a:spcPct val="90000"/>
+            </a:lnSpc>
+            <a:spcBef>
+              <a:spcPct val="0"/>
+            </a:spcBef>
+            <a:spcAft>
+              <a:spcPct val="35000"/>
+            </a:spcAft>
+            <a:buNone/>
+          </a:pPr>
+          <a:r>
+            <a:rPr lang="en-US" sz="1700" kern="1200" dirty="0">
+              <a:solidFill>
+                <a:schemeClr val="tx1"/>
+              </a:solidFill>
+              <a:latin typeface="Lacquer" pitchFamily="2" charset="0"/>
+            </a:rPr>
+            <a:t>BRAINSTORM FOR IDEA</a:t>
+          </a:r>
+          <a:endParaRPr lang="bg-BG" sz="1700" kern="1200" dirty="0">
+            <a:solidFill>
+              <a:schemeClr val="tx1"/>
+            </a:solidFill>
+          </a:endParaRPr>
+        </a:p>
+      </dsp:txBody>
+      <dsp:txXfrm>
+        <a:off x="2356796" y="2371684"/>
+        <a:ext cx="1601538" cy="937586"/>
+      </dsp:txXfrm>
+    </dsp:sp>
+    <dsp:sp modelId="{67B2D671-6926-45A6-8B10-324ED9CDA1AF}">
+      <dsp:nvSpPr>
+        <dsp:cNvPr id="0" name=""/>
+        <dsp:cNvSpPr/>
+      </dsp:nvSpPr>
+      <dsp:spPr>
+        <a:xfrm>
+          <a:off x="4153492" y="2634653"/>
+          <a:ext cx="351894" cy="411649"/>
+        </a:xfrm>
+        <a:prstGeom prst="rightArrow">
+          <a:avLst>
+            <a:gd name="adj1" fmla="val 60000"/>
+            <a:gd name="adj2" fmla="val 50000"/>
+          </a:avLst>
+        </a:prstGeom>
+        <a:solidFill>
+          <a:schemeClr val="accent3">
+            <a:shade val="90000"/>
+            <a:hueOff val="0"/>
+            <a:satOff val="0"/>
+            <a:lumOff val="15397"/>
+            <a:alphaOff val="0"/>
+          </a:schemeClr>
+        </a:solidFill>
+        <a:ln>
+          <a:noFill/>
+        </a:ln>
+        <a:effectLst/>
+      </dsp:spPr>
+      <dsp:style>
+        <a:lnRef idx="0">
+          <a:scrgbClr r="0" g="0" b="0"/>
+        </a:lnRef>
+        <a:fillRef idx="1">
+          <a:scrgbClr r="0" g="0" b="0"/>
+        </a:fillRef>
+        <a:effectRef idx="0">
+          <a:scrgbClr r="0" g="0" b="0"/>
+        </a:effectRef>
+        <a:fontRef idx="minor">
+          <a:schemeClr val="lt1"/>
+        </a:fontRef>
+      </dsp:style>
+      <dsp:txBody>
+        <a:bodyPr spcFirstLastPara="0" vert="horz" wrap="square" lIns="0" tIns="0" rIns="0" bIns="0" numCol="1" spcCol="1270" anchor="ctr" anchorCtr="0">
+          <a:noAutofit/>
+        </a:bodyPr>
+        <a:lstStyle/>
+        <a:p>
+          <a:pPr marL="0" lvl="0" indent="0" algn="ctr" defTabSz="622300">
+            <a:lnSpc>
+              <a:spcPct val="90000"/>
+            </a:lnSpc>
+            <a:spcBef>
+              <a:spcPct val="0"/>
+            </a:spcBef>
+            <a:spcAft>
+              <a:spcPct val="35000"/>
+            </a:spcAft>
+            <a:buNone/>
+          </a:pPr>
+          <a:endParaRPr lang="bg-BG" sz="1400" kern="1200"/>
+        </a:p>
+      </dsp:txBody>
+      <dsp:txXfrm>
+        <a:off x="4153492" y="2716983"/>
+        <a:ext cx="246326" cy="246989"/>
+      </dsp:txXfrm>
+    </dsp:sp>
+    <dsp:sp modelId="{52FD2851-788F-4AC3-B9B8-1BE16CF7053A}">
+      <dsp:nvSpPr>
+        <dsp:cNvPr id="0" name=""/>
+        <dsp:cNvSpPr/>
+      </dsp:nvSpPr>
+      <dsp:spPr>
+        <a:xfrm>
+          <a:off x="4651455" y="2342514"/>
+          <a:ext cx="1659878" cy="995926"/>
+        </a:xfrm>
+        <a:prstGeom prst="roundRect">
+          <a:avLst>
+            <a:gd name="adj" fmla="val 10000"/>
+          </a:avLst>
+        </a:prstGeom>
+        <a:solidFill>
+          <a:schemeClr val="accent3">
+            <a:shade val="50000"/>
+            <a:hueOff val="0"/>
+            <a:satOff val="0"/>
+            <a:lumOff val="35962"/>
+            <a:alphaOff val="0"/>
+          </a:schemeClr>
+        </a:solidFill>
+        <a:ln w="12700" cap="flat" cmpd="sng" algn="ctr">
+          <a:solidFill>
+            <a:schemeClr val="lt1">
+              <a:hueOff val="0"/>
+              <a:satOff val="0"/>
+              <a:lumOff val="0"/>
+              <a:alphaOff val="0"/>
+            </a:schemeClr>
+          </a:solidFill>
+          <a:prstDash val="solid"/>
+          <a:miter lim="800000"/>
+        </a:ln>
+        <a:effectLst/>
+      </dsp:spPr>
+      <dsp:style>
+        <a:lnRef idx="2">
+          <a:scrgbClr r="0" g="0" b="0"/>
+        </a:lnRef>
+        <a:fillRef idx="1">
+          <a:scrgbClr r="0" g="0" b="0"/>
+        </a:fillRef>
+        <a:effectRef idx="0">
+          <a:scrgbClr r="0" g="0" b="0"/>
+        </a:effectRef>
+        <a:fontRef idx="minor">
+          <a:schemeClr val="lt1"/>
+        </a:fontRef>
+      </dsp:style>
+      <dsp:txBody>
+        <a:bodyPr spcFirstLastPara="0" vert="horz" wrap="square" lIns="64770" tIns="64770" rIns="64770" bIns="64770" numCol="1" spcCol="1270" anchor="ctr" anchorCtr="0">
+          <a:noAutofit/>
+        </a:bodyPr>
+        <a:lstStyle/>
+        <a:p>
+          <a:pPr marL="0" lvl="0" indent="0" algn="ctr" defTabSz="755650">
+            <a:lnSpc>
+              <a:spcPct val="90000"/>
+            </a:lnSpc>
+            <a:spcBef>
+              <a:spcPct val="0"/>
+            </a:spcBef>
+            <a:spcAft>
+              <a:spcPct val="35000"/>
+            </a:spcAft>
+            <a:buNone/>
+          </a:pPr>
+          <a:r>
+            <a:rPr lang="en-US" sz="1700" kern="1200" dirty="0">
+              <a:solidFill>
+                <a:schemeClr val="tx1"/>
+              </a:solidFill>
+              <a:latin typeface="Lacquer" pitchFamily="2" charset="0"/>
+            </a:rPr>
+            <a:t>REPOSITORY ORGANISATION</a:t>
+          </a:r>
+          <a:endParaRPr lang="bg-BG" sz="1700" kern="1200" dirty="0">
+            <a:solidFill>
+              <a:schemeClr val="tx1"/>
+            </a:solidFill>
+          </a:endParaRPr>
+        </a:p>
+      </dsp:txBody>
+      <dsp:txXfrm>
+        <a:off x="4680625" y="2371684"/>
+        <a:ext cx="1601538" cy="937586"/>
+      </dsp:txXfrm>
+    </dsp:sp>
+    <dsp:sp modelId="{CC9D0185-E063-4575-80A6-56D15C006333}">
+      <dsp:nvSpPr>
+        <dsp:cNvPr id="0" name=""/>
+        <dsp:cNvSpPr/>
+      </dsp:nvSpPr>
+      <dsp:spPr>
+        <a:xfrm>
+          <a:off x="6477321" y="2634653"/>
+          <a:ext cx="351894" cy="411649"/>
+        </a:xfrm>
+        <a:prstGeom prst="rightArrow">
+          <a:avLst>
+            <a:gd name="adj1" fmla="val 60000"/>
+            <a:gd name="adj2" fmla="val 50000"/>
+          </a:avLst>
+        </a:prstGeom>
+        <a:solidFill>
+          <a:schemeClr val="accent3">
+            <a:shade val="90000"/>
+            <a:hueOff val="0"/>
+            <a:satOff val="0"/>
+            <a:lumOff val="15397"/>
+            <a:alphaOff val="0"/>
+          </a:schemeClr>
+        </a:solidFill>
+        <a:ln>
+          <a:noFill/>
+        </a:ln>
+        <a:effectLst/>
+      </dsp:spPr>
+      <dsp:style>
+        <a:lnRef idx="0">
+          <a:scrgbClr r="0" g="0" b="0"/>
+        </a:lnRef>
+        <a:fillRef idx="1">
+          <a:scrgbClr r="0" g="0" b="0"/>
+        </a:fillRef>
+        <a:effectRef idx="0">
+          <a:scrgbClr r="0" g="0" b="0"/>
+        </a:effectRef>
+        <a:fontRef idx="minor">
+          <a:schemeClr val="lt1"/>
+        </a:fontRef>
+      </dsp:style>
+      <dsp:txBody>
+        <a:bodyPr spcFirstLastPara="0" vert="horz" wrap="square" lIns="0" tIns="0" rIns="0" bIns="0" numCol="1" spcCol="1270" anchor="ctr" anchorCtr="0">
+          <a:noAutofit/>
+        </a:bodyPr>
+        <a:lstStyle/>
+        <a:p>
+          <a:pPr marL="0" lvl="0" indent="0" algn="ctr" defTabSz="622300">
+            <a:lnSpc>
+              <a:spcPct val="90000"/>
+            </a:lnSpc>
+            <a:spcBef>
+              <a:spcPct val="0"/>
+            </a:spcBef>
+            <a:spcAft>
+              <a:spcPct val="35000"/>
+            </a:spcAft>
+            <a:buNone/>
+          </a:pPr>
+          <a:endParaRPr lang="bg-BG" sz="1400" kern="1200"/>
+        </a:p>
+      </dsp:txBody>
+      <dsp:txXfrm>
+        <a:off x="6477321" y="2716983"/>
+        <a:ext cx="246326" cy="246989"/>
+      </dsp:txXfrm>
+    </dsp:sp>
+    <dsp:sp modelId="{14C80873-400D-4B9C-9948-66D232D9FD2F}">
+      <dsp:nvSpPr>
+        <dsp:cNvPr id="0" name=""/>
+        <dsp:cNvSpPr/>
+      </dsp:nvSpPr>
+      <dsp:spPr>
+        <a:xfrm>
+          <a:off x="6975285" y="2342514"/>
+          <a:ext cx="1659878" cy="995926"/>
+        </a:xfrm>
+        <a:prstGeom prst="roundRect">
+          <a:avLst>
+            <a:gd name="adj" fmla="val 10000"/>
+          </a:avLst>
+        </a:prstGeom>
+        <a:solidFill>
+          <a:schemeClr val="accent3">
+            <a:shade val="50000"/>
+            <a:hueOff val="0"/>
+            <a:satOff val="0"/>
+            <a:lumOff val="17981"/>
+            <a:alphaOff val="0"/>
+          </a:schemeClr>
+        </a:solidFill>
+        <a:ln w="12700" cap="flat" cmpd="sng" algn="ctr">
+          <a:solidFill>
+            <a:schemeClr val="lt1">
+              <a:hueOff val="0"/>
+              <a:satOff val="0"/>
+              <a:lumOff val="0"/>
+              <a:alphaOff val="0"/>
+            </a:schemeClr>
+          </a:solidFill>
+          <a:prstDash val="solid"/>
+          <a:miter lim="800000"/>
+        </a:ln>
+        <a:effectLst/>
+      </dsp:spPr>
+      <dsp:style>
+        <a:lnRef idx="2">
+          <a:scrgbClr r="0" g="0" b="0"/>
+        </a:lnRef>
+        <a:fillRef idx="1">
+          <a:scrgbClr r="0" g="0" b="0"/>
+        </a:fillRef>
+        <a:effectRef idx="0">
+          <a:scrgbClr r="0" g="0" b="0"/>
+        </a:effectRef>
+        <a:fontRef idx="minor">
+          <a:schemeClr val="lt1"/>
+        </a:fontRef>
+      </dsp:style>
+      <dsp:txBody>
+        <a:bodyPr spcFirstLastPara="0" vert="horz" wrap="square" lIns="64770" tIns="64770" rIns="64770" bIns="64770" numCol="1" spcCol="1270" anchor="ctr" anchorCtr="0">
+          <a:noAutofit/>
+        </a:bodyPr>
+        <a:lstStyle/>
+        <a:p>
+          <a:pPr marL="0" lvl="0" indent="0" algn="ctr" defTabSz="755650">
+            <a:lnSpc>
+              <a:spcPct val="90000"/>
+            </a:lnSpc>
+            <a:spcBef>
+              <a:spcPct val="0"/>
+            </a:spcBef>
+            <a:spcAft>
+              <a:spcPct val="35000"/>
+            </a:spcAft>
+            <a:buNone/>
+          </a:pPr>
+          <a:r>
+            <a:rPr lang="en-US" sz="1700" kern="1200" dirty="0">
+              <a:solidFill>
+                <a:schemeClr val="tx1"/>
+              </a:solidFill>
+              <a:latin typeface="Lacquer" pitchFamily="2" charset="0"/>
+            </a:rPr>
+            <a:t>ASIGN ROLES</a:t>
+          </a:r>
+          <a:endParaRPr lang="bg-BG" sz="1700" kern="1200" dirty="0">
+            <a:solidFill>
+              <a:schemeClr val="tx1"/>
+            </a:solidFill>
+          </a:endParaRPr>
+        </a:p>
+      </dsp:txBody>
+      <dsp:txXfrm>
+        <a:off x="7004455" y="2371684"/>
+        <a:ext cx="1601538" cy="937586"/>
+      </dsp:txXfrm>
+    </dsp:sp>
+  </dsp:spTree>
+</dsp:drawing>
+</file>
+
+<file path=ppt/diagrams/drawing2.xml><?xml version="1.0" encoding="utf-8"?>
+<dsp:drawing xmlns:dgm="http://schemas.openxmlformats.org/drawingml/2006/diagram" xmlns:dsp="http://schemas.microsoft.com/office/drawing/2008/diagram" xmlns:a="http://schemas.openxmlformats.org/drawingml/2006/main">
+  <dsp:spTree>
+    <dsp:nvGrpSpPr>
+      <dsp:cNvPr id="0" name=""/>
+      <dsp:cNvGrpSpPr/>
+    </dsp:nvGrpSpPr>
+    <dsp:grpSpPr/>
+    <dsp:sp modelId="{B7848868-F799-4424-910F-E481F8137E52}">
+      <dsp:nvSpPr>
+        <dsp:cNvPr id="0" name=""/>
+        <dsp:cNvSpPr/>
+      </dsp:nvSpPr>
+      <dsp:spPr>
+        <a:xfrm>
+          <a:off x="5593" y="1122608"/>
+          <a:ext cx="1671765" cy="1003059"/>
+        </a:xfrm>
+        <a:prstGeom prst="roundRect">
+          <a:avLst>
+            <a:gd name="adj" fmla="val 10000"/>
+          </a:avLst>
+        </a:prstGeom>
+        <a:solidFill>
+          <a:schemeClr val="accent3">
+            <a:shade val="50000"/>
+            <a:hueOff val="0"/>
+            <a:satOff val="0"/>
+            <a:lumOff val="0"/>
+            <a:alphaOff val="0"/>
+          </a:schemeClr>
+        </a:solidFill>
+        <a:ln w="12700" cap="flat" cmpd="sng" algn="ctr">
+          <a:solidFill>
+            <a:schemeClr val="lt1">
+              <a:hueOff val="0"/>
+              <a:satOff val="0"/>
+              <a:lumOff val="0"/>
+              <a:alphaOff val="0"/>
+            </a:schemeClr>
+          </a:solidFill>
+          <a:prstDash val="solid"/>
+          <a:miter lim="800000"/>
+        </a:ln>
+        <a:effectLst/>
+      </dsp:spPr>
+      <dsp:style>
+        <a:lnRef idx="2">
+          <a:scrgbClr r="0" g="0" b="0"/>
+        </a:lnRef>
+        <a:fillRef idx="1">
+          <a:scrgbClr r="0" g="0" b="0"/>
+        </a:fillRef>
+        <a:effectRef idx="0">
+          <a:scrgbClr r="0" g="0" b="0"/>
+        </a:effectRef>
+        <a:fontRef idx="minor">
+          <a:schemeClr val="lt1"/>
+        </a:fontRef>
+      </dsp:style>
+      <dsp:txBody>
+        <a:bodyPr spcFirstLastPara="0" vert="horz" wrap="square" lIns="72390" tIns="72390" rIns="72390" bIns="72390" numCol="1" spcCol="1270" anchor="ctr" anchorCtr="0">
+          <a:noAutofit/>
+        </a:bodyPr>
+        <a:lstStyle/>
+        <a:p>
+          <a:pPr marL="0" lvl="0" indent="0" algn="ctr" defTabSz="844550">
+            <a:lnSpc>
+              <a:spcPct val="90000"/>
+            </a:lnSpc>
+            <a:spcBef>
+              <a:spcPct val="0"/>
+            </a:spcBef>
+            <a:spcAft>
+              <a:spcPct val="35000"/>
+            </a:spcAft>
+            <a:buNone/>
+          </a:pPr>
+          <a:r>
+            <a:rPr lang="en-US" sz="1900" kern="1200" dirty="0">
+              <a:solidFill>
+                <a:schemeClr val="tx1"/>
+              </a:solidFill>
+              <a:latin typeface="Lacquer" pitchFamily="2" charset="0"/>
+            </a:rPr>
+            <a:t>PRESENT</a:t>
+          </a:r>
+          <a:endParaRPr lang="bg-BG" sz="1900" kern="1200" dirty="0">
+            <a:solidFill>
+              <a:schemeClr val="tx1"/>
+            </a:solidFill>
+          </a:endParaRPr>
+        </a:p>
+      </dsp:txBody>
+      <dsp:txXfrm>
+        <a:off x="34972" y="1151987"/>
+        <a:ext cx="1613007" cy="944301"/>
+      </dsp:txXfrm>
+    </dsp:sp>
+    <dsp:sp modelId="{8430034B-427A-47B0-ACC7-29B42EC5896F}">
+      <dsp:nvSpPr>
+        <dsp:cNvPr id="0" name=""/>
+        <dsp:cNvSpPr/>
+      </dsp:nvSpPr>
+      <dsp:spPr>
+        <a:xfrm rot="10800000">
+          <a:off x="1844534" y="1416839"/>
+          <a:ext cx="354414" cy="414597"/>
+        </a:xfrm>
+        <a:prstGeom prst="rightArrow">
+          <a:avLst>
+            <a:gd name="adj1" fmla="val 60000"/>
+            <a:gd name="adj2" fmla="val 50000"/>
+          </a:avLst>
+        </a:prstGeom>
+        <a:solidFill>
+          <a:schemeClr val="accent3">
+            <a:shade val="90000"/>
+            <a:hueOff val="0"/>
+            <a:satOff val="0"/>
+            <a:lumOff val="0"/>
+            <a:alphaOff val="0"/>
+          </a:schemeClr>
+        </a:solidFill>
+        <a:ln>
+          <a:noFill/>
+        </a:ln>
+        <a:effectLst/>
+      </dsp:spPr>
+      <dsp:style>
+        <a:lnRef idx="0">
+          <a:scrgbClr r="0" g="0" b="0"/>
+        </a:lnRef>
+        <a:fillRef idx="1">
+          <a:scrgbClr r="0" g="0" b="0"/>
+        </a:fillRef>
+        <a:effectRef idx="0">
+          <a:scrgbClr r="0" g="0" b="0"/>
+        </a:effectRef>
+        <a:fontRef idx="minor">
+          <a:schemeClr val="lt1"/>
+        </a:fontRef>
+      </dsp:style>
+      <dsp:txBody>
+        <a:bodyPr spcFirstLastPara="0" vert="horz" wrap="square" lIns="0" tIns="0" rIns="0" bIns="0" numCol="1" spcCol="1270" anchor="ctr" anchorCtr="0">
+          <a:noAutofit/>
+        </a:bodyPr>
+        <a:lstStyle/>
+        <a:p>
+          <a:pPr marL="0" lvl="0" indent="0" algn="ctr" defTabSz="666750">
+            <a:lnSpc>
+              <a:spcPct val="90000"/>
+            </a:lnSpc>
+            <a:spcBef>
+              <a:spcPct val="0"/>
+            </a:spcBef>
+            <a:spcAft>
+              <a:spcPct val="35000"/>
+            </a:spcAft>
+            <a:buNone/>
+          </a:pPr>
+          <a:endParaRPr lang="bg-BG" sz="1500" kern="1200"/>
+        </a:p>
+      </dsp:txBody>
+      <dsp:txXfrm>
+        <a:off x="1950858" y="1499758"/>
+        <a:ext cx="248090" cy="248759"/>
+      </dsp:txXfrm>
+    </dsp:sp>
+    <dsp:sp modelId="{A7316792-4116-46E0-B6CC-633584BF21E3}">
+      <dsp:nvSpPr>
+        <dsp:cNvPr id="0" name=""/>
+        <dsp:cNvSpPr/>
+      </dsp:nvSpPr>
+      <dsp:spPr>
+        <a:xfrm>
+          <a:off x="2346064" y="1122608"/>
+          <a:ext cx="1671765" cy="1003059"/>
+        </a:xfrm>
+        <a:prstGeom prst="roundRect">
+          <a:avLst>
+            <a:gd name="adj" fmla="val 10000"/>
+          </a:avLst>
+        </a:prstGeom>
+        <a:solidFill>
+          <a:schemeClr val="accent3">
+            <a:shade val="50000"/>
+            <a:hueOff val="0"/>
+            <a:satOff val="0"/>
+            <a:lumOff val="23975"/>
+            <a:alphaOff val="0"/>
+          </a:schemeClr>
+        </a:solidFill>
+        <a:ln w="12700" cap="flat" cmpd="sng" algn="ctr">
+          <a:solidFill>
+            <a:schemeClr val="lt1">
+              <a:hueOff val="0"/>
+              <a:satOff val="0"/>
+              <a:lumOff val="0"/>
+              <a:alphaOff val="0"/>
+            </a:schemeClr>
+          </a:solidFill>
+          <a:prstDash val="solid"/>
+          <a:miter lim="800000"/>
+        </a:ln>
+        <a:effectLst/>
+      </dsp:spPr>
+      <dsp:style>
+        <a:lnRef idx="2">
+          <a:scrgbClr r="0" g="0" b="0"/>
+        </a:lnRef>
+        <a:fillRef idx="1">
+          <a:scrgbClr r="0" g="0" b="0"/>
+        </a:fillRef>
+        <a:effectRef idx="0">
+          <a:scrgbClr r="0" g="0" b="0"/>
+        </a:effectRef>
+        <a:fontRef idx="minor">
+          <a:schemeClr val="lt1"/>
+        </a:fontRef>
+      </dsp:style>
+      <dsp:txBody>
+        <a:bodyPr spcFirstLastPara="0" vert="horz" wrap="square" lIns="72390" tIns="72390" rIns="72390" bIns="72390" numCol="1" spcCol="1270" anchor="ctr" anchorCtr="0">
+          <a:noAutofit/>
+        </a:bodyPr>
+        <a:lstStyle/>
+        <a:p>
+          <a:pPr marL="0" lvl="0" indent="0" algn="ctr" defTabSz="844550">
+            <a:lnSpc>
+              <a:spcPct val="90000"/>
+            </a:lnSpc>
+            <a:spcBef>
+              <a:spcPct val="0"/>
+            </a:spcBef>
+            <a:spcAft>
+              <a:spcPct val="35000"/>
+            </a:spcAft>
+            <a:buNone/>
+          </a:pPr>
+          <a:r>
+            <a:rPr lang="en-US" sz="1900" kern="1200" dirty="0">
+              <a:solidFill>
+                <a:schemeClr val="tx1"/>
+              </a:solidFill>
+              <a:latin typeface="Lacquer" pitchFamily="2" charset="0"/>
+            </a:rPr>
+            <a:t>MAKE DOCUMENTS</a:t>
+          </a:r>
+          <a:endParaRPr lang="bg-BG" sz="1900" kern="1200" dirty="0">
+            <a:solidFill>
+              <a:schemeClr val="tx1"/>
+            </a:solidFill>
+          </a:endParaRPr>
+        </a:p>
+      </dsp:txBody>
+      <dsp:txXfrm>
+        <a:off x="2375443" y="1151987"/>
+        <a:ext cx="1613007" cy="944301"/>
+      </dsp:txXfrm>
+    </dsp:sp>
+    <dsp:sp modelId="{DA329FB5-4419-4A2A-B3C6-7036082FA445}">
+      <dsp:nvSpPr>
+        <dsp:cNvPr id="0" name=""/>
+        <dsp:cNvSpPr/>
+      </dsp:nvSpPr>
+      <dsp:spPr>
+        <a:xfrm rot="10800000">
+          <a:off x="4185006" y="1416839"/>
+          <a:ext cx="354414" cy="414597"/>
+        </a:xfrm>
+        <a:prstGeom prst="rightArrow">
+          <a:avLst>
+            <a:gd name="adj1" fmla="val 60000"/>
+            <a:gd name="adj2" fmla="val 50000"/>
+          </a:avLst>
+        </a:prstGeom>
+        <a:solidFill>
+          <a:schemeClr val="accent3">
+            <a:shade val="90000"/>
+            <a:hueOff val="0"/>
+            <a:satOff val="0"/>
+            <a:lumOff val="23095"/>
+            <a:alphaOff val="0"/>
+          </a:schemeClr>
+        </a:solidFill>
+        <a:ln>
+          <a:noFill/>
+        </a:ln>
+        <a:effectLst/>
+      </dsp:spPr>
+      <dsp:style>
+        <a:lnRef idx="0">
+          <a:scrgbClr r="0" g="0" b="0"/>
+        </a:lnRef>
+        <a:fillRef idx="1">
+          <a:scrgbClr r="0" g="0" b="0"/>
+        </a:fillRef>
+        <a:effectRef idx="0">
+          <a:scrgbClr r="0" g="0" b="0"/>
+        </a:effectRef>
+        <a:fontRef idx="minor">
+          <a:schemeClr val="lt1"/>
+        </a:fontRef>
+      </dsp:style>
+      <dsp:txBody>
+        <a:bodyPr spcFirstLastPara="0" vert="horz" wrap="square" lIns="0" tIns="0" rIns="0" bIns="0" numCol="1" spcCol="1270" anchor="ctr" anchorCtr="0">
+          <a:noAutofit/>
+        </a:bodyPr>
+        <a:lstStyle/>
+        <a:p>
+          <a:pPr marL="0" lvl="0" indent="0" algn="ctr" defTabSz="666750">
+            <a:lnSpc>
+              <a:spcPct val="90000"/>
+            </a:lnSpc>
+            <a:spcBef>
+              <a:spcPct val="0"/>
+            </a:spcBef>
+            <a:spcAft>
+              <a:spcPct val="35000"/>
+            </a:spcAft>
+            <a:buNone/>
+          </a:pPr>
+          <a:endParaRPr lang="bg-BG" sz="1500" kern="1200"/>
+        </a:p>
+      </dsp:txBody>
+      <dsp:txXfrm>
+        <a:off x="4291330" y="1499758"/>
+        <a:ext cx="248090" cy="248759"/>
+      </dsp:txXfrm>
+    </dsp:sp>
+    <dsp:sp modelId="{0FE90379-8378-4BEF-952B-51702A424F44}">
+      <dsp:nvSpPr>
+        <dsp:cNvPr id="0" name=""/>
+        <dsp:cNvSpPr/>
+      </dsp:nvSpPr>
+      <dsp:spPr>
+        <a:xfrm>
+          <a:off x="4686535" y="1122608"/>
+          <a:ext cx="1671765" cy="1003059"/>
+        </a:xfrm>
+        <a:prstGeom prst="roundRect">
+          <a:avLst>
+            <a:gd name="adj" fmla="val 10000"/>
+          </a:avLst>
+        </a:prstGeom>
+        <a:solidFill>
+          <a:schemeClr val="accent3">
+            <a:shade val="50000"/>
+            <a:hueOff val="0"/>
+            <a:satOff val="0"/>
+            <a:lumOff val="23975"/>
+            <a:alphaOff val="0"/>
+          </a:schemeClr>
+        </a:solidFill>
+        <a:ln w="12700" cap="flat" cmpd="sng" algn="ctr">
+          <a:solidFill>
+            <a:schemeClr val="lt1">
+              <a:hueOff val="0"/>
+              <a:satOff val="0"/>
+              <a:lumOff val="0"/>
+              <a:alphaOff val="0"/>
+            </a:schemeClr>
+          </a:solidFill>
+          <a:prstDash val="solid"/>
+          <a:miter lim="800000"/>
+        </a:ln>
+        <a:effectLst/>
+      </dsp:spPr>
+      <dsp:style>
+        <a:lnRef idx="2">
+          <a:scrgbClr r="0" g="0" b="0"/>
+        </a:lnRef>
+        <a:fillRef idx="1">
+          <a:scrgbClr r="0" g="0" b="0"/>
+        </a:fillRef>
+        <a:effectRef idx="0">
+          <a:scrgbClr r="0" g="0" b="0"/>
+        </a:effectRef>
+        <a:fontRef idx="minor">
+          <a:schemeClr val="lt1"/>
+        </a:fontRef>
+      </dsp:style>
+      <dsp:txBody>
+        <a:bodyPr spcFirstLastPara="0" vert="horz" wrap="square" lIns="72390" tIns="72390" rIns="72390" bIns="72390" numCol="1" spcCol="1270" anchor="ctr" anchorCtr="0">
+          <a:noAutofit/>
+        </a:bodyPr>
+        <a:lstStyle/>
+        <a:p>
+          <a:pPr marL="0" lvl="0" indent="0" algn="ctr" defTabSz="844550">
+            <a:lnSpc>
+              <a:spcPct val="90000"/>
+            </a:lnSpc>
+            <a:spcBef>
+              <a:spcPct val="0"/>
+            </a:spcBef>
+            <a:spcAft>
+              <a:spcPct val="35000"/>
+            </a:spcAft>
+            <a:buNone/>
+          </a:pPr>
+          <a:r>
+            <a:rPr lang="en-US" sz="1900" kern="1200" dirty="0">
+              <a:solidFill>
+                <a:schemeClr val="tx1"/>
+              </a:solidFill>
+              <a:latin typeface="Lacquer" pitchFamily="2" charset="0"/>
+            </a:rPr>
+            <a:t>START</a:t>
+          </a:r>
+          <a:r>
+            <a:rPr lang="en-US" sz="1900" kern="1200" baseline="0" dirty="0">
+              <a:solidFill>
+                <a:schemeClr val="tx1"/>
+              </a:solidFill>
+              <a:latin typeface="Lacquer" pitchFamily="2" charset="0"/>
+            </a:rPr>
+            <a:t> WORK ON THE PROJECT</a:t>
+          </a:r>
+          <a:endParaRPr lang="bg-BG" sz="1900" kern="1200" dirty="0"/>
+        </a:p>
+      </dsp:txBody>
+      <dsp:txXfrm>
+        <a:off x="4715914" y="1151987"/>
+        <a:ext cx="1613007" cy="944301"/>
+      </dsp:txXfrm>
+    </dsp:sp>
+  </dsp:spTree>
+</dsp:drawing>
+</file>
+
+<file path=ppt/diagrams/layout1.xml><?xml version="1.0" encoding="utf-8"?>
+<dgm:layoutDef xmlns:dgm="http://schemas.openxmlformats.org/drawingml/2006/diagram" xmlns:a="http://schemas.openxmlformats.org/drawingml/2006/main" uniqueId="urn:microsoft.com/office/officeart/2005/8/layout/process1">
+  <dgm:title val=""/>
+  <dgm:desc val=""/>
+  <dgm:catLst>
+    <dgm:cat type="process" pri="1000"/>
+    <dgm:cat type="convert" pri="15000"/>
+  </dgm:catLst>
+  <dgm:sampData useDef="1">
+    <dgm:dataModel>
+      <dgm:ptLst/>
+      <dgm:bg/>
+      <dgm:whole/>
+    </dgm:dataModel>
+  </dgm:sampData>
+  <dgm:styleData>
+    <dgm:dataModel>
+      <dgm:ptLst>
+        <dgm:pt modelId="0" type="doc"/>
+        <dgm:pt modelId="1"/>
+        <dgm:pt modelId="2"/>
+      </dgm:ptLst>
+      <dgm:cxnLst>
+        <dgm:cxn modelId="3" srcId="0" destId="1" srcOrd="0" destOrd="0"/>
+        <dgm:cxn modelId="4" srcId="0" destId="2" srcOrd="1" destOrd="0"/>
+      </dgm:cxnLst>
+      <dgm:bg/>
+      <dgm:whole/>
+    </dgm:dataModel>
+  </dgm:styleData>
+  <dgm:clrData>
+    <dgm:dataModel>
+      <dgm:ptLst>
+        <dgm:pt modelId="0" type="doc"/>
+        <dgm:pt modelId="1"/>
+        <dgm:pt modelId="2"/>
+        <dgm:pt modelId="3"/>
+        <dgm:pt modelId="4"/>
+      </dgm:ptLst>
+      <dgm:cxnLst>
+        <dgm:cxn modelId="5" srcId="0" destId="1" srcOrd="0" destOrd="0"/>
+        <dgm:cxn modelId="6" srcId="0" destId="2" srcOrd="1" destOrd="0"/>
+        <dgm:cxn modelId="7" srcId="0" destId="3" srcOrd="2" destOrd="0"/>
+        <dgm:cxn modelId="8" srcId="0" destId="4" srcOrd="3" destOrd="0"/>
+      </dgm:cxnLst>
+      <dgm:bg/>
+      <dgm:whole/>
+    </dgm:dataModel>
+  </dgm:clrData>
+  <dgm:layoutNode name="Name0">
+    <dgm:varLst>
+      <dgm:dir/>
+      <dgm:resizeHandles val="exact"/>
+    </dgm:varLst>
+    <dgm:choose name="Name1">
+      <dgm:if name="Name2" func="var" arg="dir" op="equ" val="norm">
+        <dgm:alg type="lin"/>
+      </dgm:if>
+      <dgm:else name="Name3">
+        <dgm:alg type="lin">
+          <dgm:param type="linDir" val="fromR"/>
+        </dgm:alg>
+      </dgm:else>
+    </dgm:choose>
+    <dgm:shape xmlns:r="http://schemas.openxmlformats.org/officeDocument/2006/relationships" r:blip="">
+      <dgm:adjLst/>
+    </dgm:shape>
+    <dgm:presOf/>
+    <dgm:constrLst>
+      <dgm:constr type="w" for="ch" ptType="node" refType="w"/>
+      <dgm:constr type="h" for="ch" ptType="node" op="equ"/>
+      <dgm:constr type="primFontSz" for="ch" ptType="node" op="equ" val="65"/>
+      <dgm:constr type="w" for="ch" ptType="sibTrans" refType="w" refFor="ch" refPtType="node" op="equ" fact="0.4"/>
+      <dgm:constr type="h" for="ch" ptType="sibTrans" op="equ"/>
+      <dgm:constr type="primFontSz" for="des" forName="connectorText" op="equ" val="55"/>
+      <dgm:constr type="primFontSz" for="des" forName="connectorText" refType="primFontSz" refFor="ch" refPtType="node" op="lte" fact="0.8"/>
+    </dgm:constrLst>
+    <dgm:ruleLst/>
+    <dgm:forEach name="nodesForEach" axis="ch" ptType="node">
+      <dgm:layoutNode name="node">
+        <dgm:varLst>
+          <dgm:bulletEnabled val="1"/>
+        </dgm:varLst>
+        <dgm:alg type="tx"/>
+        <dgm:shape xmlns:r="http://schemas.openxmlformats.org/officeDocument/2006/relationships" type="roundRect" r:blip="">
+          <dgm:adjLst>
+            <dgm:adj idx="1" val="0.1"/>
+          </dgm:adjLst>
+        </dgm:shape>
+        <dgm:presOf axis="desOrSelf" ptType="node"/>
+        <dgm:constrLst>
+          <dgm:constr type="h" refType="w" fact="0.6"/>
+          <dgm:constr type="tMarg" refType="primFontSz" fact="0.3"/>
+          <dgm:constr type="bMarg" refType="primFontSz" fact="0.3"/>
+          <dgm:constr type="lMarg" refType="primFontSz" fact="0.3"/>
+          <dgm:constr type="rMarg" refType="primFontSz" fact="0.3"/>
+        </dgm:constrLst>
+        <dgm:ruleLst>
+          <dgm:rule type="primFontSz" val="18" fact="NaN" max="NaN"/>
+          <dgm:rule type="h" val="NaN" fact="1.5" max="NaN"/>
+          <dgm:rule type="primFontSz" val="5" fact="NaN" max="NaN"/>
+          <dgm:rule type="h" val="INF" fact="NaN" max="NaN"/>
+        </dgm:ruleLst>
+      </dgm:layoutNode>
+      <dgm:forEach name="sibTransForEach" axis="followSib" ptType="sibTrans" cnt="1">
+        <dgm:layoutNode name="sibTrans">
+          <dgm:alg type="conn">
+            <dgm:param type="begPts" val="auto"/>
+            <dgm:param type="endPts" val="auto"/>
+          </dgm:alg>
+          <dgm:shape xmlns:r="http://schemas.openxmlformats.org/officeDocument/2006/relationships" type="conn" r:blip="">
+            <dgm:adjLst/>
+          </dgm:shape>
+          <dgm:presOf axis="self"/>
+          <dgm:constrLst>
+            <dgm:constr type="h" refType="w" fact="0.62"/>
+            <dgm:constr type="connDist"/>
+            <dgm:constr type="begPad" refType="connDist" fact="0.25"/>
+            <dgm:constr type="endPad" refType="connDist" fact="0.22"/>
+          </dgm:constrLst>
+          <dgm:ruleLst/>
+          <dgm:layoutNode name="connectorText">
+            <dgm:alg type="tx">
+              <dgm:param type="autoTxRot" val="grav"/>
+            </dgm:alg>
+            <dgm:shape xmlns:r="http://schemas.openxmlformats.org/officeDocument/2006/relationships" type="conn" r:blip="" hideGeom="1">
+              <dgm:adjLst/>
+            </dgm:shape>
+            <dgm:presOf axis="self"/>
+            <dgm:constrLst>
+              <dgm:constr type="lMarg"/>
+              <dgm:constr type="rMarg"/>
+              <dgm:constr type="tMarg"/>
+              <dgm:constr type="bMarg"/>
+            </dgm:constrLst>
+            <dgm:ruleLst>
+              <dgm:rule type="primFontSz" val="5" fact="NaN" max="NaN"/>
+            </dgm:ruleLst>
+          </dgm:layoutNode>
+        </dgm:layoutNode>
+      </dgm:forEach>
+    </dgm:forEach>
+  </dgm:layoutNode>
+</dgm:layoutDef>
+</file>
+
+<file path=ppt/diagrams/layout2.xml><?xml version="1.0" encoding="utf-8"?>
+<dgm:layoutDef xmlns:dgm="http://schemas.openxmlformats.org/drawingml/2006/diagram" xmlns:a="http://schemas.openxmlformats.org/drawingml/2006/main" uniqueId="urn:microsoft.com/office/officeart/2005/8/layout/process1">
+  <dgm:title val=""/>
+  <dgm:desc val=""/>
+  <dgm:catLst>
+    <dgm:cat type="process" pri="1000"/>
+    <dgm:cat type="convert" pri="15000"/>
+  </dgm:catLst>
+  <dgm:sampData useDef="1">
+    <dgm:dataModel>
+      <dgm:ptLst/>
+      <dgm:bg/>
+      <dgm:whole/>
+    </dgm:dataModel>
+  </dgm:sampData>
+  <dgm:styleData>
+    <dgm:dataModel>
+      <dgm:ptLst>
+        <dgm:pt modelId="0" type="doc"/>
+        <dgm:pt modelId="1"/>
+        <dgm:pt modelId="2"/>
+      </dgm:ptLst>
+      <dgm:cxnLst>
+        <dgm:cxn modelId="3" srcId="0" destId="1" srcOrd="0" destOrd="0"/>
+        <dgm:cxn modelId="4" srcId="0" destId="2" srcOrd="1" destOrd="0"/>
+      </dgm:cxnLst>
+      <dgm:bg/>
+      <dgm:whole/>
+    </dgm:dataModel>
+  </dgm:styleData>
+  <dgm:clrData>
+    <dgm:dataModel>
+      <dgm:ptLst>
+        <dgm:pt modelId="0" type="doc"/>
+        <dgm:pt modelId="1"/>
+        <dgm:pt modelId="2"/>
+        <dgm:pt modelId="3"/>
+        <dgm:pt modelId="4"/>
+      </dgm:ptLst>
+      <dgm:cxnLst>
+        <dgm:cxn modelId="5" srcId="0" destId="1" srcOrd="0" destOrd="0"/>
+        <dgm:cxn modelId="6" srcId="0" destId="2" srcOrd="1" destOrd="0"/>
+        <dgm:cxn modelId="7" srcId="0" destId="3" srcOrd="2" destOrd="0"/>
+        <dgm:cxn modelId="8" srcId="0" destId="4" srcOrd="3" destOrd="0"/>
+      </dgm:cxnLst>
+      <dgm:bg/>
+      <dgm:whole/>
+    </dgm:dataModel>
+  </dgm:clrData>
+  <dgm:layoutNode name="Name0">
+    <dgm:varLst>
+      <dgm:dir/>
+      <dgm:resizeHandles val="exact"/>
+    </dgm:varLst>
+    <dgm:choose name="Name1">
+      <dgm:if name="Name2" func="var" arg="dir" op="equ" val="norm">
+        <dgm:alg type="lin"/>
+      </dgm:if>
+      <dgm:else name="Name3">
+        <dgm:alg type="lin">
+          <dgm:param type="linDir" val="fromR"/>
+        </dgm:alg>
+      </dgm:else>
+    </dgm:choose>
+    <dgm:shape xmlns:r="http://schemas.openxmlformats.org/officeDocument/2006/relationships" r:blip="">
+      <dgm:adjLst/>
+    </dgm:shape>
+    <dgm:presOf/>
+    <dgm:constrLst>
+      <dgm:constr type="w" for="ch" ptType="node" refType="w"/>
+      <dgm:constr type="h" for="ch" ptType="node" op="equ"/>
+      <dgm:constr type="primFontSz" for="ch" ptType="node" op="equ" val="65"/>
+      <dgm:constr type="w" for="ch" ptType="sibTrans" refType="w" refFor="ch" refPtType="node" op="equ" fact="0.4"/>
+      <dgm:constr type="h" for="ch" ptType="sibTrans" op="equ"/>
+      <dgm:constr type="primFontSz" for="des" forName="connectorText" op="equ" val="55"/>
+      <dgm:constr type="primFontSz" for="des" forName="connectorText" refType="primFontSz" refFor="ch" refPtType="node" op="lte" fact="0.8"/>
+    </dgm:constrLst>
+    <dgm:ruleLst/>
+    <dgm:forEach name="nodesForEach" axis="ch" ptType="node">
+      <dgm:layoutNode name="node">
+        <dgm:varLst>
+          <dgm:bulletEnabled val="1"/>
+        </dgm:varLst>
+        <dgm:alg type="tx"/>
+        <dgm:shape xmlns:r="http://schemas.openxmlformats.org/officeDocument/2006/relationships" type="roundRect" r:blip="">
+          <dgm:adjLst>
+            <dgm:adj idx="1" val="0.1"/>
+          </dgm:adjLst>
+        </dgm:shape>
+        <dgm:presOf axis="desOrSelf" ptType="node"/>
+        <dgm:constrLst>
+          <dgm:constr type="h" refType="w" fact="0.6"/>
+          <dgm:constr type="tMarg" refType="primFontSz" fact="0.3"/>
+          <dgm:constr type="bMarg" refType="primFontSz" fact="0.3"/>
+          <dgm:constr type="lMarg" refType="primFontSz" fact="0.3"/>
+          <dgm:constr type="rMarg" refType="primFontSz" fact="0.3"/>
+        </dgm:constrLst>
+        <dgm:ruleLst>
+          <dgm:rule type="primFontSz" val="18" fact="NaN" max="NaN"/>
+          <dgm:rule type="h" val="NaN" fact="1.5" max="NaN"/>
+          <dgm:rule type="primFontSz" val="5" fact="NaN" max="NaN"/>
+          <dgm:rule type="h" val="INF" fact="NaN" max="NaN"/>
+        </dgm:ruleLst>
+      </dgm:layoutNode>
+      <dgm:forEach name="sibTransForEach" axis="followSib" ptType="sibTrans" cnt="1">
+        <dgm:layoutNode name="sibTrans">
+          <dgm:alg type="conn">
+            <dgm:param type="begPts" val="auto"/>
+            <dgm:param type="endPts" val="auto"/>
+          </dgm:alg>
+          <dgm:shape xmlns:r="http://schemas.openxmlformats.org/officeDocument/2006/relationships" type="conn" r:blip="">
+            <dgm:adjLst/>
+          </dgm:shape>
+          <dgm:presOf axis="self"/>
+          <dgm:constrLst>
+            <dgm:constr type="h" refType="w" fact="0.62"/>
+            <dgm:constr type="connDist"/>
+            <dgm:constr type="begPad" refType="connDist" fact="0.25"/>
+            <dgm:constr type="endPad" refType="connDist" fact="0.22"/>
+          </dgm:constrLst>
+          <dgm:ruleLst/>
+          <dgm:layoutNode name="connectorText">
+            <dgm:alg type="tx">
+              <dgm:param type="autoTxRot" val="grav"/>
+            </dgm:alg>
+            <dgm:shape xmlns:r="http://schemas.openxmlformats.org/officeDocument/2006/relationships" type="conn" r:blip="" hideGeom="1">
+              <dgm:adjLst/>
+            </dgm:shape>
+            <dgm:presOf axis="self"/>
+            <dgm:constrLst>
+              <dgm:constr type="lMarg"/>
+              <dgm:constr type="rMarg"/>
+              <dgm:constr type="tMarg"/>
+              <dgm:constr type="bMarg"/>
+            </dgm:constrLst>
+            <dgm:ruleLst>
+              <dgm:rule type="primFontSz" val="5" fact="NaN" max="NaN"/>
+            </dgm:ruleLst>
+          </dgm:layoutNode>
+        </dgm:layoutNode>
+      </dgm:forEach>
+    </dgm:forEach>
+  </dgm:layoutNode>
+</dgm:layoutDef>
+</file>
+
+<file path=ppt/diagrams/quickStyle1.xml><?xml version="1.0" encoding="utf-8"?>
+<dgm:styleDef xmlns:dgm="http://schemas.openxmlformats.org/drawingml/2006/diagram" xmlns:a="http://schemas.openxmlformats.org/drawingml/2006/main" uniqueId="urn:microsoft.com/office/officeart/2005/8/quickstyle/simple1">
+  <dgm:title val=""/>
+  <dgm:desc val=""/>
+  <dgm:catLst>
+    <dgm:cat type="simple" pri="10100"/>
+  </dgm:catLst>
+  <dgm:scene3d>
+    <a:camera prst="orthographicFront"/>
+    <a:lightRig rig="threePt" dir="t"/>
+  </dgm:scene3d>
+  <dgm:styleLbl name="node0">
+    <dgm:scene3d>
+      <a:camera prst="orthographicFront"/>
+      <a:lightRig rig="threePt" dir="t"/>
+    </dgm:scene3d>
+    <dgm:sp3d/>
+    <dgm:txPr/>
+    <dgm:style>
+      <a:lnRef idx="2">
+        <a:scrgbClr r="0" g="0" b="0"/>
+      </a:lnRef>
+      <a:fillRef idx="1">
+        <a:scrgbClr r="0" g="0" b="0"/>
+      </a:fillRef>
+      <a:effectRef idx="0">
+        <a:scrgbClr r="0" g="0" b="0"/>
+      </a:effectRef>
+      <a:fontRef idx="minor">
+        <a:schemeClr val="lt1"/>
+      </a:fontRef>
+    </dgm:style>
+  </dgm:styleLbl>
+  <dgm:styleLbl name="lnNode1">
+    <dgm:scene3d>
+      <a:camera prst="orthographicFront"/>
+      <a:lightRig rig="threePt" dir="t"/>
+    </dgm:scene3d>
+    <dgm:sp3d/>
+    <dgm:txPr/>
+    <dgm:style>
+      <a:lnRef idx="2">
+        <a:scrgbClr r="0" g="0" b="0"/>
+      </a:lnRef>
+      <a:fillRef idx="1">
+        <a:scrgbClr r="0" g="0" b="0"/>
+      </a:fillRef>
+      <a:effectRef idx="0">
+        <a:scrgbClr r="0" g="0" b="0"/>
+      </a:effectRef>
+      <a:fontRef idx="minor">
+        <a:schemeClr val="lt1"/>
+      </a:fontRef>
+    </dgm:style>
+  </dgm:styleLbl>
+  <dgm:styleLbl name="vennNode1">
+    <dgm:scene3d>
+      <a:camera prst="orthographicFront"/>
+      <a:lightRig rig="threePt" dir="t"/>
+    </dgm:scene3d>
+    <dgm:sp3d/>
+    <dgm:txPr/>
+    <dgm:style>
+      <a:lnRef idx="2">
+        <a:scrgbClr r="0" g="0" b="0"/>
+      </a:lnRef>
+      <a:fillRef idx="1">
+        <a:scrgbClr r="0" g="0" b="0"/>
+      </a:fillRef>
+      <a:effectRef idx="0">
+        <a:scrgbClr r="0" g="0" b="0"/>
+      </a:effectRef>
+      <a:fontRef idx="minor">
+        <a:schemeClr val="tx1"/>
+      </a:fontRef>
+    </dgm:style>
+  </dgm:styleLbl>
+  <dgm:styleLbl name="alignNode1">
+    <dgm:scene3d>
+      <a:camera prst="orthographicFront"/>
+      <a:lightRig rig="threePt" dir="t"/>
+    </dgm:scene3d>
+    <dgm:sp3d/>
+    <dgm:txPr/>
+    <dgm:style>
+      <a:lnRef idx="2">
+        <a:scrgbClr r="0" g="0" b="0"/>
+      </a:lnRef>
+      <a:fillRef idx="1">
+        <a:scrgbClr r="0" g="0" b="0"/>
+      </a:fillRef>
+      <a:effectRef idx="0">
+        <a:scrgbClr r="0" g="0" b="0"/>
+      </a:effectRef>
+      <a:fontRef idx="minor">
+        <a:schemeClr val="lt1"/>
+      </a:fontRef>
+    </dgm:style>
+  </dgm:styleLbl>
+  <dgm:styleLbl name="node1">
+    <dgm:scene3d>
+      <a:camera prst="orthographicFront"/>
+      <a:lightRig rig="threePt" dir="t"/>
+    </dgm:scene3d>
+    <dgm:sp3d/>
+    <dgm:txPr/>
+    <dgm:style>
+      <a:lnRef idx="2">
+        <a:scrgbClr r="0" g="0" b="0"/>
+      </a:lnRef>
+      <a:fillRef idx="1">
+        <a:scrgbClr r="0" g="0" b="0"/>
+      </a:fillRef>
+      <a:effectRef idx="0">
+        <a:scrgbClr r="0" g="0" b="0"/>
+      </a:effectRef>
+      <a:fontRef idx="minor">
+        <a:schemeClr val="lt1"/>
+      </a:fontRef>
+    </dgm:style>
+  </dgm:styleLbl>
+  <dgm:styleLbl name="node2">
+    <dgm:scene3d>
+      <a:camera prst="orthographicFront"/>
+      <a:lightRig rig="threePt" dir="t"/>
+    </dgm:scene3d>
+    <dgm:sp3d/>
+    <dgm:txPr/>
+    <dgm:style>
+      <a:lnRef idx="2">
+        <a:scrgbClr r="0" g="0" b="0"/>
+      </a:lnRef>
+      <a:fillRef idx="1">
+        <a:scrgbClr r="0" g="0" b="0"/>
+      </a:fillRef>
+      <a:effectRef idx="0">
+        <a:scrgbClr r="0" g="0" b="0"/>
+      </a:effectRef>
+      <a:fontRef idx="minor">
+        <a:schemeClr val="lt1"/>
+      </a:fontRef>
+    </dgm:style>
+  </dgm:styleLbl>
+  <dgm:styleLbl name="node3">
+    <dgm:scene3d>
+      <a:camera prst="orthographicFront"/>
+      <a:lightRig rig="threePt" dir="t"/>
+    </dgm:scene3d>
+    <dgm:sp3d/>
+    <dgm:txPr/>
+    <dgm:style>
+      <a:lnRef idx="2">
+        <a:scrgbClr r="0" g="0" b="0"/>
+      </a:lnRef>
+      <a:fillRef idx="1">
+        <a:scrgbClr r="0" g="0" b="0"/>
+      </a:fillRef>
+      <a:effectRef idx="0">
+        <a:scrgbClr r="0" g="0" b="0"/>
+      </a:effectRef>
+      <a:fontRef idx="minor">
+        <a:schemeClr val="lt1"/>
+      </a:fontRef>
+    </dgm:style>
+  </dgm:styleLbl>
+  <dgm:styleLbl name="node4">
+    <dgm:scene3d>
+      <a:camera prst="orthographicFront"/>
+      <a:lightRig rig="threePt" dir="t"/>
+    </dgm:scene3d>
+    <dgm:sp3d/>
+    <dgm:txPr/>
+    <dgm:style>
+      <a:lnRef idx="2">
+        <a:scrgbClr r="0" g="0" b="0"/>
+      </a:lnRef>
+      <a:fillRef idx="1">
+        <a:scrgbClr r="0" g="0" b="0"/>
+      </a:fillRef>
+      <a:effectRef idx="0">
+        <a:scrgbClr r="0" g="0" b="0"/>
+      </a:effectRef>
+      <a:fontRef idx="minor">
+        <a:schemeClr val="lt1"/>
+      </a:fontRef>
+    </dgm:style>
+  </dgm:styleLbl>
+  <dgm:styleLbl name="fgImgPlace1">
+    <dgm:scene3d>
+      <a:camera prst="orthographicFront"/>
+      <a:lightRig rig="threePt" dir="t"/>
+    </dgm:scene3d>
+    <dgm:sp3d/>
+    <dgm:txPr/>
+    <dgm:style>
+      <a:lnRef idx="2">
+        <a:scrgbClr r="0" g="0" b="0"/>
+      </a:lnRef>
+      <a:fillRef idx="1">
+        <a:scrgbClr r="0" g="0" b="0"/>
+      </a:fillRef>
+      <a:effectRef idx="0">
+        <a:scrgbClr r="0" g="0" b="0"/>
+      </a:effectRef>
+      <a:fontRef idx="minor"/>
+    </dgm:style>
+  </dgm:styleLbl>
+  <dgm:styleLbl name="alignImgPlace1">
+    <dgm:scene3d>
+      <a:camera prst="orthographicFront"/>
+      <a:lightRig rig="threePt" dir="t"/>
+    </dgm:scene3d>
+    <dgm:sp3d/>
+    <dgm:txPr/>
+    <dgm:style>
+      <a:lnRef idx="2">
+        <a:scrgbClr r="0" g="0" b="0"/>
+      </a:lnRef>
+      <a:fillRef idx="1">
+        <a:scrgbClr r="0" g="0" b="0"/>
+      </a:fillRef>
+      <a:effectRef idx="0">
+        <a:scrgbClr r="0" g="0" b="0"/>
+      </a:effectRef>
+      <a:fontRef idx="minor"/>
+    </dgm:style>
+  </dgm:styleLbl>
+  <dgm:styleLbl name="bgImgPlace1">
+    <dgm:scene3d>
+      <a:camera prst="orthographicFront"/>
+      <a:lightRig rig="threePt" dir="t"/>
+    </dgm:scene3d>
+    <dgm:sp3d/>
+    <dgm:txPr/>
+    <dgm:style>
+      <a:lnRef idx="2">
+        <a:scrgbClr r="0" g="0" b="0"/>
+      </a:lnRef>
+      <a:fillRef idx="1">
+        <a:scrgbClr r="0" g="0" b="0"/>
+      </a:fillRef>
+      <a:effectRef idx="0">
+        <a:scrgbClr r="0" g="0" b="0"/>
+      </a:effectRef>
+      <a:fontRef idx="minor"/>
+    </dgm:style>
+  </dgm:styleLbl>
+  <dgm:styleLbl name="sibTrans2D1">
+    <dgm:scene3d>
+      <a:camera prst="orthographicFront"/>
+      <a:lightRig rig="threePt" dir="t"/>
+    </dgm:scene3d>
+    <dgm:sp3d/>
+    <dgm:txPr/>
+    <dgm:style>
+      <a:lnRef idx="0">
+        <a:scrgbClr r="0" g="0" b="0"/>
+      </a:lnRef>
+      <a:fillRef idx="1">
+        <a:scrgbClr r="0" g="0" b="0"/>
+      </a:fillRef>
+      <a:effectRef idx="0">
+        <a:scrgbClr r="0" g="0" b="0"/>
+      </a:effectRef>
+      <a:fontRef idx="minor">
+        <a:schemeClr val="lt1"/>
+      </a:fontRef>
+    </dgm:style>
+  </dgm:styleLbl>
+  <dgm:styleLbl name="fgSibTrans2D1">
+    <dgm:scene3d>
+      <a:camera prst="orthographicFront"/>
+      <a:lightRig rig="threePt" dir="t"/>
+    </dgm:scene3d>
+    <dgm:sp3d/>
+    <dgm:txPr/>
+    <dgm:style>
+      <a:lnRef idx="0">
+        <a:scrgbClr r="0" g="0" b="0"/>
+      </a:lnRef>
+      <a:fillRef idx="1">
+        <a:scrgbClr r="0" g="0" b="0"/>
+      </a:fillRef>
+      <a:effectRef idx="0">
+        <a:scrgbClr r="0" g="0" b="0"/>
+      </a:effectRef>
+      <a:fontRef idx="minor">
+        <a:schemeClr val="lt1"/>
+      </a:fontRef>
+    </dgm:style>
+  </dgm:styleLbl>
+  <dgm:styleLbl name="bgSibTrans2D1">
+    <dgm:scene3d>
+      <a:camera prst="orthographicFront"/>
+      <a:lightRig rig="threePt" dir="t"/>
+    </dgm:scene3d>
+    <dgm:sp3d/>
+    <dgm:txPr/>
+    <dgm:style>
+      <a:lnRef idx="0">
+        <a:scrgbClr r="0" g="0" b="0"/>
+      </a:lnRef>
+      <a:fillRef idx="1">
+        <a:scrgbClr r="0" g="0" b="0"/>
+      </a:fillRef>
+      <a:effectRef idx="0">
+        <a:scrgbClr r="0" g="0" b="0"/>
+      </a:effectRef>
+      <a:fontRef idx="minor">
+        <a:schemeClr val="lt1"/>
+      </a:fontRef>
+    </dgm:style>
+  </dgm:styleLbl>
+  <dgm:styleLbl name="sibTrans1D1">
+    <dgm:scene3d>
+      <a:camera prst="orthographicFront"/>
+      <a:lightRig rig="threePt" dir="t"/>
+    </dgm:scene3d>
+    <dgm:sp3d/>
+    <dgm:txPr/>
+    <dgm:style>
+      <a:lnRef idx="1">
+        <a:scrgbClr r="0" g="0" b="0"/>
+      </a:lnRef>
+      <a:fillRef idx="0">
+        <a:scrgbClr r="0" g="0" b="0"/>
+      </a:fillRef>
+      <a:effectRef idx="0">
+        <a:scrgbClr r="0" g="0" b="0"/>
+      </a:effectRef>
+      <a:fontRef idx="minor"/>
+    </dgm:style>
+  </dgm:styleLbl>
+  <dgm:styleLbl name="callout">
+    <dgm:scene3d>
+      <a:camera prst="orthographicFront"/>
+      <a:lightRig rig="threePt" dir="t"/>
+    </dgm:scene3d>
+    <dgm:sp3d/>
+    <dgm:txPr/>
+    <dgm:style>
+      <a:lnRef idx="2">
+        <a:scrgbClr r="0" g="0" b="0"/>
+      </a:lnRef>
+      <a:fillRef idx="1">
+        <a:scrgbClr r="0" g="0" b="0"/>
+      </a:fillRef>
+      <a:effectRef idx="0">
+        <a:scrgbClr r="0" g="0" b="0"/>
+      </a:effectRef>
+      <a:fontRef idx="minor"/>
+    </dgm:style>
+  </dgm:styleLbl>
+  <dgm:styleLbl name="asst0">
+    <dgm:scene3d>
+      <a:camera prst="orthographicFront"/>
+      <a:lightRig rig="threePt" dir="t"/>
+    </dgm:scene3d>
+    <dgm:sp3d/>
+    <dgm:txPr/>
+    <dgm:style>
+      <a:lnRef idx="2">
+        <a:scrgbClr r="0" g="0" b="0"/>
+      </a:lnRef>
+      <a:fillRef idx="1">
+        <a:scrgbClr r="0" g="0" b="0"/>
+      </a:fillRef>
+      <a:effectRef idx="0">
+        <a:scrgbClr r="0" g="0" b="0"/>
+      </a:effectRef>
+      <a:fontRef idx="minor">
+        <a:schemeClr val="lt1"/>
+      </a:fontRef>
+    </dgm:style>
+  </dgm:styleLbl>
+  <dgm:styleLbl name="asst1">
+    <dgm:scene3d>
+      <a:camera prst="orthographicFront"/>
+      <a:lightRig rig="threePt" dir="t"/>
+    </dgm:scene3d>
+    <dgm:sp3d/>
+    <dgm:txPr/>
+    <dgm:style>
+      <a:lnRef idx="2">
+        <a:scrgbClr r="0" g="0" b="0"/>
+      </a:lnRef>
+      <a:fillRef idx="1">
+        <a:scrgbClr r="0" g="0" b="0"/>
+      </a:fillRef>
+      <a:effectRef idx="0">
+        <a:scrgbClr r="0" g="0" b="0"/>
+      </a:effectRef>
+      <a:fontRef idx="minor">
+        <a:schemeClr val="lt1"/>
+      </a:fontRef>
+    </dgm:style>
+  </dgm:styleLbl>
+  <dgm:styleLbl name="asst2">
+    <dgm:scene3d>
+      <a:camera prst="orthographicFront"/>
+      <a:lightRig rig="threePt" dir="t"/>
+    </dgm:scene3d>
+    <dgm:sp3d/>
+    <dgm:txPr/>
+    <dgm:style>
+      <a:lnRef idx="2">
+        <a:scrgbClr r="0" g="0" b="0"/>
+      </a:lnRef>
+      <a:fillRef idx="1">
+        <a:scrgbClr r="0" g="0" b="0"/>
+      </a:fillRef>
+      <a:effectRef idx="0">
+        <a:scrgbClr r="0" g="0" b="0"/>
+      </a:effectRef>
+      <a:fontRef idx="minor">
+        <a:schemeClr val="lt1"/>
+      </a:fontRef>
+    </dgm:style>
+  </dgm:styleLbl>
+  <dgm:styleLbl name="asst3">
+    <dgm:scene3d>
+      <a:camera prst="orthographicFront"/>
+      <a:lightRig rig="threePt" dir="t"/>
+    </dgm:scene3d>
+    <dgm:sp3d/>
+    <dgm:txPr/>
+    <dgm:style>
+      <a:lnRef idx="2">
+        <a:scrgbClr r="0" g="0" b="0"/>
+      </a:lnRef>
+      <a:fillRef idx="1">
+        <a:scrgbClr r="0" g="0" b="0"/>
+      </a:fillRef>
+      <a:effectRef idx="0">
+        <a:scrgbClr r="0" g="0" b="0"/>
+      </a:effectRef>
+      <a:fontRef idx="minor">
+        <a:schemeClr val="lt1"/>
+      </a:fontRef>
+    </dgm:style>
+  </dgm:styleLbl>
+  <dgm:styleLbl name="asst4">
+    <dgm:scene3d>
+      <a:camera prst="orthographicFront"/>
+      <a:lightRig rig="threePt" dir="t"/>
+    </dgm:scene3d>
+    <dgm:sp3d/>
+    <dgm:txPr/>
+    <dgm:style>
+      <a:lnRef idx="2">
+        <a:scrgbClr r="0" g="0" b="0"/>
+      </a:lnRef>
+      <a:fillRef idx="1">
+        <a:scrgbClr r="0" g="0" b="0"/>
+      </a:fillRef>
+      <a:effectRef idx="0">
+        <a:scrgbClr r="0" g="0" b="0"/>
+      </a:effectRef>
+      <a:fontRef idx="minor">
+        <a:schemeClr val="lt1"/>
+      </a:fontRef>
+    </dgm:style>
+  </dgm:styleLbl>
+  <dgm:styleLbl name="parChTrans2D1">
+    <dgm:scene3d>
+      <a:camera prst="orthographicFront"/>
+      <a:lightRig rig="threePt" dir="t"/>
+    </dgm:scene3d>
+    <dgm:sp3d/>
+    <dgm:txPr/>
+    <dgm:style>
+      <a:lnRef idx="2">
+        <a:scrgbClr r="0" g="0" b="0"/>
+      </a:lnRef>
+      <a:fillRef idx="1">
+        <a:scrgbClr r="0" g="0" b="0"/>
+      </a:fillRef>
+      <a:effectRef idx="0">
+        <a:scrgbClr r="0" g="0" b="0"/>
+      </a:effectRef>
+      <a:fontRef idx="minor">
+        <a:schemeClr val="lt1"/>
+      </a:fontRef>
+    </dgm:style>
+  </dgm:styleLbl>
+  <dgm:styleLbl name="parChTrans2D2">
+    <dgm:scene3d>
+      <a:camera prst="orthographicFront"/>
+      <a:lightRig rig="threePt" dir="t"/>
+    </dgm:scene3d>
+    <dgm:sp3d/>
+    <dgm:txPr/>
+    <dgm:style>
+      <a:lnRef idx="2">
+        <a:scrgbClr r="0" g="0" b="0"/>
+      </a:lnRef>
+      <a:fillRef idx="1">
+        <a:scrgbClr r="0" g="0" b="0"/>
+      </a:fillRef>
+      <a:effectRef idx="0">
+        <a:scrgbClr r="0" g="0" b="0"/>
+      </a:effectRef>
+      <a:fontRef idx="minor">
+        <a:schemeClr val="lt1"/>
+      </a:fontRef>
+    </dgm:style>
+  </dgm:styleLbl>
+  <dgm:styleLbl name="parChTrans2D3">
+    <dgm:scene3d>
+      <a:camera prst="orthographicFront"/>
+      <a:lightRig rig="threePt" dir="t"/>
+    </dgm:scene3d>
+    <dgm:sp3d/>
+    <dgm:txPr/>
+    <dgm:style>
+      <a:lnRef idx="2">
+        <a:scrgbClr r="0" g="0" b="0"/>
+      </a:lnRef>
+      <a:fillRef idx="1">
+        <a:scrgbClr r="0" g="0" b="0"/>
+      </a:fillRef>
+      <a:effectRef idx="0">
+        <a:scrgbClr r="0" g="0" b="0"/>
+      </a:effectRef>
+      <a:fontRef idx="minor">
+        <a:schemeClr val="lt1"/>
+      </a:fontRef>
+    </dgm:style>
+  </dgm:styleLbl>
+  <dgm:styleLbl name="parChTrans2D4">
+    <dgm:scene3d>
+      <a:camera prst="orthographicFront"/>
+      <a:lightRig rig="threePt" dir="t"/>
+    </dgm:scene3d>
+    <dgm:sp3d/>
+    <dgm:txPr/>
+    <dgm:style>
+      <a:lnRef idx="2">
+        <a:scrgbClr r="0" g="0" b="0"/>
+      </a:lnRef>
+      <a:fillRef idx="1">
+        <a:scrgbClr r="0" g="0" b="0"/>
+      </a:fillRef>
+      <a:effectRef idx="0">
+        <a:scrgbClr r="0" g="0" b="0"/>
+      </a:effectRef>
+      <a:fontRef idx="minor">
+        <a:schemeClr val="lt1"/>
+      </a:fontRef>
+    </dgm:style>
+  </dgm:styleLbl>
+  <dgm:styleLbl name="parChTrans1D1">
+    <dgm:scene3d>
+      <a:camera prst="orthographicFront"/>
+      <a:lightRig rig="threePt" dir="t"/>
+    </dgm:scene3d>
+    <dgm:sp3d/>
+    <dgm:txPr/>
+    <dgm:style>
+      <a:lnRef idx="2">
+        <a:scrgbClr r="0" g="0" b="0"/>
+      </a:lnRef>
+      <a:fillRef idx="0">
+        <a:scrgbClr r="0" g="0" b="0"/>
+      </a:fillRef>
+      <a:effectRef idx="0">
+        <a:scrgbClr r="0" g="0" b="0"/>
+      </a:effectRef>
+      <a:fontRef idx="minor"/>
+    </dgm:style>
+  </dgm:styleLbl>
+  <dgm:styleLbl name="parChTrans1D2">
+    <dgm:scene3d>
+      <a:camera prst="orthographicFront"/>
+      <a:lightRig rig="threePt" dir="t"/>
+    </dgm:scene3d>
+    <dgm:sp3d/>
+    <dgm:txPr/>
+    <dgm:style>
+      <a:lnRef idx="2">
+        <a:scrgbClr r="0" g="0" b="0"/>
+      </a:lnRef>
+      <a:fillRef idx="0">
+        <a:scrgbClr r="0" g="0" b="0"/>
+      </a:fillRef>
+      <a:effectRef idx="0">
+        <a:scrgbClr r="0" g="0" b="0"/>
+      </a:effectRef>
+      <a:fontRef idx="minor"/>
+    </dgm:style>
+  </dgm:styleLbl>
+  <dgm:styleLbl name="parChTrans1D3">
+    <dgm:scene3d>
+      <a:camera prst="orthographicFront"/>
+      <a:lightRig rig="threePt" dir="t"/>
+    </dgm:scene3d>
+    <dgm:sp3d/>
+    <dgm:txPr/>
+    <dgm:style>
+      <a:lnRef idx="2">
+        <a:scrgbClr r="0" g="0" b="0"/>
+      </a:lnRef>
+      <a:fillRef idx="0">
+        <a:scrgbClr r="0" g="0" b="0"/>
+      </a:fillRef>
+      <a:effectRef idx="0">
+        <a:scrgbClr r="0" g="0" b="0"/>
+      </a:effectRef>
+      <a:fontRef idx="minor"/>
+    </dgm:style>
+  </dgm:styleLbl>
+  <dgm:styleLbl name="parChTrans1D4">
+    <dgm:scene3d>
+      <a:camera prst="orthographicFront"/>
+      <a:lightRig rig="threePt" dir="t"/>
+    </dgm:scene3d>
+    <dgm:sp3d/>
+    <dgm:txPr/>
+    <dgm:style>
+      <a:lnRef idx="2">
+        <a:scrgbClr r="0" g="0" b="0"/>
+      </a:lnRef>
+      <a:fillRef idx="0">
+        <a:scrgbClr r="0" g="0" b="0"/>
+      </a:fillRef>
+      <a:effectRef idx="0">
+        <a:scrgbClr r="0" g="0" b="0"/>
+      </a:effectRef>
+      <a:fontRef idx="minor"/>
+    </dgm:style>
+  </dgm:styleLbl>
+  <dgm:styleLbl name="fgAcc1">
+    <dgm:scene3d>
+      <a:camera prst="orthographicFront"/>
+      <a:lightRig rig="threePt" dir="t"/>
+    </dgm:scene3d>
+    <dgm:sp3d/>
+    <dgm:txPr/>
+    <dgm:style>
+      <a:lnRef idx="2">
+        <a:scrgbClr r="0" g="0" b="0"/>
+      </a:lnRef>
+      <a:fillRef idx="1">
+        <a:scrgbClr r="0" g="0" b="0"/>
+      </a:fillRef>
+      <a:effectRef idx="0">
+        <a:scrgbClr r="0" g="0" b="0"/>
+      </a:effectRef>
+      <a:fontRef idx="minor"/>
+    </dgm:style>
+  </dgm:styleLbl>
+  <dgm:styleLbl name="conFgAcc1">
+    <dgm:scene3d>
+      <a:camera prst="orthographicFront"/>
+      <a:lightRig rig="threePt" dir="t"/>
+    </dgm:scene3d>
+    <dgm:sp3d/>
+    <dgm:txPr/>
+    <dgm:style>
+      <a:lnRef idx="2">
+        <a:scrgbClr r="0" g="0" b="0"/>
+      </a:lnRef>
+      <a:fillRef idx="1">
+        <a:scrgbClr r="0" g="0" b="0"/>
+      </a:fillRef>
+      <a:effectRef idx="0">
+        <a:scrgbClr r="0" g="0" b="0"/>
+      </a:effectRef>
+      <a:fontRef idx="minor"/>
+    </dgm:style>
+  </dgm:styleLbl>
+  <dgm:styleLbl name="alignAcc1">
+    <dgm:scene3d>
+      <a:camera prst="orthographicFront"/>
+      <a:lightRig rig="threePt" dir="t"/>
+    </dgm:scene3d>
+    <dgm:sp3d/>
+    <dgm:txPr/>
+    <dgm:style>
+      <a:lnRef idx="2">
+        <a:scrgbClr r="0" g="0" b="0"/>
+      </a:lnRef>
+      <a:fillRef idx="1">
+        <a:scrgbClr r="0" g="0" b="0"/>
+      </a:fillRef>
+      <a:effectRef idx="0">
+        <a:scrgbClr r="0" g="0" b="0"/>
+      </a:effectRef>
+      <a:fontRef idx="minor"/>
+    </dgm:style>
+  </dgm:styleLbl>
+  <dgm:styleLbl name="trAlignAcc1">
+    <dgm:scene3d>
+      <a:camera prst="orthographicFront"/>
+      <a:lightRig rig="threePt" dir="t"/>
+    </dgm:scene3d>
+    <dgm:sp3d/>
+    <dgm:txPr/>
+    <dgm:style>
+      <a:lnRef idx="1">
+        <a:scrgbClr r="0" g="0" b="0"/>
+      </a:lnRef>
+      <a:fillRef idx="1">
+        <a:scrgbClr r="0" g="0" b="0"/>
+      </a:fillRef>
+      <a:effectRef idx="0">
+        <a:scrgbClr r="0" g="0" b="0"/>
+      </a:effectRef>
+      <a:fontRef idx="minor"/>
+    </dgm:style>
+  </dgm:styleLbl>
+  <dgm:styleLbl name="bgAcc1">
+    <dgm:scene3d>
+      <a:camera prst="orthographicFront"/>
+      <a:lightRig rig="threePt" dir="t"/>
+    </dgm:scene3d>
+    <dgm:sp3d/>
+    <dgm:txPr/>
+    <dgm:style>
+      <a:lnRef idx="2">
+        <a:scrgbClr r="0" g="0" b="0"/>
+      </a:lnRef>
+      <a:fillRef idx="1">
+        <a:scrgbClr r="0" g="0" b="0"/>
+      </a:fillRef>
+      <a:effectRef idx="0">
+        <a:scrgbClr r="0" g="0" b="0"/>
+      </a:effectRef>
+      <a:fontRef idx="minor"/>
+    </dgm:style>
+  </dgm:styleLbl>
+  <dgm:styleLbl name="solidFgAcc1">
+    <dgm:scene3d>
+      <a:camera prst="orthographicFront"/>
+      <a:lightRig rig="threePt" dir="t"/>
+    </dgm:scene3d>
+    <dgm:sp3d/>
+    <dgm:txPr/>
+    <dgm:style>
+      <a:lnRef idx="2">
+        <a:scrgbClr r="0" g="0" b="0"/>
+      </a:lnRef>
+      <a:fillRef idx="1">
+        <a:scrgbClr r="0" g="0" b="0"/>
+      </a:fillRef>
+      <a:effectRef idx="0">
+        <a:scrgbClr r="0" g="0" b="0"/>
+      </a:effectRef>
+      <a:fontRef idx="minor"/>
+    </dgm:style>
+  </dgm:styleLbl>
+  <dgm:styleLbl name="solidAlignAcc1">
+    <dgm:scene3d>
+      <a:camera prst="orthographicFront"/>
+      <a:lightRig rig="threePt" dir="t"/>
+    </dgm:scene3d>
+    <dgm:sp3d/>
+    <dgm:txPr/>
+    <dgm:style>
+      <a:lnRef idx="2">
+        <a:scrgbClr r="0" g="0" b="0"/>
+      </a:lnRef>
+      <a:fillRef idx="1">
+        <a:scrgbClr r="0" g="0" b="0"/>
+      </a:fillRef>
+      <a:effectRef idx="0">
+        <a:scrgbClr r="0" g="0" b="0"/>
+      </a:effectRef>
+      <a:fontRef idx="minor"/>
+    </dgm:style>
+  </dgm:styleLbl>
+  <dgm:styleLbl name="solidBgAcc1">
+    <dgm:scene3d>
+      <a:camera prst="orthographicFront"/>
+      <a:lightRig rig="threePt" dir="t"/>
+    </dgm:scene3d>
+    <dgm:sp3d/>
+    <dgm:txPr/>
+    <dgm:style>
+      <a:lnRef idx="2">
+        <a:scrgbClr r="0" g="0" b="0"/>
+      </a:lnRef>
+      <a:fillRef idx="1">
+        <a:scrgbClr r="0" g="0" b="0"/>
+      </a:fillRef>
+      <a:effectRef idx="0">
+        <a:scrgbClr r="0" g="0" b="0"/>
+      </a:effectRef>
+      <a:fontRef idx="minor"/>
+    </dgm:style>
+  </dgm:styleLbl>
+  <dgm:styleLbl name="fgAccFollowNode1">
+    <dgm:scene3d>
+      <a:camera prst="orthographicFront"/>
+      <a:lightRig rig="threePt" dir="t"/>
+    </dgm:scene3d>
+    <dgm:sp3d/>
+    <dgm:txPr/>
+    <dgm:style>
+      <a:lnRef idx="2">
+        <a:scrgbClr r="0" g="0" b="0"/>
+      </a:lnRef>
+      <a:fillRef idx="1">
+        <a:scrgbClr r="0" g="0" b="0"/>
+      </a:fillRef>
+      <a:effectRef idx="0">
+        <a:scrgbClr r="0" g="0" b="0"/>
+      </a:effectRef>
+      <a:fontRef idx="minor"/>
+    </dgm:style>
+  </dgm:styleLbl>
+  <dgm:styleLbl name="alignAccFollowNode1">
+    <dgm:scene3d>
+      <a:camera prst="orthographicFront"/>
+      <a:lightRig rig="threePt" dir="t"/>
+    </dgm:scene3d>
+    <dgm:sp3d/>
+    <dgm:txPr/>
+    <dgm:style>
+      <a:lnRef idx="2">
+        <a:scrgbClr r="0" g="0" b="0"/>
+      </a:lnRef>
+      <a:fillRef idx="1">
+        <a:scrgbClr r="0" g="0" b="0"/>
+      </a:fillRef>
+      <a:effectRef idx="0">
+        <a:scrgbClr r="0" g="0" b="0"/>
+      </a:effectRef>
+      <a:fontRef idx="minor"/>
+    </dgm:style>
+  </dgm:styleLbl>
+  <dgm:styleLbl name="bgAccFollowNode1">
+    <dgm:scene3d>
+      <a:camera prst="orthographicFront"/>
+      <a:lightRig rig="threePt" dir="t"/>
+    </dgm:scene3d>
+    <dgm:sp3d/>
+    <dgm:txPr/>
+    <dgm:style>
+      <a:lnRef idx="2">
+        <a:scrgbClr r="0" g="0" b="0"/>
+      </a:lnRef>
+      <a:fillRef idx="1">
+        <a:scrgbClr r="0" g="0" b="0"/>
+      </a:fillRef>
+      <a:effectRef idx="0">
+        <a:scrgbClr r="0" g="0" b="0"/>
+      </a:effectRef>
+      <a:fontRef idx="minor"/>
+    </dgm:style>
+  </dgm:styleLbl>
+  <dgm:styleLbl name="fgAcc0">
+    <dgm:scene3d>
+      <a:camera prst="orthographicFront"/>
+      <a:lightRig rig="threePt" dir="t"/>
+    </dgm:scene3d>
+    <dgm:sp3d/>
+    <dgm:txPr/>
+    <dgm:style>
+      <a:lnRef idx="2">
+        <a:scrgbClr r="0" g="0" b="0"/>
+      </a:lnRef>
+      <a:fillRef idx="1">
+        <a:scrgbClr r="0" g="0" b="0"/>
+      </a:fillRef>
+      <a:effectRef idx="0">
+        <a:scrgbClr r="0" g="0" b="0"/>
+      </a:effectRef>
+      <a:fontRef idx="minor"/>
+    </dgm:style>
+  </dgm:styleLbl>
+  <dgm:styleLbl name="fgAcc2">
+    <dgm:scene3d>
+      <a:camera prst="orthographicFront"/>
+      <a:lightRig rig="threePt" dir="t"/>
+    </dgm:scene3d>
+    <dgm:sp3d/>
+    <dgm:txPr/>
+    <dgm:style>
+      <a:lnRef idx="2">
+        <a:scrgbClr r="0" g="0" b="0"/>
+      </a:lnRef>
+      <a:fillRef idx="1">
+        <a:scrgbClr r="0" g="0" b="0"/>
+      </a:fillRef>
+      <a:effectRef idx="0">
+        <a:scrgbClr r="0" g="0" b="0"/>
+      </a:effectRef>
+      <a:fontRef idx="minor"/>
+    </dgm:style>
+  </dgm:styleLbl>
+  <dgm:styleLbl name="fgAcc3">
+    <dgm:scene3d>
+      <a:camera prst="orthographicFront"/>
+      <a:lightRig rig="threePt" dir="t"/>
+    </dgm:scene3d>
+    <dgm:sp3d/>
+    <dgm:txPr/>
+    <dgm:style>
+      <a:lnRef idx="2">
+        <a:scrgbClr r="0" g="0" b="0"/>
+      </a:lnRef>
+      <a:fillRef idx="1">
+        <a:scrgbClr r="0" g="0" b="0"/>
+      </a:fillRef>
+      <a:effectRef idx="0">
+        <a:scrgbClr r="0" g="0" b="0"/>
+      </a:effectRef>
+      <a:fontRef idx="minor"/>
+    </dgm:style>
+  </dgm:styleLbl>
+  <dgm:styleLbl name="fgAcc4">
+    <dgm:scene3d>
+      <a:camera prst="orthographicFront"/>
+      <a:lightRig rig="threePt" dir="t"/>
+    </dgm:scene3d>
+    <dgm:sp3d/>
+    <dgm:txPr/>
+    <dgm:style>
+      <a:lnRef idx="2">
+        <a:scrgbClr r="0" g="0" b="0"/>
+      </a:lnRef>
+      <a:fillRef idx="1">
+        <a:scrgbClr r="0" g="0" b="0"/>
+      </a:fillRef>
+      <a:effectRef idx="0">
+        <a:scrgbClr r="0" g="0" b="0"/>
+      </a:effectRef>
+      <a:fontRef idx="minor"/>
+    </dgm:style>
+  </dgm:styleLbl>
+  <dgm:styleLbl name="bgShp">
+    <dgm:scene3d>
+      <a:camera prst="orthographicFront"/>
+      <a:lightRig rig="threePt" dir="t"/>
+    </dgm:scene3d>
+    <dgm:sp3d/>
+    <dgm:txPr/>
+    <dgm:style>
+      <a:lnRef idx="0">
+        <a:scrgbClr r="0" g="0" b="0"/>
+      </a:lnRef>
+      <a:fillRef idx="1">
+        <a:scrgbClr r="0" g="0" b="0"/>
+      </a:fillRef>
+      <a:effectRef idx="0">
+        <a:scrgbClr r="0" g="0" b="0"/>
+      </a:effectRef>
+      <a:fontRef idx="minor"/>
+    </dgm:style>
+  </dgm:styleLbl>
+  <dgm:styleLbl name="dkBgShp">
+    <dgm:scene3d>
+      <a:camera prst="orthographicFront"/>
+      <a:lightRig rig="threePt" dir="t"/>
+    </dgm:scene3d>
+    <dgm:sp3d/>
+    <dgm:txPr/>
+    <dgm:style>
+      <a:lnRef idx="0">
+        <a:scrgbClr r="0" g="0" b="0"/>
+      </a:lnRef>
+      <a:fillRef idx="1">
+        <a:scrgbClr r="0" g="0" b="0"/>
+      </a:fillRef>
+      <a:effectRef idx="0">
+        <a:scrgbClr r="0" g="0" b="0"/>
+      </a:effectRef>
+      <a:fontRef idx="minor"/>
+    </dgm:style>
+  </dgm:styleLbl>
+  <dgm:styleLbl name="trBgShp">
+    <dgm:scene3d>
+      <a:camera prst="orthographicFront"/>
+      <a:lightRig rig="threePt" dir="t"/>
+    </dgm:scene3d>
+    <dgm:sp3d/>
+    <dgm:txPr/>
+    <dgm:style>
+      <a:lnRef idx="0">
+        <a:scrgbClr r="0" g="0" b="0"/>
+      </a:lnRef>
+      <a:fillRef idx="1">
+        <a:scrgbClr r="0" g="0" b="0"/>
+      </a:fillRef>
+      <a:effectRef idx="0">
+        <a:scrgbClr r="0" g="0" b="0"/>
+      </a:effectRef>
+      <a:fontRef idx="minor"/>
+    </dgm:style>
+  </dgm:styleLbl>
+  <dgm:styleLbl name="fgShp">
+    <dgm:scene3d>
+      <a:camera prst="orthographicFront"/>
+      <a:lightRig rig="threePt" dir="t"/>
+    </dgm:scene3d>
+    <dgm:sp3d/>
+    <dgm:txPr/>
+    <dgm:style>
+      <a:lnRef idx="2">
+        <a:scrgbClr r="0" g="0" b="0"/>
+      </a:lnRef>
+      <a:fillRef idx="1">
+        <a:scrgbClr r="0" g="0" b="0"/>
+      </a:fillRef>
+      <a:effectRef idx="0">
+        <a:scrgbClr r="0" g="0" b="0"/>
+      </a:effectRef>
+      <a:fontRef idx="minor"/>
+    </dgm:style>
+  </dgm:styleLbl>
+  <dgm:styleLbl name="revTx">
+    <dgm:scene3d>
+      <a:camera prst="orthographicFront"/>
+      <a:lightRig rig="threePt" dir="t"/>
+    </dgm:scene3d>
+    <dgm:sp3d/>
+    <dgm:txPr/>
+    <dgm:style>
+      <a:lnRef idx="0">
+        <a:scrgbClr r="0" g="0" b="0"/>
+      </a:lnRef>
+      <a:fillRef idx="0">
+        <a:scrgbClr r="0" g="0" b="0"/>
+      </a:fillRef>
+      <a:effectRef idx="0">
+        <a:scrgbClr r="0" g="0" b="0"/>
+      </a:effectRef>
+      <a:fontRef idx="minor"/>
+    </dgm:style>
+  </dgm:styleLbl>
+</dgm:styleDef>
+</file>
+
+<file path=ppt/diagrams/quickStyle2.xml><?xml version="1.0" encoding="utf-8"?>
+<dgm:styleDef xmlns:dgm="http://schemas.openxmlformats.org/drawingml/2006/diagram" xmlns:a="http://schemas.openxmlformats.org/drawingml/2006/main" uniqueId="urn:microsoft.com/office/officeart/2005/8/quickstyle/simple1">
+  <dgm:title val=""/>
+  <dgm:desc val=""/>
+  <dgm:catLst>
+    <dgm:cat type="simple" pri="10100"/>
+  </dgm:catLst>
+  <dgm:scene3d>
+    <a:camera prst="orthographicFront"/>
+    <a:lightRig rig="threePt" dir="t"/>
+  </dgm:scene3d>
+  <dgm:styleLbl name="node0">
+    <dgm:scene3d>
+      <a:camera prst="orthographicFront"/>
+      <a:lightRig rig="threePt" dir="t"/>
+    </dgm:scene3d>
+    <dgm:sp3d/>
+    <dgm:txPr/>
+    <dgm:style>
+      <a:lnRef idx="2">
+        <a:scrgbClr r="0" g="0" b="0"/>
+      </a:lnRef>
+      <a:fillRef idx="1">
+        <a:scrgbClr r="0" g="0" b="0"/>
+      </a:fillRef>
+      <a:effectRef idx="0">
+        <a:scrgbClr r="0" g="0" b="0"/>
+      </a:effectRef>
+      <a:fontRef idx="minor">
+        <a:schemeClr val="lt1"/>
+      </a:fontRef>
+    </dgm:style>
+  </dgm:styleLbl>
+  <dgm:styleLbl name="lnNode1">
+    <dgm:scene3d>
+      <a:camera prst="orthographicFront"/>
+      <a:lightRig rig="threePt" dir="t"/>
+    </dgm:scene3d>
+    <dgm:sp3d/>
+    <dgm:txPr/>
+    <dgm:style>
+      <a:lnRef idx="2">
+        <a:scrgbClr r="0" g="0" b="0"/>
+      </a:lnRef>
+      <a:fillRef idx="1">
+        <a:scrgbClr r="0" g="0" b="0"/>
+      </a:fillRef>
+      <a:effectRef idx="0">
+        <a:scrgbClr r="0" g="0" b="0"/>
+      </a:effectRef>
+      <a:fontRef idx="minor">
+        <a:schemeClr val="lt1"/>
+      </a:fontRef>
+    </dgm:style>
+  </dgm:styleLbl>
+  <dgm:styleLbl name="vennNode1">
+    <dgm:scene3d>
+      <a:camera prst="orthographicFront"/>
+      <a:lightRig rig="threePt" dir="t"/>
+    </dgm:scene3d>
+    <dgm:sp3d/>
+    <dgm:txPr/>
+    <dgm:style>
+      <a:lnRef idx="2">
+        <a:scrgbClr r="0" g="0" b="0"/>
+      </a:lnRef>
+      <a:fillRef idx="1">
+        <a:scrgbClr r="0" g="0" b="0"/>
+      </a:fillRef>
+      <a:effectRef idx="0">
+        <a:scrgbClr r="0" g="0" b="0"/>
+      </a:effectRef>
+      <a:fontRef idx="minor">
+        <a:schemeClr val="tx1"/>
+      </a:fontRef>
+    </dgm:style>
+  </dgm:styleLbl>
+  <dgm:styleLbl name="alignNode1">
+    <dgm:scene3d>
+      <a:camera prst="orthographicFront"/>
+      <a:lightRig rig="threePt" dir="t"/>
+    </dgm:scene3d>
+    <dgm:sp3d/>
+    <dgm:txPr/>
+    <dgm:style>
+      <a:lnRef idx="2">
+        <a:scrgbClr r="0" g="0" b="0"/>
+      </a:lnRef>
+      <a:fillRef idx="1">
+        <a:scrgbClr r="0" g="0" b="0"/>
+      </a:fillRef>
+      <a:effectRef idx="0">
+        <a:scrgbClr r="0" g="0" b="0"/>
+      </a:effectRef>
+      <a:fontRef idx="minor">
+        <a:schemeClr val="lt1"/>
+      </a:fontRef>
+    </dgm:style>
+  </dgm:styleLbl>
+  <dgm:styleLbl name="node1">
+    <dgm:scene3d>
+      <a:camera prst="orthographicFront"/>
+      <a:lightRig rig="threePt" dir="t"/>
+    </dgm:scene3d>
+    <dgm:sp3d/>
+    <dgm:txPr/>
+    <dgm:style>
+      <a:lnRef idx="2">
+        <a:scrgbClr r="0" g="0" b="0"/>
+      </a:lnRef>
+      <a:fillRef idx="1">
+        <a:scrgbClr r="0" g="0" b="0"/>
+      </a:fillRef>
+      <a:effectRef idx="0">
+        <a:scrgbClr r="0" g="0" b="0"/>
+      </a:effectRef>
+      <a:fontRef idx="minor">
+        <a:schemeClr val="lt1"/>
+      </a:fontRef>
+    </dgm:style>
+  </dgm:styleLbl>
+  <dgm:styleLbl name="node2">
+    <dgm:scene3d>
+      <a:camera prst="orthographicFront"/>
+      <a:lightRig rig="threePt" dir="t"/>
+    </dgm:scene3d>
+    <dgm:sp3d/>
+    <dgm:txPr/>
+    <dgm:style>
+      <a:lnRef idx="2">
+        <a:scrgbClr r="0" g="0" b="0"/>
+      </a:lnRef>
+      <a:fillRef idx="1">
+        <a:scrgbClr r="0" g="0" b="0"/>
+      </a:fillRef>
+      <a:effectRef idx="0">
+        <a:scrgbClr r="0" g="0" b="0"/>
+      </a:effectRef>
+      <a:fontRef idx="minor">
+        <a:schemeClr val="lt1"/>
+      </a:fontRef>
+    </dgm:style>
+  </dgm:styleLbl>
+  <dgm:styleLbl name="node3">
+    <dgm:scene3d>
+      <a:camera prst="orthographicFront"/>
+      <a:lightRig rig="threePt" dir="t"/>
+    </dgm:scene3d>
+    <dgm:sp3d/>
+    <dgm:txPr/>
+    <dgm:style>
+      <a:lnRef idx="2">
+        <a:scrgbClr r="0" g="0" b="0"/>
+      </a:lnRef>
+      <a:fillRef idx="1">
+        <a:scrgbClr r="0" g="0" b="0"/>
+      </a:fillRef>
+      <a:effectRef idx="0">
+        <a:scrgbClr r="0" g="0" b="0"/>
+      </a:effectRef>
+      <a:fontRef idx="minor">
+        <a:schemeClr val="lt1"/>
+      </a:fontRef>
+    </dgm:style>
+  </dgm:styleLbl>
+  <dgm:styleLbl name="node4">
+    <dgm:scene3d>
+      <a:camera prst="orthographicFront"/>
+      <a:lightRig rig="threePt" dir="t"/>
+    </dgm:scene3d>
+    <dgm:sp3d/>
+    <dgm:txPr/>
+    <dgm:style>
+      <a:lnRef idx="2">
+        <a:scrgbClr r="0" g="0" b="0"/>
+      </a:lnRef>
+      <a:fillRef idx="1">
+        <a:scrgbClr r="0" g="0" b="0"/>
+      </a:fillRef>
+      <a:effectRef idx="0">
+        <a:scrgbClr r="0" g="0" b="0"/>
+      </a:effectRef>
+      <a:fontRef idx="minor">
+        <a:schemeClr val="lt1"/>
+      </a:fontRef>
+    </dgm:style>
+  </dgm:styleLbl>
+  <dgm:styleLbl name="fgImgPlace1">
+    <dgm:scene3d>
+      <a:camera prst="orthographicFront"/>
+      <a:lightRig rig="threePt" dir="t"/>
+    </dgm:scene3d>
+    <dgm:sp3d/>
+    <dgm:txPr/>
+    <dgm:style>
+      <a:lnRef idx="2">
+        <a:scrgbClr r="0" g="0" b="0"/>
+      </a:lnRef>
+      <a:fillRef idx="1">
+        <a:scrgbClr r="0" g="0" b="0"/>
+      </a:fillRef>
+      <a:effectRef idx="0">
+        <a:scrgbClr r="0" g="0" b="0"/>
+      </a:effectRef>
+      <a:fontRef idx="minor"/>
+    </dgm:style>
+  </dgm:styleLbl>
+  <dgm:styleLbl name="alignImgPlace1">
+    <dgm:scene3d>
+      <a:camera prst="orthographicFront"/>
+      <a:lightRig rig="threePt" dir="t"/>
+    </dgm:scene3d>
+    <dgm:sp3d/>
+    <dgm:txPr/>
+    <dgm:style>
+      <a:lnRef idx="2">
+        <a:scrgbClr r="0" g="0" b="0"/>
+      </a:lnRef>
+      <a:fillRef idx="1">
+        <a:scrgbClr r="0" g="0" b="0"/>
+      </a:fillRef>
+      <a:effectRef idx="0">
+        <a:scrgbClr r="0" g="0" b="0"/>
+      </a:effectRef>
+      <a:fontRef idx="minor"/>
+    </dgm:style>
+  </dgm:styleLbl>
+  <dgm:styleLbl name="bgImgPlace1">
+    <dgm:scene3d>
+      <a:camera prst="orthographicFront"/>
+      <a:lightRig rig="threePt" dir="t"/>
+    </dgm:scene3d>
+    <dgm:sp3d/>
+    <dgm:txPr/>
+    <dgm:style>
+      <a:lnRef idx="2">
+        <a:scrgbClr r="0" g="0" b="0"/>
+      </a:lnRef>
+      <a:fillRef idx="1">
+        <a:scrgbClr r="0" g="0" b="0"/>
+      </a:fillRef>
+      <a:effectRef idx="0">
+        <a:scrgbClr r="0" g="0" b="0"/>
+      </a:effectRef>
+      <a:fontRef idx="minor"/>
+    </dgm:style>
+  </dgm:styleLbl>
+  <dgm:styleLbl name="sibTrans2D1">
+    <dgm:scene3d>
+      <a:camera prst="orthographicFront"/>
+      <a:lightRig rig="threePt" dir="t"/>
+    </dgm:scene3d>
+    <dgm:sp3d/>
+    <dgm:txPr/>
+    <dgm:style>
+      <a:lnRef idx="0">
+        <a:scrgbClr r="0" g="0" b="0"/>
+      </a:lnRef>
+      <a:fillRef idx="1">
+        <a:scrgbClr r="0" g="0" b="0"/>
+      </a:fillRef>
+      <a:effectRef idx="0">
+        <a:scrgbClr r="0" g="0" b="0"/>
+      </a:effectRef>
+      <a:fontRef idx="minor">
+        <a:schemeClr val="lt1"/>
+      </a:fontRef>
+    </dgm:style>
+  </dgm:styleLbl>
+  <dgm:styleLbl name="fgSibTrans2D1">
+    <dgm:scene3d>
+      <a:camera prst="orthographicFront"/>
+      <a:lightRig rig="threePt" dir="t"/>
+    </dgm:scene3d>
+    <dgm:sp3d/>
+    <dgm:txPr/>
+    <dgm:style>
+      <a:lnRef idx="0">
+        <a:scrgbClr r="0" g="0" b="0"/>
+      </a:lnRef>
+      <a:fillRef idx="1">
+        <a:scrgbClr r="0" g="0" b="0"/>
+      </a:fillRef>
+      <a:effectRef idx="0">
+        <a:scrgbClr r="0" g="0" b="0"/>
+      </a:effectRef>
+      <a:fontRef idx="minor">
+        <a:schemeClr val="lt1"/>
+      </a:fontRef>
+    </dgm:style>
+  </dgm:styleLbl>
+  <dgm:styleLbl name="bgSibTrans2D1">
+    <dgm:scene3d>
+      <a:camera prst="orthographicFront"/>
+      <a:lightRig rig="threePt" dir="t"/>
+    </dgm:scene3d>
+    <dgm:sp3d/>
+    <dgm:txPr/>
+    <dgm:style>
+      <a:lnRef idx="0">
+        <a:scrgbClr r="0" g="0" b="0"/>
+      </a:lnRef>
+      <a:fillRef idx="1">
+        <a:scrgbClr r="0" g="0" b="0"/>
+      </a:fillRef>
+      <a:effectRef idx="0">
+        <a:scrgbClr r="0" g="0" b="0"/>
+      </a:effectRef>
+      <a:fontRef idx="minor">
+        <a:schemeClr val="lt1"/>
+      </a:fontRef>
+    </dgm:style>
+  </dgm:styleLbl>
+  <dgm:styleLbl name="sibTrans1D1">
+    <dgm:scene3d>
+      <a:camera prst="orthographicFront"/>
+      <a:lightRig rig="threePt" dir="t"/>
+    </dgm:scene3d>
+    <dgm:sp3d/>
+    <dgm:txPr/>
+    <dgm:style>
+      <a:lnRef idx="1">
+        <a:scrgbClr r="0" g="0" b="0"/>
+      </a:lnRef>
+      <a:fillRef idx="0">
+        <a:scrgbClr r="0" g="0" b="0"/>
+      </a:fillRef>
+      <a:effectRef idx="0">
+        <a:scrgbClr r="0" g="0" b="0"/>
+      </a:effectRef>
+      <a:fontRef idx="minor"/>
+    </dgm:style>
+  </dgm:styleLbl>
+  <dgm:styleLbl name="callout">
+    <dgm:scene3d>
+      <a:camera prst="orthographicFront"/>
+      <a:lightRig rig="threePt" dir="t"/>
+    </dgm:scene3d>
+    <dgm:sp3d/>
+    <dgm:txPr/>
+    <dgm:style>
+      <a:lnRef idx="2">
+        <a:scrgbClr r="0" g="0" b="0"/>
+      </a:lnRef>
+      <a:fillRef idx="1">
+        <a:scrgbClr r="0" g="0" b="0"/>
+      </a:fillRef>
+      <a:effectRef idx="0">
+        <a:scrgbClr r="0" g="0" b="0"/>
+      </a:effectRef>
+      <a:fontRef idx="minor"/>
+    </dgm:style>
+  </dgm:styleLbl>
+  <dgm:styleLbl name="asst0">
+    <dgm:scene3d>
+      <a:camera prst="orthographicFront"/>
+      <a:lightRig rig="threePt" dir="t"/>
+    </dgm:scene3d>
+    <dgm:sp3d/>
+    <dgm:txPr/>
+    <dgm:style>
+      <a:lnRef idx="2">
+        <a:scrgbClr r="0" g="0" b="0"/>
+      </a:lnRef>
+      <a:fillRef idx="1">
+        <a:scrgbClr r="0" g="0" b="0"/>
+      </a:fillRef>
+      <a:effectRef idx="0">
+        <a:scrgbClr r="0" g="0" b="0"/>
+      </a:effectRef>
+      <a:fontRef idx="minor">
+        <a:schemeClr val="lt1"/>
+      </a:fontRef>
+    </dgm:style>
+  </dgm:styleLbl>
+  <dgm:styleLbl name="asst1">
+    <dgm:scene3d>
+      <a:camera prst="orthographicFront"/>
+      <a:lightRig rig="threePt" dir="t"/>
+    </dgm:scene3d>
+    <dgm:sp3d/>
+    <dgm:txPr/>
+    <dgm:style>
+      <a:lnRef idx="2">
+        <a:scrgbClr r="0" g="0" b="0"/>
+      </a:lnRef>
+      <a:fillRef idx="1">
+        <a:scrgbClr r="0" g="0" b="0"/>
+      </a:fillRef>
+      <a:effectRef idx="0">
+        <a:scrgbClr r="0" g="0" b="0"/>
+      </a:effectRef>
+      <a:fontRef idx="minor">
+        <a:schemeClr val="lt1"/>
+      </a:fontRef>
+    </dgm:style>
+  </dgm:styleLbl>
+  <dgm:styleLbl name="asst2">
+    <dgm:scene3d>
+      <a:camera prst="orthographicFront"/>
+      <a:lightRig rig="threePt" dir="t"/>
+    </dgm:scene3d>
+    <dgm:sp3d/>
+    <dgm:txPr/>
+    <dgm:style>
+      <a:lnRef idx="2">
+        <a:scrgbClr r="0" g="0" b="0"/>
+      </a:lnRef>
+      <a:fillRef idx="1">
+        <a:scrgbClr r="0" g="0" b="0"/>
+      </a:fillRef>
+      <a:effectRef idx="0">
+        <a:scrgbClr r="0" g="0" b="0"/>
+      </a:effectRef>
+      <a:fontRef idx="minor">
+        <a:schemeClr val="lt1"/>
+      </a:fontRef>
+    </dgm:style>
+  </dgm:styleLbl>
+  <dgm:styleLbl name="asst3">
+    <dgm:scene3d>
+      <a:camera prst="orthographicFront"/>
+      <a:lightRig rig="threePt" dir="t"/>
+    </dgm:scene3d>
+    <dgm:sp3d/>
+    <dgm:txPr/>
+    <dgm:style>
+      <a:lnRef idx="2">
+        <a:scrgbClr r="0" g="0" b="0"/>
+      </a:lnRef>
+      <a:fillRef idx="1">
+        <a:scrgbClr r="0" g="0" b="0"/>
+      </a:fillRef>
+      <a:effectRef idx="0">
+        <a:scrgbClr r="0" g="0" b="0"/>
+      </a:effectRef>
+      <a:fontRef idx="minor">
+        <a:schemeClr val="lt1"/>
+      </a:fontRef>
+    </dgm:style>
+  </dgm:styleLbl>
+  <dgm:styleLbl name="asst4">
+    <dgm:scene3d>
+      <a:camera prst="orthographicFront"/>
+      <a:lightRig rig="threePt" dir="t"/>
+    </dgm:scene3d>
+    <dgm:sp3d/>
+    <dgm:txPr/>
+    <dgm:style>
+      <a:lnRef idx="2">
+        <a:scrgbClr r="0" g="0" b="0"/>
+      </a:lnRef>
+      <a:fillRef idx="1">
+        <a:scrgbClr r="0" g="0" b="0"/>
+      </a:fillRef>
+      <a:effectRef idx="0">
+        <a:scrgbClr r="0" g="0" b="0"/>
+      </a:effectRef>
+      <a:fontRef idx="minor">
+        <a:schemeClr val="lt1"/>
+      </a:fontRef>
+    </dgm:style>
+  </dgm:styleLbl>
+  <dgm:styleLbl name="parChTrans2D1">
+    <dgm:scene3d>
+      <a:camera prst="orthographicFront"/>
+      <a:lightRig rig="threePt" dir="t"/>
+    </dgm:scene3d>
+    <dgm:sp3d/>
+    <dgm:txPr/>
+    <dgm:style>
+      <a:lnRef idx="2">
+        <a:scrgbClr r="0" g="0" b="0"/>
+      </a:lnRef>
+      <a:fillRef idx="1">
+        <a:scrgbClr r="0" g="0" b="0"/>
+      </a:fillRef>
+      <a:effectRef idx="0">
+        <a:scrgbClr r="0" g="0" b="0"/>
+      </a:effectRef>
+      <a:fontRef idx="minor">
+        <a:schemeClr val="lt1"/>
+      </a:fontRef>
+    </dgm:style>
+  </dgm:styleLbl>
+  <dgm:styleLbl name="parChTrans2D2">
+    <dgm:scene3d>
+      <a:camera prst="orthographicFront"/>
+      <a:lightRig rig="threePt" dir="t"/>
+    </dgm:scene3d>
+    <dgm:sp3d/>
+    <dgm:txPr/>
+    <dgm:style>
+      <a:lnRef idx="2">
+        <a:scrgbClr r="0" g="0" b="0"/>
+      </a:lnRef>
+      <a:fillRef idx="1">
+        <a:scrgbClr r="0" g="0" b="0"/>
+      </a:fillRef>
+      <a:effectRef idx="0">
+        <a:scrgbClr r="0" g="0" b="0"/>
+      </a:effectRef>
+      <a:fontRef idx="minor">
+        <a:schemeClr val="lt1"/>
+      </a:fontRef>
+    </dgm:style>
+  </dgm:styleLbl>
+  <dgm:styleLbl name="parChTrans2D3">
+    <dgm:scene3d>
+      <a:camera prst="orthographicFront"/>
+      <a:lightRig rig="threePt" dir="t"/>
+    </dgm:scene3d>
+    <dgm:sp3d/>
+    <dgm:txPr/>
+    <dgm:style>
+      <a:lnRef idx="2">
+        <a:scrgbClr r="0" g="0" b="0"/>
+      </a:lnRef>
+      <a:fillRef idx="1">
+        <a:scrgbClr r="0" g="0" b="0"/>
+      </a:fillRef>
+      <a:effectRef idx="0">
+        <a:scrgbClr r="0" g="0" b="0"/>
+      </a:effectRef>
+      <a:fontRef idx="minor">
+        <a:schemeClr val="lt1"/>
+      </a:fontRef>
+    </dgm:style>
+  </dgm:styleLbl>
+  <dgm:styleLbl name="parChTrans2D4">
+    <dgm:scene3d>
+      <a:camera prst="orthographicFront"/>
+      <a:lightRig rig="threePt" dir="t"/>
+    </dgm:scene3d>
+    <dgm:sp3d/>
+    <dgm:txPr/>
+    <dgm:style>
+      <a:lnRef idx="2">
+        <a:scrgbClr r="0" g="0" b="0"/>
+      </a:lnRef>
+      <a:fillRef idx="1">
+        <a:scrgbClr r="0" g="0" b="0"/>
+      </a:fillRef>
+      <a:effectRef idx="0">
+        <a:scrgbClr r="0" g="0" b="0"/>
+      </a:effectRef>
+      <a:fontRef idx="minor">
+        <a:schemeClr val="lt1"/>
+      </a:fontRef>
+    </dgm:style>
+  </dgm:styleLbl>
+  <dgm:styleLbl name="parChTrans1D1">
+    <dgm:scene3d>
+      <a:camera prst="orthographicFront"/>
+      <a:lightRig rig="threePt" dir="t"/>
+    </dgm:scene3d>
+    <dgm:sp3d/>
+    <dgm:txPr/>
+    <dgm:style>
+      <a:lnRef idx="2">
+        <a:scrgbClr r="0" g="0" b="0"/>
+      </a:lnRef>
+      <a:fillRef idx="0">
+        <a:scrgbClr r="0" g="0" b="0"/>
+      </a:fillRef>
+      <a:effectRef idx="0">
+        <a:scrgbClr r="0" g="0" b="0"/>
+      </a:effectRef>
+      <a:fontRef idx="minor"/>
+    </dgm:style>
+  </dgm:styleLbl>
+  <dgm:styleLbl name="parChTrans1D2">
+    <dgm:scene3d>
+      <a:camera prst="orthographicFront"/>
+      <a:lightRig rig="threePt" dir="t"/>
+    </dgm:scene3d>
+    <dgm:sp3d/>
+    <dgm:txPr/>
+    <dgm:style>
+      <a:lnRef idx="2">
+        <a:scrgbClr r="0" g="0" b="0"/>
+      </a:lnRef>
+      <a:fillRef idx="0">
+        <a:scrgbClr r="0" g="0" b="0"/>
+      </a:fillRef>
+      <a:effectRef idx="0">
+        <a:scrgbClr r="0" g="0" b="0"/>
+      </a:effectRef>
+      <a:fontRef idx="minor"/>
+    </dgm:style>
+  </dgm:styleLbl>
+  <dgm:styleLbl name="parChTrans1D3">
+    <dgm:scene3d>
+      <a:camera prst="orthographicFront"/>
+      <a:lightRig rig="threePt" dir="t"/>
+    </dgm:scene3d>
+    <dgm:sp3d/>
+    <dgm:txPr/>
+    <dgm:style>
+      <a:lnRef idx="2">
+        <a:scrgbClr r="0" g="0" b="0"/>
+      </a:lnRef>
+      <a:fillRef idx="0">
+        <a:scrgbClr r="0" g="0" b="0"/>
+      </a:fillRef>
+      <a:effectRef idx="0">
+        <a:scrgbClr r="0" g="0" b="0"/>
+      </a:effectRef>
+      <a:fontRef idx="minor"/>
+    </dgm:style>
+  </dgm:styleLbl>
+  <dgm:styleLbl name="parChTrans1D4">
+    <dgm:scene3d>
+      <a:camera prst="orthographicFront"/>
+      <a:lightRig rig="threePt" dir="t"/>
+    </dgm:scene3d>
+    <dgm:sp3d/>
+    <dgm:txPr/>
+    <dgm:style>
+      <a:lnRef idx="2">
+        <a:scrgbClr r="0" g="0" b="0"/>
+      </a:lnRef>
+      <a:fillRef idx="0">
+        <a:scrgbClr r="0" g="0" b="0"/>
+      </a:fillRef>
+      <a:effectRef idx="0">
+        <a:scrgbClr r="0" g="0" b="0"/>
+      </a:effectRef>
+      <a:fontRef idx="minor"/>
+    </dgm:style>
+  </dgm:styleLbl>
+  <dgm:styleLbl name="fgAcc1">
+    <dgm:scene3d>
+      <a:camera prst="orthographicFront"/>
+      <a:lightRig rig="threePt" dir="t"/>
+    </dgm:scene3d>
+    <dgm:sp3d/>
+    <dgm:txPr/>
+    <dgm:style>
+      <a:lnRef idx="2">
+        <a:scrgbClr r="0" g="0" b="0"/>
+      </a:lnRef>
+      <a:fillRef idx="1">
+        <a:scrgbClr r="0" g="0" b="0"/>
+      </a:fillRef>
+      <a:effectRef idx="0">
+        <a:scrgbClr r="0" g="0" b="0"/>
+      </a:effectRef>
+      <a:fontRef idx="minor"/>
+    </dgm:style>
+  </dgm:styleLbl>
+  <dgm:styleLbl name="conFgAcc1">
+    <dgm:scene3d>
+      <a:camera prst="orthographicFront"/>
+      <a:lightRig rig="threePt" dir="t"/>
+    </dgm:scene3d>
+    <dgm:sp3d/>
+    <dgm:txPr/>
+    <dgm:style>
+      <a:lnRef idx="2">
+        <a:scrgbClr r="0" g="0" b="0"/>
+      </a:lnRef>
+      <a:fillRef idx="1">
+        <a:scrgbClr r="0" g="0" b="0"/>
+      </a:fillRef>
+      <a:effectRef idx="0">
+        <a:scrgbClr r="0" g="0" b="0"/>
+      </a:effectRef>
+      <a:fontRef idx="minor"/>
+    </dgm:style>
+  </dgm:styleLbl>
+  <dgm:styleLbl name="alignAcc1">
+    <dgm:scene3d>
+      <a:camera prst="orthographicFront"/>
+      <a:lightRig rig="threePt" dir="t"/>
+    </dgm:scene3d>
+    <dgm:sp3d/>
+    <dgm:txPr/>
+    <dgm:style>
+      <a:lnRef idx="2">
+        <a:scrgbClr r="0" g="0" b="0"/>
+      </a:lnRef>
+      <a:fillRef idx="1">
+        <a:scrgbClr r="0" g="0" b="0"/>
+      </a:fillRef>
+      <a:effectRef idx="0">
+        <a:scrgbClr r="0" g="0" b="0"/>
+      </a:effectRef>
+      <a:fontRef idx="minor"/>
+    </dgm:style>
+  </dgm:styleLbl>
+  <dgm:styleLbl name="trAlignAcc1">
+    <dgm:scene3d>
+      <a:camera prst="orthographicFront"/>
+      <a:lightRig rig="threePt" dir="t"/>
+    </dgm:scene3d>
+    <dgm:sp3d/>
+    <dgm:txPr/>
+    <dgm:style>
+      <a:lnRef idx="1">
+        <a:scrgbClr r="0" g="0" b="0"/>
+      </a:lnRef>
+      <a:fillRef idx="1">
+        <a:scrgbClr r="0" g="0" b="0"/>
+      </a:fillRef>
+      <a:effectRef idx="0">
+        <a:scrgbClr r="0" g="0" b="0"/>
+      </a:effectRef>
+      <a:fontRef idx="minor"/>
+    </dgm:style>
+  </dgm:styleLbl>
+  <dgm:styleLbl name="bgAcc1">
+    <dgm:scene3d>
+      <a:camera prst="orthographicFront"/>
+      <a:lightRig rig="threePt" dir="t"/>
+    </dgm:scene3d>
+    <dgm:sp3d/>
+    <dgm:txPr/>
+    <dgm:style>
+      <a:lnRef idx="2">
+        <a:scrgbClr r="0" g="0" b="0"/>
+      </a:lnRef>
+      <a:fillRef idx="1">
+        <a:scrgbClr r="0" g="0" b="0"/>
+      </a:fillRef>
+      <a:effectRef idx="0">
+        <a:scrgbClr r="0" g="0" b="0"/>
+      </a:effectRef>
+      <a:fontRef idx="minor"/>
+    </dgm:style>
+  </dgm:styleLbl>
+  <dgm:styleLbl name="solidFgAcc1">
+    <dgm:scene3d>
+      <a:camera prst="orthographicFront"/>
+      <a:lightRig rig="threePt" dir="t"/>
+    </dgm:scene3d>
+    <dgm:sp3d/>
+    <dgm:txPr/>
+    <dgm:style>
+      <a:lnRef idx="2">
+        <a:scrgbClr r="0" g="0" b="0"/>
+      </a:lnRef>
+      <a:fillRef idx="1">
+        <a:scrgbClr r="0" g="0" b="0"/>
+      </a:fillRef>
+      <a:effectRef idx="0">
+        <a:scrgbClr r="0" g="0" b="0"/>
+      </a:effectRef>
+      <a:fontRef idx="minor"/>
+    </dgm:style>
+  </dgm:styleLbl>
+  <dgm:styleLbl name="solidAlignAcc1">
+    <dgm:scene3d>
+      <a:camera prst="orthographicFront"/>
+      <a:lightRig rig="threePt" dir="t"/>
+    </dgm:scene3d>
+    <dgm:sp3d/>
+    <dgm:txPr/>
+    <dgm:style>
+      <a:lnRef idx="2">
+        <a:scrgbClr r="0" g="0" b="0"/>
+      </a:lnRef>
+      <a:fillRef idx="1">
+        <a:scrgbClr r="0" g="0" b="0"/>
+      </a:fillRef>
+      <a:effectRef idx="0">
+        <a:scrgbClr r="0" g="0" b="0"/>
+      </a:effectRef>
+      <a:fontRef idx="minor"/>
+    </dgm:style>
+  </dgm:styleLbl>
+  <dgm:styleLbl name="solidBgAcc1">
+    <dgm:scene3d>
+      <a:camera prst="orthographicFront"/>
+      <a:lightRig rig="threePt" dir="t"/>
+    </dgm:scene3d>
+    <dgm:sp3d/>
+    <dgm:txPr/>
+    <dgm:style>
+      <a:lnRef idx="2">
+        <a:scrgbClr r="0" g="0" b="0"/>
+      </a:lnRef>
+      <a:fillRef idx="1">
+        <a:scrgbClr r="0" g="0" b="0"/>
+      </a:fillRef>
+      <a:effectRef idx="0">
+        <a:scrgbClr r="0" g="0" b="0"/>
+      </a:effectRef>
+      <a:fontRef idx="minor"/>
+    </dgm:style>
+  </dgm:styleLbl>
+  <dgm:styleLbl name="fgAccFollowNode1">
+    <dgm:scene3d>
+      <a:camera prst="orthographicFront"/>
+      <a:lightRig rig="threePt" dir="t"/>
+    </dgm:scene3d>
+    <dgm:sp3d/>
+    <dgm:txPr/>
+    <dgm:style>
+      <a:lnRef idx="2">
+        <a:scrgbClr r="0" g="0" b="0"/>
+      </a:lnRef>
+      <a:fillRef idx="1">
+        <a:scrgbClr r="0" g="0" b="0"/>
+      </a:fillRef>
+      <a:effectRef idx="0">
+        <a:scrgbClr r="0" g="0" b="0"/>
+      </a:effectRef>
+      <a:fontRef idx="minor"/>
+    </dgm:style>
+  </dgm:styleLbl>
+  <dgm:styleLbl name="alignAccFollowNode1">
+    <dgm:scene3d>
+      <a:camera prst="orthographicFront"/>
+      <a:lightRig rig="threePt" dir="t"/>
+    </dgm:scene3d>
+    <dgm:sp3d/>
+    <dgm:txPr/>
+    <dgm:style>
+      <a:lnRef idx="2">
+        <a:scrgbClr r="0" g="0" b="0"/>
+      </a:lnRef>
+      <a:fillRef idx="1">
+        <a:scrgbClr r="0" g="0" b="0"/>
+      </a:fillRef>
+      <a:effectRef idx="0">
+        <a:scrgbClr r="0" g="0" b="0"/>
+      </a:effectRef>
+      <a:fontRef idx="minor"/>
+    </dgm:style>
+  </dgm:styleLbl>
+  <dgm:styleLbl name="bgAccFollowNode1">
+    <dgm:scene3d>
+      <a:camera prst="orthographicFront"/>
+      <a:lightRig rig="threePt" dir="t"/>
+    </dgm:scene3d>
+    <dgm:sp3d/>
+    <dgm:txPr/>
+    <dgm:style>
+      <a:lnRef idx="2">
+        <a:scrgbClr r="0" g="0" b="0"/>
+      </a:lnRef>
+      <a:fillRef idx="1">
+        <a:scrgbClr r="0" g="0" b="0"/>
+      </a:fillRef>
+      <a:effectRef idx="0">
+        <a:scrgbClr r="0" g="0" b="0"/>
+      </a:effectRef>
+      <a:fontRef idx="minor"/>
+    </dgm:style>
+  </dgm:styleLbl>
+  <dgm:styleLbl name="fgAcc0">
+    <dgm:scene3d>
+      <a:camera prst="orthographicFront"/>
+      <a:lightRig rig="threePt" dir="t"/>
+    </dgm:scene3d>
+    <dgm:sp3d/>
+    <dgm:txPr/>
+    <dgm:style>
+      <a:lnRef idx="2">
+        <a:scrgbClr r="0" g="0" b="0"/>
+      </a:lnRef>
+      <a:fillRef idx="1">
+        <a:scrgbClr r="0" g="0" b="0"/>
+      </a:fillRef>
+      <a:effectRef idx="0">
+        <a:scrgbClr r="0" g="0" b="0"/>
+      </a:effectRef>
+      <a:fontRef idx="minor"/>
+    </dgm:style>
+  </dgm:styleLbl>
+  <dgm:styleLbl name="fgAcc2">
+    <dgm:scene3d>
+      <a:camera prst="orthographicFront"/>
+      <a:lightRig rig="threePt" dir="t"/>
+    </dgm:scene3d>
+    <dgm:sp3d/>
+    <dgm:txPr/>
+    <dgm:style>
+      <a:lnRef idx="2">
+        <a:scrgbClr r="0" g="0" b="0"/>
+      </a:lnRef>
+      <a:fillRef idx="1">
+        <a:scrgbClr r="0" g="0" b="0"/>
+      </a:fillRef>
+      <a:effectRef idx="0">
+        <a:scrgbClr r="0" g="0" b="0"/>
+      </a:effectRef>
+      <a:fontRef idx="minor"/>
+    </dgm:style>
+  </dgm:styleLbl>
+  <dgm:styleLbl name="fgAcc3">
+    <dgm:scene3d>
+      <a:camera prst="orthographicFront"/>
+      <a:lightRig rig="threePt" dir="t"/>
+    </dgm:scene3d>
+    <dgm:sp3d/>
+    <dgm:txPr/>
+    <dgm:style>
+      <a:lnRef idx="2">
+        <a:scrgbClr r="0" g="0" b="0"/>
+      </a:lnRef>
+      <a:fillRef idx="1">
+        <a:scrgbClr r="0" g="0" b="0"/>
+      </a:fillRef>
+      <a:effectRef idx="0">
+        <a:scrgbClr r="0" g="0" b="0"/>
+      </a:effectRef>
+      <a:fontRef idx="minor"/>
+    </dgm:style>
+  </dgm:styleLbl>
+  <dgm:styleLbl name="fgAcc4">
+    <dgm:scene3d>
+      <a:camera prst="orthographicFront"/>
+      <a:lightRig rig="threePt" dir="t"/>
+    </dgm:scene3d>
+    <dgm:sp3d/>
+    <dgm:txPr/>
+    <dgm:style>
+      <a:lnRef idx="2">
+        <a:scrgbClr r="0" g="0" b="0"/>
+      </a:lnRef>
+      <a:fillRef idx="1">
+        <a:scrgbClr r="0" g="0" b="0"/>
+      </a:fillRef>
+      <a:effectRef idx="0">
+        <a:scrgbClr r="0" g="0" b="0"/>
+      </a:effectRef>
+      <a:fontRef idx="minor"/>
+    </dgm:style>
+  </dgm:styleLbl>
+  <dgm:styleLbl name="bgShp">
+    <dgm:scene3d>
+      <a:camera prst="orthographicFront"/>
+      <a:lightRig rig="threePt" dir="t"/>
+    </dgm:scene3d>
+    <dgm:sp3d/>
+    <dgm:txPr/>
+    <dgm:style>
+      <a:lnRef idx="0">
+        <a:scrgbClr r="0" g="0" b="0"/>
+      </a:lnRef>
+      <a:fillRef idx="1">
+        <a:scrgbClr r="0" g="0" b="0"/>
+      </a:fillRef>
+      <a:effectRef idx="0">
+        <a:scrgbClr r="0" g="0" b="0"/>
+      </a:effectRef>
+      <a:fontRef idx="minor"/>
+    </dgm:style>
+  </dgm:styleLbl>
+  <dgm:styleLbl name="dkBgShp">
+    <dgm:scene3d>
+      <a:camera prst="orthographicFront"/>
+      <a:lightRig rig="threePt" dir="t"/>
+    </dgm:scene3d>
+    <dgm:sp3d/>
+    <dgm:txPr/>
+    <dgm:style>
+      <a:lnRef idx="0">
+        <a:scrgbClr r="0" g="0" b="0"/>
+      </a:lnRef>
+      <a:fillRef idx="1">
+        <a:scrgbClr r="0" g="0" b="0"/>
+      </a:fillRef>
+      <a:effectRef idx="0">
+        <a:scrgbClr r="0" g="0" b="0"/>
+      </a:effectRef>
+      <a:fontRef idx="minor"/>
+    </dgm:style>
+  </dgm:styleLbl>
+  <dgm:styleLbl name="trBgShp">
+    <dgm:scene3d>
+      <a:camera prst="orthographicFront"/>
+      <a:lightRig rig="threePt" dir="t"/>
+    </dgm:scene3d>
+    <dgm:sp3d/>
+    <dgm:txPr/>
+    <dgm:style>
+      <a:lnRef idx="0">
+        <a:scrgbClr r="0" g="0" b="0"/>
+      </a:lnRef>
+      <a:fillRef idx="1">
+        <a:scrgbClr r="0" g="0" b="0"/>
+      </a:fillRef>
+      <a:effectRef idx="0">
+        <a:scrgbClr r="0" g="0" b="0"/>
+      </a:effectRef>
+      <a:fontRef idx="minor"/>
+    </dgm:style>
+  </dgm:styleLbl>
+  <dgm:styleLbl name="fgShp">
+    <dgm:scene3d>
+      <a:camera prst="orthographicFront"/>
+      <a:lightRig rig="threePt" dir="t"/>
+    </dgm:scene3d>
+    <dgm:sp3d/>
+    <dgm:txPr/>
+    <dgm:style>
+      <a:lnRef idx="2">
+        <a:scrgbClr r="0" g="0" b="0"/>
+      </a:lnRef>
+      <a:fillRef idx="1">
+        <a:scrgbClr r="0" g="0" b="0"/>
+      </a:fillRef>
+      <a:effectRef idx="0">
+        <a:scrgbClr r="0" g="0" b="0"/>
+      </a:effectRef>
+      <a:fontRef idx="minor"/>
+    </dgm:style>
+  </dgm:styleLbl>
+  <dgm:styleLbl name="revTx">
+    <dgm:scene3d>
+      <a:camera prst="orthographicFront"/>
+      <a:lightRig rig="threePt" dir="t"/>
+    </dgm:scene3d>
+    <dgm:sp3d/>
+    <dgm:txPr/>
+    <dgm:style>
+      <a:lnRef idx="0">
+        <a:scrgbClr r="0" g="0" b="0"/>
+      </a:lnRef>
+      <a:fillRef idx="0">
+        <a:scrgbClr r="0" g="0" b="0"/>
+      </a:fillRef>
+      <a:effectRef idx="0">
+        <a:scrgbClr r="0" g="0" b="0"/>
+      </a:effectRef>
+      <a:fontRef idx="minor"/>
+    </dgm:style>
+  </dgm:styleLbl>
+</dgm:styleDef>
+</file>
+
 <file path=ppt/slideLayouts/slideLayout1.xml><?xml version="1.0" encoding="utf-8"?>
 <p:sldLayout xmlns:a="http://schemas.openxmlformats.org/drawingml/2006/main" xmlns:r="http://schemas.openxmlformats.org/officeDocument/2006/relationships" xmlns:p="http://schemas.openxmlformats.org/presentationml/2006/main" type="title" preserve="1">
   <p:cSld name="Title Slide">
@@ -258,7 +5897,7 @@
           <a:p>
             <a:fld id="{4AD17FBA-57A2-4498-BF74-5BD245463B60}" type="datetimeFigureOut">
               <a:rPr lang="bg-BG" smtClean="0"/>
-              <a:t>22.4.2024 г.</a:t>
+              <a:t>23.4.2024 г.</a:t>
             </a:fld>
             <a:endParaRPr lang="bg-BG"/>
           </a:p>
@@ -428,7 +6067,7 @@
           <a:p>
             <a:fld id="{4AD17FBA-57A2-4498-BF74-5BD245463B60}" type="datetimeFigureOut">
               <a:rPr lang="bg-BG" smtClean="0"/>
-              <a:t>22.4.2024 г.</a:t>
+              <a:t>23.4.2024 г.</a:t>
             </a:fld>
             <a:endParaRPr lang="bg-BG"/>
           </a:p>
@@ -608,7 +6247,7 @@
           <a:p>
             <a:fld id="{4AD17FBA-57A2-4498-BF74-5BD245463B60}" type="datetimeFigureOut">
               <a:rPr lang="bg-BG" smtClean="0"/>
-              <a:t>22.4.2024 г.</a:t>
+              <a:t>23.4.2024 г.</a:t>
             </a:fld>
             <a:endParaRPr lang="bg-BG"/>
           </a:p>
@@ -778,7 +6417,7 @@
           <a:p>
             <a:fld id="{4AD17FBA-57A2-4498-BF74-5BD245463B60}" type="datetimeFigureOut">
               <a:rPr lang="bg-BG" smtClean="0"/>
-              <a:t>22.4.2024 г.</a:t>
+              <a:t>23.4.2024 г.</a:t>
             </a:fld>
             <a:endParaRPr lang="bg-BG"/>
           </a:p>
@@ -1024,7 +6663,7 @@
           <a:p>
             <a:fld id="{4AD17FBA-57A2-4498-BF74-5BD245463B60}" type="datetimeFigureOut">
               <a:rPr lang="bg-BG" smtClean="0"/>
-              <a:t>22.4.2024 г.</a:t>
+              <a:t>23.4.2024 г.</a:t>
             </a:fld>
             <a:endParaRPr lang="bg-BG"/>
           </a:p>
@@ -1256,7 +6895,7 @@
           <a:p>
             <a:fld id="{4AD17FBA-57A2-4498-BF74-5BD245463B60}" type="datetimeFigureOut">
               <a:rPr lang="bg-BG" smtClean="0"/>
-              <a:t>22.4.2024 г.</a:t>
+              <a:t>23.4.2024 г.</a:t>
             </a:fld>
             <a:endParaRPr lang="bg-BG"/>
           </a:p>
@@ -1623,7 +7262,7 @@
           <a:p>
             <a:fld id="{4AD17FBA-57A2-4498-BF74-5BD245463B60}" type="datetimeFigureOut">
               <a:rPr lang="bg-BG" smtClean="0"/>
-              <a:t>22.4.2024 г.</a:t>
+              <a:t>23.4.2024 г.</a:t>
             </a:fld>
             <a:endParaRPr lang="bg-BG"/>
           </a:p>
@@ -1741,7 +7380,7 @@
           <a:p>
             <a:fld id="{4AD17FBA-57A2-4498-BF74-5BD245463B60}" type="datetimeFigureOut">
               <a:rPr lang="bg-BG" smtClean="0"/>
-              <a:t>22.4.2024 г.</a:t>
+              <a:t>23.4.2024 г.</a:t>
             </a:fld>
             <a:endParaRPr lang="bg-BG"/>
           </a:p>
@@ -1836,7 +7475,7 @@
           <a:p>
             <a:fld id="{4AD17FBA-57A2-4498-BF74-5BD245463B60}" type="datetimeFigureOut">
               <a:rPr lang="bg-BG" smtClean="0"/>
-              <a:t>22.4.2024 г.</a:t>
+              <a:t>23.4.2024 г.</a:t>
             </a:fld>
             <a:endParaRPr lang="bg-BG"/>
           </a:p>
@@ -2113,7 +7752,7 @@
           <a:p>
             <a:fld id="{4AD17FBA-57A2-4498-BF74-5BD245463B60}" type="datetimeFigureOut">
               <a:rPr lang="bg-BG" smtClean="0"/>
-              <a:t>22.4.2024 г.</a:t>
+              <a:t>23.4.2024 г.</a:t>
             </a:fld>
             <a:endParaRPr lang="bg-BG"/>
           </a:p>
@@ -2366,7 +8005,7 @@
           <a:p>
             <a:fld id="{4AD17FBA-57A2-4498-BF74-5BD245463B60}" type="datetimeFigureOut">
               <a:rPr lang="bg-BG" smtClean="0"/>
-              <a:t>22.4.2024 г.</a:t>
+              <a:t>23.4.2024 г.</a:t>
             </a:fld>
             <a:endParaRPr lang="bg-BG"/>
           </a:p>
@@ -2579,7 +8218,7 @@
           <a:p>
             <a:fld id="{4AD17FBA-57A2-4498-BF74-5BD245463B60}" type="datetimeFigureOut">
               <a:rPr lang="bg-BG" smtClean="0"/>
-              <a:t>22.4.2024 г.</a:t>
+              <a:t>23.4.2024 г.</a:t>
             </a:fld>
             <a:endParaRPr lang="bg-BG"/>
           </a:p>
@@ -3017,6 +8656,18 @@
   <p:clrMapOvr>
     <a:masterClrMapping/>
   </p:clrMapOvr>
+  <mc:AlternateContent xmlns:mc="http://schemas.openxmlformats.org/markup-compatibility/2006">
+    <mc:Choice xmlns:p159="http://schemas.microsoft.com/office/powerpoint/2015/09/main" Requires="p159">
+      <p:transition xmlns:p14="http://schemas.microsoft.com/office/powerpoint/2010/main" spd="slow" p14:dur="2000">
+        <p159:morph option="byObject"/>
+      </p:transition>
+    </mc:Choice>
+    <mc:Fallback>
+      <p:transition spd="slow">
+        <p:fade/>
+      </p:transition>
+    </mc:Fallback>
+  </mc:AlternateContent>
 </p:sld>
 </file>
 
@@ -3771,6 +9422,18 @@
   <p:clrMapOvr>
     <a:masterClrMapping/>
   </p:clrMapOvr>
+  <mc:AlternateContent xmlns:mc="http://schemas.openxmlformats.org/markup-compatibility/2006">
+    <mc:Choice xmlns:p14="http://schemas.microsoft.com/office/powerpoint/2010/main" Requires="p14">
+      <p:transition spd="med" p14:dur="700">
+        <p:fade/>
+      </p:transition>
+    </mc:Choice>
+    <mc:Fallback>
+      <p:transition spd="med">
+        <p:fade/>
+      </p:transition>
+    </mc:Fallback>
+  </mc:AlternateContent>
 </p:sld>
 </file>
 
@@ -3926,10 +9589,199 @@
   <p:clrMapOvr>
     <a:masterClrMapping/>
   </p:clrMapOvr>
+  <p:transition spd="slow">
+    <p:push dir="u"/>
+  </p:transition>
 </p:sld>
 </file>
 
 <file path=ppt/slides/slide4.xml><?xml version="1.0" encoding="utf-8"?>
+<p:sld xmlns:a="http://schemas.openxmlformats.org/drawingml/2006/main" xmlns:r="http://schemas.openxmlformats.org/officeDocument/2006/relationships" xmlns:p="http://schemas.openxmlformats.org/presentationml/2006/main">
+  <p:cSld>
+    <p:spTree>
+      <p:nvGrpSpPr>
+        <p:cNvPr id="1" name=""/>
+        <p:cNvGrpSpPr/>
+        <p:nvPr/>
+      </p:nvGrpSpPr>
+      <p:grpSpPr>
+        <a:xfrm>
+          <a:off x="0" y="0"/>
+          <a:ext cx="0" cy="0"/>
+          <a:chOff x="0" y="0"/>
+          <a:chExt cx="0" cy="0"/>
+        </a:xfrm>
+      </p:grpSpPr>
+      <p:pic>
+        <p:nvPicPr>
+          <p:cNvPr id="2" name="Picture 1">
+            <a:extLst>
+              <a:ext uri="{FF2B5EF4-FFF2-40B4-BE49-F238E27FC236}">
+                <a16:creationId xmlns:a16="http://schemas.microsoft.com/office/drawing/2014/main" id="{35DA52F1-6D5B-8B6B-C626-6DBCFCFF8F57}"/>
+              </a:ext>
+            </a:extLst>
+          </p:cNvPr>
+          <p:cNvPicPr>
+            <a:picLocks noChangeAspect="1"/>
+          </p:cNvPicPr>
+          <p:nvPr/>
+        </p:nvPicPr>
+        <p:blipFill rotWithShape="1">
+          <a:blip r:embed="rId2"/>
+          <a:srcRect l="694" r="16053" b="12133"/>
+          <a:stretch/>
+        </p:blipFill>
+        <p:spPr>
+          <a:xfrm>
+            <a:off x="0" y="0"/>
+            <a:ext cx="7991475" cy="5038725"/>
+          </a:xfrm>
+          <a:prstGeom prst="rect">
+            <a:avLst/>
+          </a:prstGeom>
+        </p:spPr>
+      </p:pic>
+      <p:sp>
+        <p:nvSpPr>
+          <p:cNvPr id="3" name="TextBox 2">
+            <a:extLst>
+              <a:ext uri="{FF2B5EF4-FFF2-40B4-BE49-F238E27FC236}">
+                <a16:creationId xmlns:a16="http://schemas.microsoft.com/office/drawing/2014/main" id="{BDB5BF0F-2354-5C33-0B18-03C6A7999657}"/>
+              </a:ext>
+            </a:extLst>
+          </p:cNvPr>
+          <p:cNvSpPr txBox="1"/>
+          <p:nvPr/>
+        </p:nvSpPr>
+        <p:spPr>
+          <a:xfrm>
+            <a:off x="5002706" y="642172"/>
+            <a:ext cx="5977538" cy="769441"/>
+          </a:xfrm>
+          <a:prstGeom prst="rect">
+            <a:avLst/>
+          </a:prstGeom>
+          <a:noFill/>
+        </p:spPr>
+        <p:txBody>
+          <a:bodyPr wrap="square" rtlCol="0">
+            <a:spAutoFit/>
+          </a:bodyPr>
+          <a:lstStyle/>
+          <a:p>
+            <a:r>
+              <a:rPr lang="en-US" sz="4400" dirty="0">
+                <a:latin typeface="Lacquer" pitchFamily="2" charset="0"/>
+              </a:rPr>
+              <a:t>Stages of realization</a:t>
+            </a:r>
+            <a:endParaRPr lang="bg-BG" sz="4400" dirty="0"/>
+          </a:p>
+        </p:txBody>
+      </p:sp>
+      <p:grpSp>
+        <p:nvGrpSpPr>
+          <p:cNvPr id="8" name="Group 7">
+            <a:extLst>
+              <a:ext uri="{FF2B5EF4-FFF2-40B4-BE49-F238E27FC236}">
+                <a16:creationId xmlns:a16="http://schemas.microsoft.com/office/drawing/2014/main" id="{53DD89F6-0E8B-1BF3-6534-57EC7349F4D1}"/>
+              </a:ext>
+            </a:extLst>
+          </p:cNvPr>
+          <p:cNvGrpSpPr/>
+          <p:nvPr/>
+        </p:nvGrpSpPr>
+        <p:grpSpPr>
+          <a:xfrm>
+            <a:off x="1776520" y="642172"/>
+            <a:ext cx="8638960" cy="6063160"/>
+            <a:chOff x="2031999" y="719666"/>
+            <a:chExt cx="8128000" cy="5783225"/>
+          </a:xfrm>
+        </p:grpSpPr>
+        <p:graphicFrame>
+          <p:nvGraphicFramePr>
+            <p:cNvPr id="4" name="Diagram 3">
+              <a:extLst>
+                <a:ext uri="{FF2B5EF4-FFF2-40B4-BE49-F238E27FC236}">
+                  <a16:creationId xmlns:a16="http://schemas.microsoft.com/office/drawing/2014/main" id="{FD5A6223-5554-B3D5-B6F3-192B6E23BF8F}"/>
+                </a:ext>
+              </a:extLst>
+            </p:cNvPr>
+            <p:cNvGraphicFramePr/>
+            <p:nvPr>
+              <p:extLst>
+                <p:ext uri="{D42A27DB-BD31-4B8C-83A1-F6EECF244321}">
+                  <p14:modId xmlns:p14="http://schemas.microsoft.com/office/powerpoint/2010/main" val="3028809008"/>
+                </p:ext>
+              </p:extLst>
+            </p:nvPr>
+          </p:nvGraphicFramePr>
+          <p:xfrm>
+            <a:off x="2031999" y="719666"/>
+            <a:ext cx="8128000" cy="5418667"/>
+          </p:xfrm>
+          <a:graphic>
+            <a:graphicData uri="http://schemas.openxmlformats.org/drawingml/2006/diagram">
+              <dgm:relIds xmlns:dgm="http://schemas.openxmlformats.org/drawingml/2006/diagram" xmlns:r="http://schemas.openxmlformats.org/officeDocument/2006/relationships" r:dm="rId3" r:lo="rId4" r:qs="rId5" r:cs="rId6"/>
+            </a:graphicData>
+          </a:graphic>
+        </p:graphicFrame>
+        <p:graphicFrame>
+          <p:nvGraphicFramePr>
+            <p:cNvPr id="5" name="Diagram 4">
+              <a:extLst>
+                <a:ext uri="{FF2B5EF4-FFF2-40B4-BE49-F238E27FC236}">
+                  <a16:creationId xmlns:a16="http://schemas.microsoft.com/office/drawing/2014/main" id="{4E728785-6F42-2FA8-6C24-1476120D69D8}"/>
+                </a:ext>
+              </a:extLst>
+            </p:cNvPr>
+            <p:cNvGraphicFramePr/>
+            <p:nvPr>
+              <p:extLst>
+                <p:ext uri="{D42A27DB-BD31-4B8C-83A1-F6EECF244321}">
+                  <p14:modId xmlns:p14="http://schemas.microsoft.com/office/powerpoint/2010/main" val="3145225121"/>
+                </p:ext>
+              </p:extLst>
+            </p:nvPr>
+          </p:nvGraphicFramePr>
+          <p:xfrm>
+            <a:off x="3102252" y="3404586"/>
+            <a:ext cx="5987495" cy="3098305"/>
+          </p:xfrm>
+          <a:graphic>
+            <a:graphicData uri="http://schemas.openxmlformats.org/drawingml/2006/diagram">
+              <dgm:relIds xmlns:dgm="http://schemas.openxmlformats.org/drawingml/2006/diagram" xmlns:r="http://schemas.openxmlformats.org/officeDocument/2006/relationships" r:dm="rId8" r:lo="rId9" r:qs="rId10" r:cs="rId11"/>
+            </a:graphicData>
+          </a:graphic>
+        </p:graphicFrame>
+      </p:grpSp>
+    </p:spTree>
+    <p:extLst>
+      <p:ext uri="{BB962C8B-B14F-4D97-AF65-F5344CB8AC3E}">
+        <p14:creationId xmlns:p14="http://schemas.microsoft.com/office/powerpoint/2010/main" val="3494855062"/>
+      </p:ext>
+    </p:extLst>
+  </p:cSld>
+  <p:clrMapOvr>
+    <a:masterClrMapping/>
+  </p:clrMapOvr>
+  <mc:AlternateContent xmlns:mc="http://schemas.openxmlformats.org/markup-compatibility/2006">
+    <mc:Choice xmlns:p14="http://schemas.microsoft.com/office/powerpoint/2010/main" Requires="p14">
+      <p:transition spd="slow" p14:dur="2500">
+        <p14:reveal/>
+      </p:transition>
+    </mc:Choice>
+    <mc:Fallback>
+      <p:transition spd="slow">
+        <p:fade/>
+      </p:transition>
+    </mc:Fallback>
+  </mc:AlternateContent>
+</p:sld>
+</file>
+
+<file path=ppt/slides/slide5.xml><?xml version="1.0" encoding="utf-8"?>
 <p:sld xmlns:a="http://schemas.openxmlformats.org/drawingml/2006/main" xmlns:r="http://schemas.openxmlformats.org/officeDocument/2006/relationships" xmlns:p="http://schemas.openxmlformats.org/presentationml/2006/main">
   <p:cSld>
     <p:spTree>
@@ -4477,10 +10329,13 @@
   <p:clrMapOvr>
     <a:masterClrMapping/>
   </p:clrMapOvr>
+  <p:transition spd="slow">
+    <p:wipe/>
+  </p:transition>
 </p:sld>
 </file>
 
-<file path=ppt/slides/slide5.xml><?xml version="1.0" encoding="utf-8"?>
+<file path=ppt/slides/slide6.xml><?xml version="1.0" encoding="utf-8"?>
 <p:sld xmlns:a="http://schemas.openxmlformats.org/drawingml/2006/main" xmlns:r="http://schemas.openxmlformats.org/officeDocument/2006/relationships" xmlns:p="http://schemas.openxmlformats.org/presentationml/2006/main">
   <p:cSld>
     <p:spTree>
@@ -4611,6 +10466,18 @@
   <p:clrMapOvr>
     <a:masterClrMapping/>
   </p:clrMapOvr>
+  <mc:AlternateContent xmlns:mc="http://schemas.openxmlformats.org/markup-compatibility/2006">
+    <mc:Choice xmlns:p14="http://schemas.microsoft.com/office/powerpoint/2010/main" Requires="p14">
+      <p:transition spd="med" p14:dur="700">
+        <p:fade/>
+      </p:transition>
+    </mc:Choice>
+    <mc:Fallback>
+      <p:transition spd="med">
+        <p:fade/>
+      </p:transition>
+    </mc:Fallback>
+  </mc:AlternateContent>
 </p:sld>
 </file>
 
